--- a/PowerpointTemplater.Tests/files/ReplaceTableMultipleTimes_output.pptx
+++ b/PowerpointTemplater.Tests/files/ReplaceTableMultipleTimes_output.pptx
@@ -5,12 +5,12 @@
     <p:sldMasterId id="2147483648" r:id="rId1"/>
   </p:sldMasterIdLst>
   <p:sldIdLst>
-    <p:sldId id="258" r:id="R84ff40fa117f4dfe"/>
-    <p:sldId id="259" r:id="R2770bc52021d40f8"/>
-    <p:sldId id="260" r:id="Rcb0c947a73384cb3"/>
-    <p:sldId id="262" r:id="R81546c5a65cf45a7"/>
-    <p:sldId id="263" r:id="R9c7f98df5c8c4d35"/>
-    <p:sldId id="264" r:id="R58bb7fd45a5c4e7f"/>
+    <p:sldId id="258" r:id="Rc9104575d00f460a"/>
+    <p:sldId id="259" r:id="R78c7265c13ac4812"/>
+    <p:sldId id="260" r:id="R37ae177512e44b00"/>
+    <p:sldId id="262" r:id="Rbafd5d93c04649aa"/>
+    <p:sldId id="263" r:id="Rbccab9528fe44fb0"/>
+    <p:sldId id="264" r:id="R2da8491636584a2c"/>
   </p:sldIdLst>
   <p:sldSz cx="9144000" cy="6858000" type="screen4x3"/>
   <p:notesSz cx="6858000" cy="9144000"/>

--- a/PowerpointTemplater.Tests/files/ReplaceTableMultipleTimes_output.pptx
+++ b/PowerpointTemplater.Tests/files/ReplaceTableMultipleTimes_output.pptx
@@ -5,12 +5,12 @@
     <p:sldMasterId id="2147483648" r:id="rId1"/>
   </p:sldMasterIdLst>
   <p:sldIdLst>
-    <p:sldId id="258" r:id="Rc9104575d00f460a"/>
-    <p:sldId id="259" r:id="R78c7265c13ac4812"/>
-    <p:sldId id="260" r:id="R37ae177512e44b00"/>
-    <p:sldId id="262" r:id="Rbafd5d93c04649aa"/>
-    <p:sldId id="263" r:id="Rbccab9528fe44fb0"/>
-    <p:sldId id="264" r:id="R2da8491636584a2c"/>
+    <p:sldId id="258" r:id="R5606851bfc3c48b7"/>
+    <p:sldId id="259" r:id="R4e3117c68a214853"/>
+    <p:sldId id="260" r:id="Re6565de55240412e"/>
+    <p:sldId id="262" r:id="Rbac258bfa33d4939"/>
+    <p:sldId id="263" r:id="Rdbc53e66e7f049a2"/>
+    <p:sldId id="264" r:id="R19875baf19314fd7"/>
   </p:sldIdLst>
   <p:sldSz cx="9144000" cy="6858000" type="screen4x3"/>
   <p:notesSz cx="6858000" cy="9144000"/>

--- a/PowerpointTemplater.Tests/files/ReplaceTableMultipleTimes_output.pptx
+++ b/PowerpointTemplater.Tests/files/ReplaceTableMultipleTimes_output.pptx
@@ -5,12 +5,12 @@
     <p:sldMasterId id="2147483648" r:id="rId1"/>
   </p:sldMasterIdLst>
   <p:sldIdLst>
-    <p:sldId id="258" r:id="R5606851bfc3c48b7"/>
-    <p:sldId id="259" r:id="R4e3117c68a214853"/>
-    <p:sldId id="260" r:id="Re6565de55240412e"/>
-    <p:sldId id="262" r:id="Rbac258bfa33d4939"/>
-    <p:sldId id="263" r:id="Rdbc53e66e7f049a2"/>
-    <p:sldId id="264" r:id="R19875baf19314fd7"/>
+    <p:sldId id="258" r:id="R029d6ab96a544984"/>
+    <p:sldId id="259" r:id="R024b0f4fecb94b1f"/>
+    <p:sldId id="260" r:id="Ra468c8484d054dd6"/>
+    <p:sldId id="262" r:id="R9ef24eea2ae74fe5"/>
+    <p:sldId id="263" r:id="Rfa5bb3e686bd4ae8"/>
+    <p:sldId id="264" r:id="Rcc92d1dc819e4f8d"/>
   </p:sldIdLst>
   <p:sldSz cx="9144000" cy="6858000" type="screen4x3"/>
   <p:notesSz cx="6858000" cy="9144000"/>
@@ -3345,7 +3345,7 @@
                     <a:lstStyle/>
                     <a:p>
                       <a:r>
-                        <a:rPr lang="en-US" sz="800" b="0" i="0" u="none" dirty="0" smtClean="0"/>
+                        <a:rPr lang="en-US" sz="800" b="0" i="0" u="none" strike="noStrike" dirty="0" smtClean="0"/>
                         <a:t>Dort</a:t>
                       </a:r>
                       <a:endParaRPr lang="fr-FR" sz="800" b="1" i="1" u="sng" dirty="0"/>
@@ -3359,7 +3359,7 @@
                     <a:lstStyle/>
                     <a:p>
                       <a:r>
-                        <a:rPr lang="en-US" sz="800" b="0" i="0" u="none" dirty="0" smtClean="0"/>
+                        <a:rPr lang="en-US" sz="800" b="0" i="0" u="none" strike="noStrike" dirty="0" smtClean="0"/>
                         <a:t>;</a:t>
                       </a:r>
                       <a:endParaRPr lang="fr-FR" sz="800" b="1" i="1" u="sng" dirty="0"/>
@@ -3390,7 +3390,7 @@
                         <a:defRPr/>
                       </a:pPr>
                       <a:r>
-                        <a:rPr lang="en-US" sz="800" dirty="0" smtClean="0"/>
+                        <a:rPr lang="en-US" sz="800" b="0" i="0" strike="noStrike" dirty="0" smtClean="0"/>
                         <a:t>il</a:t>
                       </a:r>
                       <a:endParaRPr lang="fr-FR" sz="800" dirty="0" smtClean="0"/>
@@ -3404,7 +3404,7 @@
                     <a:lstStyle/>
                     <a:p>
                       <a:r>
-                        <a:rPr lang="en-US" sz="800" dirty="0" smtClean="0"/>
+                        <a:rPr lang="en-US" sz="800" b="0" i="0" strike="noStrike" dirty="0" smtClean="0"/>
                         <a:t>est</a:t>
                       </a:r>
                       <a:endParaRPr lang="fr-FR" sz="800" dirty="0"/>
@@ -3418,7 +3418,7 @@
                     <a:lstStyle/>
                     <a:p>
                       <a:r>
-                        <a:rPr lang="en-US" sz="800" dirty="0" smtClean="0"/>
+                        <a:rPr lang="en-US" sz="800" b="0" i="0" strike="noStrike" dirty="0" smtClean="0"/>
                         <a:t>étendu</a:t>
                       </a:r>
                       <a:endParaRPr lang="fr-FR" sz="800" dirty="0"/>
@@ -3432,7 +3432,7 @@
                     <a:lstStyle/>
                     <a:p>
                       <a:r>
-                        <a:rPr lang="en-US" sz="800" dirty="0" smtClean="0"/>
+                        <a:rPr lang="en-US" sz="800" b="0" i="0" strike="noStrike" dirty="0" smtClean="0"/>
                         <a:t>dans</a:t>
                       </a:r>
                       <a:endParaRPr lang="fr-FR" sz="800" dirty="0"/>
@@ -3446,7 +3446,7 @@
                     <a:lstStyle/>
                     <a:p>
                       <a:r>
-                        <a:rPr lang="en-US" sz="800" dirty="0" smtClean="0"/>
+                        <a:rPr lang="en-US" sz="800" b="0" i="0" strike="noStrike" dirty="0" smtClean="0"/>
                         <a:t>l’herbe,</a:t>
                       </a:r>
                       <a:endParaRPr lang="fr-FR" sz="800" dirty="0"/>
@@ -3460,7 +3460,7 @@
                     <a:lstStyle/>
                     <a:p>
                       <a:r>
-                        <a:rPr lang="en-US" sz="800" dirty="0" smtClean="0"/>
+                        <a:rPr lang="en-US" sz="800" b="0" i="0" strike="noStrike" dirty="0" smtClean="0"/>
                         <a:t>sous</a:t>
                       </a:r>
                       <a:endParaRPr lang="fr-FR" sz="800" dirty="0"/>
@@ -3474,7 +3474,7 @@
                     <a:lstStyle/>
                     <a:p>
                       <a:r>
-                        <a:rPr lang="en-US" sz="800" dirty="0" smtClean="0"/>
+                        <a:rPr lang="en-US" sz="800" b="0" i="0" strike="noStrike" dirty="0" smtClean="0"/>
                         <a:t>la</a:t>
                       </a:r>
                       <a:endParaRPr lang="fr-FR" sz="800" dirty="0"/>
@@ -3488,7 +3488,7 @@
                     <a:lstStyle/>
                     <a:p>
                       <a:r>
-                        <a:rPr lang="en-US" sz="800" dirty="0" smtClean="0"/>
+                        <a:rPr lang="en-US" sz="800" b="0" i="0" strike="noStrike" dirty="0" smtClean="0"/>
                         <a:t>nue,</a:t>
                       </a:r>
                       <a:endParaRPr lang="fr-FR" sz="800" dirty="0"/>
@@ -3502,49 +3502,49 @@
                     <a:lstStyle/>
                     <a:p>
                       <a:r>
-                        <a:rPr lang="en-US" sz="800" dirty="0" smtClean="0"/>
-                        <a:t/>
-                      </a:r>
-                      <a:endParaRPr lang="fr-FR" sz="800" dirty="0"/>
-                    </a:p>
-                  </a:txBody>
-                  <a:tcPr/>
-                </a:tc>
-                <a:tc>
-                  <a:txBody>
-                    <a:bodyPr/>
-                    <a:lstStyle/>
-                    <a:p>
-                      <a:r>
-                        <a:rPr lang="en-US" sz="800" dirty="0" smtClean="0"/>
-                        <a:t/>
-                      </a:r>
-                      <a:endParaRPr lang="fr-FR" sz="800" dirty="0"/>
-                    </a:p>
-                  </a:txBody>
-                  <a:tcPr/>
-                </a:tc>
-                <a:tc>
-                  <a:txBody>
-                    <a:bodyPr/>
-                    <a:lstStyle/>
-                    <a:p>
-                      <a:r>
-                        <a:rPr lang="en-US" sz="800" dirty="0" smtClean="0"/>
-                        <a:t/>
-                      </a:r>
-                      <a:endParaRPr lang="fr-FR" sz="800" dirty="0"/>
-                    </a:p>
-                  </a:txBody>
-                  <a:tcPr/>
-                </a:tc>
-                <a:tc>
-                  <a:txBody>
-                    <a:bodyPr/>
-                    <a:lstStyle/>
-                    <a:p>
-                      <a:r>
-                        <a:rPr lang="en-US" sz="800" dirty="0" smtClean="0"/>
+                        <a:rPr lang="en-US" sz="800" b="0" i="0" strike="noStrike" dirty="0" smtClean="0"/>
+                        <a:t/>
+                      </a:r>
+                      <a:endParaRPr lang="fr-FR" sz="800" dirty="0"/>
+                    </a:p>
+                  </a:txBody>
+                  <a:tcPr/>
+                </a:tc>
+                <a:tc>
+                  <a:txBody>
+                    <a:bodyPr/>
+                    <a:lstStyle/>
+                    <a:p>
+                      <a:r>
+                        <a:rPr lang="en-US" sz="800" b="0" i="0" strike="noStrike" dirty="0" smtClean="0"/>
+                        <a:t/>
+                      </a:r>
+                      <a:endParaRPr lang="fr-FR" sz="800" dirty="0"/>
+                    </a:p>
+                  </a:txBody>
+                  <a:tcPr/>
+                </a:tc>
+                <a:tc>
+                  <a:txBody>
+                    <a:bodyPr/>
+                    <a:lstStyle/>
+                    <a:p>
+                      <a:r>
+                        <a:rPr lang="en-US" sz="800" b="0" i="0" strike="noStrike" dirty="0" smtClean="0"/>
+                        <a:t/>
+                      </a:r>
+                      <a:endParaRPr lang="fr-FR" sz="800" dirty="0"/>
+                    </a:p>
+                  </a:txBody>
+                  <a:tcPr/>
+                </a:tc>
+                <a:tc>
+                  <a:txBody>
+                    <a:bodyPr/>
+                    <a:lstStyle/>
+                    <a:p>
+                      <a:r>
+                        <a:rPr lang="en-US" sz="800" b="0" i="0" strike="noStrike" dirty="0" smtClean="0"/>
                         <a:t/>
                       </a:r>
                       <a:endParaRPr lang="fr-FR" sz="800" dirty="0"/>
@@ -3560,7 +3560,7 @@
                     <a:lstStyle/>
                     <a:p>
                       <a:r>
-                        <a:rPr lang="en-US" sz="800" b="0" i="0" u="none" dirty="0" smtClean="0"/>
+                        <a:rPr lang="en-US" sz="800" b="0" i="0" u="none" strike="noStrike" dirty="0" smtClean="0"/>
                         <a:t>Pâle</a:t>
                       </a:r>
                       <a:endParaRPr lang="fr-FR" sz="800" b="1" i="1" u="sng" dirty="0"/>
@@ -3574,7 +3574,7 @@
                     <a:lstStyle/>
                     <a:p>
                       <a:r>
-                        <a:rPr lang="en-US" sz="800" b="0" i="0" u="none" dirty="0" smtClean="0"/>
+                        <a:rPr lang="en-US" sz="800" b="0" i="0" u="none" strike="noStrike" dirty="0" smtClean="0"/>
                         <a:t>dans</a:t>
                       </a:r>
                       <a:endParaRPr lang="fr-FR" sz="800" b="1" i="1" u="sng" dirty="0"/>
@@ -3605,7 +3605,7 @@
                         <a:defRPr/>
                       </a:pPr>
                       <a:r>
-                        <a:rPr lang="en-US" sz="800" dirty="0" smtClean="0"/>
+                        <a:rPr lang="en-US" sz="800" b="0" i="0" strike="noStrike" dirty="0" smtClean="0"/>
                         <a:t>son</a:t>
                       </a:r>
                       <a:endParaRPr lang="fr-FR" sz="800" dirty="0" smtClean="0"/>
@@ -3619,7 +3619,7 @@
                     <a:lstStyle/>
                     <a:p>
                       <a:r>
-                        <a:rPr lang="en-US" sz="800" dirty="0" smtClean="0"/>
+                        <a:rPr lang="en-US" sz="800" b="0" i="0" strike="noStrike" dirty="0" smtClean="0"/>
                         <a:t>lit</a:t>
                       </a:r>
                       <a:endParaRPr lang="fr-FR" sz="800" dirty="0"/>
@@ -3633,7 +3633,7 @@
                     <a:lstStyle/>
                     <a:p>
                       <a:r>
-                        <a:rPr lang="en-US" sz="800" dirty="0" smtClean="0"/>
+                        <a:rPr lang="en-US" sz="800" b="0" i="0" strike="noStrike" dirty="0" smtClean="0"/>
                         <a:t>vert</a:t>
                       </a:r>
                       <a:endParaRPr lang="fr-FR" sz="800" dirty="0"/>
@@ -3647,7 +3647,7 @@
                     <a:lstStyle/>
                     <a:p>
                       <a:r>
-                        <a:rPr lang="en-US" sz="800" dirty="0" smtClean="0"/>
+                        <a:rPr lang="en-US" sz="800" b="0" i="0" strike="noStrike" dirty="0" smtClean="0"/>
                         <a:t>où</a:t>
                       </a:r>
                       <a:endParaRPr lang="fr-FR" sz="800" dirty="0"/>
@@ -3661,7 +3661,7 @@
                     <a:lstStyle/>
                     <a:p>
                       <a:r>
-                        <a:rPr lang="en-US" sz="800" dirty="0" smtClean="0"/>
+                        <a:rPr lang="en-US" sz="800" b="0" i="0" strike="noStrike" dirty="0" smtClean="0"/>
                         <a:t>la</a:t>
                       </a:r>
                       <a:endParaRPr lang="fr-FR" sz="800" dirty="0"/>
@@ -3675,7 +3675,7 @@
                     <a:lstStyle/>
                     <a:p>
                       <a:r>
-                        <a:rPr lang="en-US" sz="800" dirty="0" smtClean="0"/>
+                        <a:rPr lang="en-US" sz="800" b="0" i="0" strike="noStrike" dirty="0" smtClean="0"/>
                         <a:t>lumière</a:t>
                       </a:r>
                       <a:endParaRPr lang="fr-FR" sz="800" dirty="0"/>
@@ -3706,7 +3706,7 @@
                         <a:defRPr/>
                       </a:pPr>
                       <a:r>
-                        <a:rPr lang="en-US" sz="800" dirty="0" smtClean="0"/>
+                        <a:rPr lang="en-US" sz="800" b="0" i="0" strike="noStrike" dirty="0" smtClean="0"/>
                         <a:t>pleut.</a:t>
                       </a:r>
                       <a:endParaRPr lang="fr-FR" sz="800" dirty="0" smtClean="0"/>
@@ -3720,7 +3720,7 @@
                     <a:lstStyle/>
                     <a:p>
                       <a:r>
-                        <a:rPr lang="en-US" sz="800" dirty="0" smtClean="0"/>
+                        <a:rPr lang="en-US" sz="800" b="0" i="0" strike="noStrike" dirty="0" smtClean="0"/>
                         <a:t/>
                       </a:r>
                       <a:endParaRPr lang="fr-FR" sz="800" dirty="0"/>
@@ -3751,7 +3751,7 @@
                         <a:defRPr/>
                       </a:pPr>
                       <a:r>
-                        <a:rPr lang="en-US" sz="800" dirty="0" smtClean="0"/>
+                        <a:rPr lang="en-US" sz="800" b="0" i="0" strike="noStrike" dirty="0" smtClean="0"/>
                         <a:t/>
                       </a:r>
                       <a:endParaRPr lang="fr-FR" sz="800" dirty="0" smtClean="0"/>
@@ -3765,35 +3765,35 @@
                     <a:lstStyle/>
                     <a:p>
                       <a:r>
-                        <a:rPr lang="en-US" sz="800" dirty="0" smtClean="0"/>
-                        <a:t/>
-                      </a:r>
-                      <a:endParaRPr lang="fr-FR" sz="800" dirty="0"/>
-                    </a:p>
-                  </a:txBody>
-                  <a:tcPr/>
-                </a:tc>
-                <a:tc>
-                  <a:txBody>
-                    <a:bodyPr/>
-                    <a:lstStyle/>
-                    <a:p>
-                      <a:r>
-                        <a:rPr lang="en-US" sz="800" dirty="0" smtClean="0"/>
-                        <a:t/>
-                      </a:r>
-                      <a:endParaRPr lang="fr-FR" sz="800" dirty="0"/>
-                    </a:p>
-                  </a:txBody>
-                  <a:tcPr/>
-                </a:tc>
-                <a:tc>
-                  <a:txBody>
-                    <a:bodyPr/>
-                    <a:lstStyle/>
-                    <a:p>
-                      <a:r>
-                        <a:rPr lang="en-US" sz="800" dirty="0" smtClean="0"/>
+                        <a:rPr lang="en-US" sz="800" b="0" i="0" strike="noStrike" dirty="0" smtClean="0"/>
+                        <a:t/>
+                      </a:r>
+                      <a:endParaRPr lang="fr-FR" sz="800" dirty="0"/>
+                    </a:p>
+                  </a:txBody>
+                  <a:tcPr/>
+                </a:tc>
+                <a:tc>
+                  <a:txBody>
+                    <a:bodyPr/>
+                    <a:lstStyle/>
+                    <a:p>
+                      <a:r>
+                        <a:rPr lang="en-US" sz="800" b="0" i="0" strike="noStrike" dirty="0" smtClean="0"/>
+                        <a:t/>
+                      </a:r>
+                      <a:endParaRPr lang="fr-FR" sz="800" dirty="0"/>
+                    </a:p>
+                  </a:txBody>
+                  <a:tcPr/>
+                </a:tc>
+                <a:tc>
+                  <a:txBody>
+                    <a:bodyPr/>
+                    <a:lstStyle/>
+                    <a:p>
+                      <a:r>
+                        <a:rPr lang="en-US" sz="800" b="0" i="0" strike="noStrike" dirty="0" smtClean="0"/>
                         <a:t/>
                       </a:r>
                       <a:endParaRPr lang="fr-FR" sz="800" dirty="0"/>
@@ -3809,7 +3809,7 @@
                     <a:lstStyle/>
                     <a:p>
                       <a:r>
-                        <a:rPr lang="en-US" sz="800" b="0" i="0" u="none" dirty="0" smtClean="0"/>
+                        <a:rPr lang="en-US" sz="800" b="0" i="0" u="none" strike="noStrike" dirty="0" smtClean="0"/>
                         <a:t/>
                       </a:r>
                       <a:endParaRPr lang="fr-FR" sz="800" b="1" i="1" u="sng" dirty="0"/>
@@ -3823,7 +3823,7 @@
                     <a:lstStyle/>
                     <a:p>
                       <a:r>
-                        <a:rPr lang="en-US" sz="800" b="0" i="0" u="none" dirty="0" smtClean="0"/>
+                        <a:rPr lang="en-US" sz="800" b="0" i="0" u="none" strike="noStrike" dirty="0" smtClean="0"/>
                         <a:t/>
                       </a:r>
                       <a:endParaRPr lang="fr-FR" sz="800" b="1" i="1" u="sng" dirty="0"/>
@@ -3854,7 +3854,7 @@
                         <a:defRPr/>
                       </a:pPr>
                       <a:r>
-                        <a:rPr lang="en-US" sz="800" dirty="0" smtClean="0"/>
+                        <a:rPr lang="en-US" sz="800" b="0" i="0" strike="noStrike" dirty="0" smtClean="0"/>
                         <a:t/>
                       </a:r>
                       <a:endParaRPr lang="fr-FR" sz="800" dirty="0" smtClean="0"/>
@@ -3868,63 +3868,63 @@
                     <a:lstStyle/>
                     <a:p>
                       <a:r>
-                        <a:rPr lang="en-US" sz="800" dirty="0" smtClean="0"/>
-                        <a:t/>
-                      </a:r>
-                      <a:endParaRPr lang="fr-FR" sz="800" dirty="0"/>
-                    </a:p>
-                  </a:txBody>
-                  <a:tcPr/>
-                </a:tc>
-                <a:tc>
-                  <a:txBody>
-                    <a:bodyPr/>
-                    <a:lstStyle/>
-                    <a:p>
-                      <a:r>
-                        <a:rPr lang="en-US" sz="800" dirty="0" smtClean="0"/>
-                        <a:t/>
-                      </a:r>
-                      <a:endParaRPr lang="fr-FR" sz="800" dirty="0"/>
-                    </a:p>
-                  </a:txBody>
-                  <a:tcPr/>
-                </a:tc>
-                <a:tc>
-                  <a:txBody>
-                    <a:bodyPr/>
-                    <a:lstStyle/>
-                    <a:p>
-                      <a:r>
-                        <a:rPr lang="en-US" sz="800" dirty="0" smtClean="0"/>
-                        <a:t/>
-                      </a:r>
-                      <a:endParaRPr lang="fr-FR" sz="800" dirty="0"/>
-                    </a:p>
-                  </a:txBody>
-                  <a:tcPr/>
-                </a:tc>
-                <a:tc>
-                  <a:txBody>
-                    <a:bodyPr/>
-                    <a:lstStyle/>
-                    <a:p>
-                      <a:r>
-                        <a:rPr lang="en-US" sz="800" dirty="0" smtClean="0"/>
-                        <a:t/>
-                      </a:r>
-                      <a:endParaRPr lang="fr-FR" sz="800" dirty="0"/>
-                    </a:p>
-                  </a:txBody>
-                  <a:tcPr/>
-                </a:tc>
-                <a:tc>
-                  <a:txBody>
-                    <a:bodyPr/>
-                    <a:lstStyle/>
-                    <a:p>
-                      <a:r>
-                        <a:rPr lang="en-US" sz="800" dirty="0" smtClean="0"/>
+                        <a:rPr lang="en-US" sz="800" b="0" i="0" strike="noStrike" dirty="0" smtClean="0"/>
+                        <a:t/>
+                      </a:r>
+                      <a:endParaRPr lang="fr-FR" sz="800" dirty="0"/>
+                    </a:p>
+                  </a:txBody>
+                  <a:tcPr/>
+                </a:tc>
+                <a:tc>
+                  <a:txBody>
+                    <a:bodyPr/>
+                    <a:lstStyle/>
+                    <a:p>
+                      <a:r>
+                        <a:rPr lang="en-US" sz="800" b="0" i="0" strike="noStrike" dirty="0" smtClean="0"/>
+                        <a:t/>
+                      </a:r>
+                      <a:endParaRPr lang="fr-FR" sz="800" dirty="0"/>
+                    </a:p>
+                  </a:txBody>
+                  <a:tcPr/>
+                </a:tc>
+                <a:tc>
+                  <a:txBody>
+                    <a:bodyPr/>
+                    <a:lstStyle/>
+                    <a:p>
+                      <a:r>
+                        <a:rPr lang="en-US" sz="800" b="0" i="0" strike="noStrike" dirty="0" smtClean="0"/>
+                        <a:t/>
+                      </a:r>
+                      <a:endParaRPr lang="fr-FR" sz="800" dirty="0"/>
+                    </a:p>
+                  </a:txBody>
+                  <a:tcPr/>
+                </a:tc>
+                <a:tc>
+                  <a:txBody>
+                    <a:bodyPr/>
+                    <a:lstStyle/>
+                    <a:p>
+                      <a:r>
+                        <a:rPr lang="en-US" sz="800" b="0" i="0" strike="noStrike" dirty="0" smtClean="0"/>
+                        <a:t/>
+                      </a:r>
+                      <a:endParaRPr lang="fr-FR" sz="800" dirty="0"/>
+                    </a:p>
+                  </a:txBody>
+                  <a:tcPr/>
+                </a:tc>
+                <a:tc>
+                  <a:txBody>
+                    <a:bodyPr/>
+                    <a:lstStyle/>
+                    <a:p>
+                      <a:r>
+                        <a:rPr lang="en-US" sz="800" b="0" i="0" strike="noStrike" dirty="0" smtClean="0"/>
                         <a:t/>
                       </a:r>
                       <a:endParaRPr lang="fr-FR" sz="800" dirty="0"/>
@@ -3955,7 +3955,7 @@
                         <a:defRPr/>
                       </a:pPr>
                       <a:r>
-                        <a:rPr lang="en-US" sz="800" dirty="0" smtClean="0"/>
+                        <a:rPr lang="en-US" sz="800" b="0" i="0" strike="noStrike" dirty="0" smtClean="0"/>
                         <a:t/>
                       </a:r>
                       <a:endParaRPr lang="fr-FR" sz="800" dirty="0" smtClean="0"/>
@@ -3969,7 +3969,7 @@
                     <a:lstStyle/>
                     <a:p>
                       <a:r>
-                        <a:rPr lang="en-US" sz="800" dirty="0" smtClean="0"/>
+                        <a:rPr lang="en-US" sz="800" b="0" i="0" strike="noStrike" dirty="0" smtClean="0"/>
                         <a:t/>
                       </a:r>
                       <a:endParaRPr lang="fr-FR" sz="800" dirty="0"/>
@@ -4000,7 +4000,7 @@
                         <a:defRPr/>
                       </a:pPr>
                       <a:r>
-                        <a:rPr lang="en-US" sz="800" dirty="0" smtClean="0"/>
+                        <a:rPr lang="en-US" sz="800" b="0" i="0" strike="noStrike" dirty="0" smtClean="0"/>
                         <a:t/>
                       </a:r>
                       <a:endParaRPr lang="fr-FR" sz="800" dirty="0" smtClean="0"/>
@@ -4014,35 +4014,35 @@
                     <a:lstStyle/>
                     <a:p>
                       <a:r>
-                        <a:rPr lang="en-US" sz="800" dirty="0" smtClean="0"/>
-                        <a:t/>
-                      </a:r>
-                      <a:endParaRPr lang="fr-FR" sz="800" dirty="0"/>
-                    </a:p>
-                  </a:txBody>
-                  <a:tcPr/>
-                </a:tc>
-                <a:tc>
-                  <a:txBody>
-                    <a:bodyPr/>
-                    <a:lstStyle/>
-                    <a:p>
-                      <a:r>
-                        <a:rPr lang="en-US" sz="800" dirty="0" smtClean="0"/>
-                        <a:t/>
-                      </a:r>
-                      <a:endParaRPr lang="fr-FR" sz="800" dirty="0"/>
-                    </a:p>
-                  </a:txBody>
-                  <a:tcPr/>
-                </a:tc>
-                <a:tc>
-                  <a:txBody>
-                    <a:bodyPr/>
-                    <a:lstStyle/>
-                    <a:p>
-                      <a:r>
-                        <a:rPr lang="en-US" sz="800" dirty="0" smtClean="0"/>
+                        <a:rPr lang="en-US" sz="800" b="0" i="0" strike="noStrike" dirty="0" smtClean="0"/>
+                        <a:t/>
+                      </a:r>
+                      <a:endParaRPr lang="fr-FR" sz="800" dirty="0"/>
+                    </a:p>
+                  </a:txBody>
+                  <a:tcPr/>
+                </a:tc>
+                <a:tc>
+                  <a:txBody>
+                    <a:bodyPr/>
+                    <a:lstStyle/>
+                    <a:p>
+                      <a:r>
+                        <a:rPr lang="en-US" sz="800" b="0" i="0" strike="noStrike" dirty="0" smtClean="0"/>
+                        <a:t/>
+                      </a:r>
+                      <a:endParaRPr lang="fr-FR" sz="800" dirty="0"/>
+                    </a:p>
+                  </a:txBody>
+                  <a:tcPr/>
+                </a:tc>
+                <a:tc>
+                  <a:txBody>
+                    <a:bodyPr/>
+                    <a:lstStyle/>
+                    <a:p>
+                      <a:r>
+                        <a:rPr lang="en-US" sz="800" b="0" i="0" strike="noStrike" dirty="0" smtClean="0"/>
                         <a:t/>
                       </a:r>
                       <a:endParaRPr lang="fr-FR" sz="800" dirty="0"/>
@@ -4058,7 +4058,7 @@
                     <a:lstStyle/>
                     <a:p>
                       <a:r>
-                        <a:rPr lang="en-US" sz="800" b="0" i="0" u="none" dirty="0" smtClean="0"/>
+                        <a:rPr lang="en-US" sz="800" b="0" i="0" u="none" strike="noStrike" dirty="0" smtClean="0"/>
                         <a:t>Les</a:t>
                       </a:r>
                       <a:endParaRPr lang="fr-FR" sz="800" b="1" i="1" u="sng" dirty="0"/>
@@ -4072,7 +4072,7 @@
                     <a:lstStyle/>
                     <a:p>
                       <a:r>
-                        <a:rPr lang="en-US" sz="800" b="0" i="0" u="none" dirty="0" smtClean="0"/>
+                        <a:rPr lang="en-US" sz="800" b="0" i="0" u="none" strike="noStrike" dirty="0" smtClean="0"/>
                         <a:t>pieds</a:t>
                       </a:r>
                       <a:endParaRPr lang="fr-FR" sz="800" b="1" i="1" u="sng" dirty="0"/>
@@ -4103,7 +4103,7 @@
                         <a:defRPr/>
                       </a:pPr>
                       <a:r>
-                        <a:rPr lang="en-US" sz="800" dirty="0" smtClean="0"/>
+                        <a:rPr lang="en-US" sz="800" b="0" i="0" strike="noStrike" dirty="0" smtClean="0"/>
                         <a:t>dans</a:t>
                       </a:r>
                       <a:endParaRPr lang="fr-FR" sz="800" dirty="0" smtClean="0"/>
@@ -4117,7 +4117,7 @@
                     <a:lstStyle/>
                     <a:p>
                       <a:r>
-                        <a:rPr lang="en-US" sz="800" dirty="0" smtClean="0"/>
+                        <a:rPr lang="en-US" sz="800" b="0" i="0" strike="noStrike" dirty="0" smtClean="0"/>
                         <a:t>les</a:t>
                       </a:r>
                       <a:endParaRPr lang="fr-FR" sz="800" dirty="0"/>
@@ -4131,7 +4131,7 @@
                     <a:lstStyle/>
                     <a:p>
                       <a:r>
-                        <a:rPr lang="en-US" sz="800" dirty="0" smtClean="0"/>
+                        <a:rPr lang="en-US" sz="800" b="0" i="0" strike="noStrike" dirty="0" smtClean="0"/>
                         <a:t>glaïeuls,</a:t>
                       </a:r>
                       <a:endParaRPr lang="fr-FR" sz="800" dirty="0"/>
@@ -4145,7 +4145,7 @@
                     <a:lstStyle/>
                     <a:p>
                       <a:r>
-                        <a:rPr lang="en-US" sz="800" dirty="0" smtClean="0"/>
+                        <a:rPr lang="en-US" sz="800" b="0" i="0" strike="noStrike" dirty="0" smtClean="0"/>
                         <a:t>il</a:t>
                       </a:r>
                       <a:endParaRPr lang="fr-FR" sz="800" dirty="0"/>
@@ -4159,7 +4159,7 @@
                     <a:lstStyle/>
                     <a:p>
                       <a:r>
-                        <a:rPr lang="en-US" sz="800" dirty="0" smtClean="0"/>
+                        <a:rPr lang="en-US" sz="800" b="0" i="0" strike="noStrike" dirty="0" smtClean="0"/>
                         <a:t>dort.</a:t>
                       </a:r>
                       <a:endParaRPr lang="fr-FR" sz="800" dirty="0"/>
@@ -4173,7 +4173,7 @@
                     <a:lstStyle/>
                     <a:p>
                       <a:r>
-                        <a:rPr lang="en-US" sz="800" dirty="0" smtClean="0"/>
+                        <a:rPr lang="en-US" sz="800" b="0" i="0" strike="noStrike" dirty="0" smtClean="0"/>
                         <a:t>Souriant</a:t>
                       </a:r>
                       <a:endParaRPr lang="fr-FR" sz="800" dirty="0"/>
@@ -4204,7 +4204,7 @@
                         <a:defRPr/>
                       </a:pPr>
                       <a:r>
-                        <a:rPr lang="en-US" sz="800" dirty="0" smtClean="0"/>
+                        <a:rPr lang="en-US" sz="800" b="0" i="0" strike="noStrike" dirty="0" smtClean="0"/>
                         <a:t>comme</a:t>
                       </a:r>
                       <a:endParaRPr lang="fr-FR" sz="800" dirty="0" smtClean="0"/>
@@ -4218,63 +4218,63 @@
                     <a:lstStyle/>
                     <a:p>
                       <a:r>
-                        <a:rPr lang="en-US" sz="800" dirty="0" smtClean="0"/>
-                        <a:t/>
-                      </a:r>
-                      <a:endParaRPr lang="fr-FR" sz="800" dirty="0"/>
-                    </a:p>
-                  </a:txBody>
-                  <a:tcPr/>
-                </a:tc>
-                <a:tc>
-                  <a:txBody>
-                    <a:bodyPr/>
-                    <a:lstStyle/>
-                    <a:p>
-                      <a:r>
-                        <a:rPr lang="en-US" sz="800" dirty="0" smtClean="0"/>
-                        <a:t/>
-                      </a:r>
-                      <a:endParaRPr lang="fr-FR" sz="800" dirty="0"/>
-                    </a:p>
-                  </a:txBody>
-                  <a:tcPr/>
-                </a:tc>
-                <a:tc>
-                  <a:txBody>
-                    <a:bodyPr/>
-                    <a:lstStyle/>
-                    <a:p>
-                      <a:r>
-                        <a:rPr lang="en-US" sz="800" dirty="0" smtClean="0"/>
-                        <a:t/>
-                      </a:r>
-                      <a:endParaRPr lang="fr-FR" sz="800" dirty="0"/>
-                    </a:p>
-                  </a:txBody>
-                  <a:tcPr/>
-                </a:tc>
-                <a:tc>
-                  <a:txBody>
-                    <a:bodyPr/>
-                    <a:lstStyle/>
-                    <a:p>
-                      <a:r>
-                        <a:rPr lang="en-US" sz="800" dirty="0" smtClean="0"/>
-                        <a:t/>
-                      </a:r>
-                      <a:endParaRPr lang="fr-FR" sz="800" dirty="0"/>
-                    </a:p>
-                  </a:txBody>
-                  <a:tcPr/>
-                </a:tc>
-                <a:tc>
-                  <a:txBody>
-                    <a:bodyPr/>
-                    <a:lstStyle/>
-                    <a:p>
-                      <a:r>
-                        <a:rPr lang="en-US" sz="800" dirty="0" smtClean="0"/>
+                        <a:rPr lang="en-US" sz="800" b="0" i="0" strike="noStrike" dirty="0" smtClean="0"/>
+                        <a:t/>
+                      </a:r>
+                      <a:endParaRPr lang="fr-FR" sz="800" dirty="0"/>
+                    </a:p>
+                  </a:txBody>
+                  <a:tcPr/>
+                </a:tc>
+                <a:tc>
+                  <a:txBody>
+                    <a:bodyPr/>
+                    <a:lstStyle/>
+                    <a:p>
+                      <a:r>
+                        <a:rPr lang="en-US" sz="800" b="0" i="0" strike="noStrike" dirty="0" smtClean="0"/>
+                        <a:t/>
+                      </a:r>
+                      <a:endParaRPr lang="fr-FR" sz="800" dirty="0"/>
+                    </a:p>
+                  </a:txBody>
+                  <a:tcPr/>
+                </a:tc>
+                <a:tc>
+                  <a:txBody>
+                    <a:bodyPr/>
+                    <a:lstStyle/>
+                    <a:p>
+                      <a:r>
+                        <a:rPr lang="en-US" sz="800" b="0" i="0" strike="noStrike" dirty="0" smtClean="0"/>
+                        <a:t/>
+                      </a:r>
+                      <a:endParaRPr lang="fr-FR" sz="800" dirty="0"/>
+                    </a:p>
+                  </a:txBody>
+                  <a:tcPr/>
+                </a:tc>
+                <a:tc>
+                  <a:txBody>
+                    <a:bodyPr/>
+                    <a:lstStyle/>
+                    <a:p>
+                      <a:r>
+                        <a:rPr lang="en-US" sz="800" b="0" i="0" strike="noStrike" dirty="0" smtClean="0"/>
+                        <a:t/>
+                      </a:r>
+                      <a:endParaRPr lang="fr-FR" sz="800" dirty="0"/>
+                    </a:p>
+                  </a:txBody>
+                  <a:tcPr/>
+                </a:tc>
+                <a:tc>
+                  <a:txBody>
+                    <a:bodyPr/>
+                    <a:lstStyle/>
+                    <a:p>
+                      <a:r>
+                        <a:rPr lang="en-US" sz="800" b="0" i="0" strike="noStrike" dirty="0" smtClean="0"/>
                         <a:t/>
                       </a:r>
                       <a:endParaRPr lang="fr-FR" sz="800" dirty="0"/>
@@ -4290,7 +4290,7 @@
                     <a:lstStyle/>
                     <a:p>
                       <a:r>
-                        <a:rPr lang="en-US" sz="800" b="0" i="0" u="none" dirty="0" smtClean="0"/>
+                        <a:rPr lang="en-US" sz="800" b="0" i="0" u="none" strike="noStrike" dirty="0" smtClean="0"/>
                         <a:t>Sourirait</a:t>
                       </a:r>
                       <a:endParaRPr lang="fr-FR" sz="800" b="1" i="1" u="sng" dirty="0"/>
@@ -4304,7 +4304,7 @@
                     <a:lstStyle/>
                     <a:p>
                       <a:r>
-                        <a:rPr lang="en-US" sz="800" b="0" i="0" u="none" dirty="0" smtClean="0"/>
+                        <a:rPr lang="en-US" sz="800" b="0" i="0" u="none" strike="noStrike" dirty="0" smtClean="0"/>
                         <a:t>un</a:t>
                       </a:r>
                       <a:endParaRPr lang="fr-FR" sz="800" b="1" i="1" u="sng" dirty="0"/>
@@ -4335,7 +4335,7 @@
                         <a:defRPr/>
                       </a:pPr>
                       <a:r>
-                        <a:rPr lang="en-US" sz="800" dirty="0" smtClean="0"/>
+                        <a:rPr lang="en-US" sz="800" b="0" i="0" strike="noStrike" dirty="0" smtClean="0"/>
                         <a:t>enfant</a:t>
                       </a:r>
                       <a:endParaRPr lang="fr-FR" sz="800" dirty="0" smtClean="0"/>
@@ -4349,7 +4349,7 @@
                     <a:lstStyle/>
                     <a:p>
                       <a:r>
-                        <a:rPr lang="en-US" sz="800" dirty="0" smtClean="0"/>
+                        <a:rPr lang="en-US" sz="800" b="0" i="0" strike="noStrike" dirty="0" smtClean="0"/>
                         <a:t>malade,</a:t>
                       </a:r>
                       <a:endParaRPr lang="fr-FR" sz="800" dirty="0"/>
@@ -4363,7 +4363,7 @@
                     <a:lstStyle/>
                     <a:p>
                       <a:r>
-                        <a:rPr lang="en-US" sz="800" dirty="0" smtClean="0"/>
+                        <a:rPr lang="en-US" sz="800" b="0" i="0" strike="noStrike" dirty="0" smtClean="0"/>
                         <a:t>il</a:t>
                       </a:r>
                       <a:endParaRPr lang="fr-FR" sz="800" dirty="0"/>
@@ -4377,7 +4377,7 @@
                     <a:lstStyle/>
                     <a:p>
                       <a:r>
-                        <a:rPr lang="en-US" sz="800" dirty="0" smtClean="0"/>
+                        <a:rPr lang="en-US" sz="800" b="0" i="0" strike="noStrike" dirty="0" smtClean="0"/>
                         <a:t>fait</a:t>
                       </a:r>
                       <a:endParaRPr lang="fr-FR" sz="800" dirty="0"/>
@@ -4391,7 +4391,7 @@
                     <a:lstStyle/>
                     <a:p>
                       <a:r>
-                        <a:rPr lang="en-US" sz="800" dirty="0" smtClean="0"/>
+                        <a:rPr lang="en-US" sz="800" b="0" i="0" strike="noStrike" dirty="0" smtClean="0"/>
                         <a:t>un</a:t>
                       </a:r>
                       <a:endParaRPr lang="fr-FR" sz="800" dirty="0"/>
@@ -4405,7 +4405,7 @@
                     <a:lstStyle/>
                     <a:p>
                       <a:r>
-                        <a:rPr lang="en-US" sz="800" dirty="0" smtClean="0"/>
+                        <a:rPr lang="en-US" sz="800" b="0" i="0" strike="noStrike" dirty="0" smtClean="0"/>
                         <a:t>somme</a:t>
                       </a:r>
                       <a:endParaRPr lang="fr-FR" sz="800" dirty="0"/>
@@ -4419,7 +4419,7 @@
                     <a:lstStyle/>
                     <a:p>
                       <a:r>
-                        <a:rPr lang="en-US" sz="800" dirty="0" smtClean="0"/>
+                        <a:rPr lang="en-US" sz="800" b="0" i="0" strike="noStrike" dirty="0" smtClean="0"/>
                         <a:t>:</a:t>
                       </a:r>
                       <a:endParaRPr lang="fr-FR" sz="800" dirty="0"/>
@@ -4433,63 +4433,63 @@
                     <a:lstStyle/>
                     <a:p>
                       <a:r>
-                        <a:rPr lang="en-US" sz="800" dirty="0" smtClean="0"/>
-                        <a:t/>
-                      </a:r>
-                      <a:endParaRPr lang="fr-FR" sz="800" dirty="0"/>
-                    </a:p>
-                  </a:txBody>
-                  <a:tcPr/>
-                </a:tc>
-                <a:tc>
-                  <a:txBody>
-                    <a:bodyPr/>
-                    <a:lstStyle/>
-                    <a:p>
-                      <a:r>
-                        <a:rPr lang="en-US" sz="800" dirty="0" smtClean="0"/>
-                        <a:t/>
-                      </a:r>
-                      <a:endParaRPr lang="fr-FR" sz="800" dirty="0"/>
-                    </a:p>
-                  </a:txBody>
-                  <a:tcPr/>
-                </a:tc>
-                <a:tc>
-                  <a:txBody>
-                    <a:bodyPr/>
-                    <a:lstStyle/>
-                    <a:p>
-                      <a:r>
-                        <a:rPr lang="en-US" sz="800" dirty="0" smtClean="0"/>
-                        <a:t/>
-                      </a:r>
-                      <a:endParaRPr lang="fr-FR" sz="800" dirty="0"/>
-                    </a:p>
-                  </a:txBody>
-                  <a:tcPr/>
-                </a:tc>
-                <a:tc>
-                  <a:txBody>
-                    <a:bodyPr/>
-                    <a:lstStyle/>
-                    <a:p>
-                      <a:r>
-                        <a:rPr lang="en-US" sz="800" dirty="0" smtClean="0"/>
-                        <a:t/>
-                      </a:r>
-                      <a:endParaRPr lang="fr-FR" sz="800" dirty="0"/>
-                    </a:p>
-                  </a:txBody>
-                  <a:tcPr/>
-                </a:tc>
-                <a:tc>
-                  <a:txBody>
-                    <a:bodyPr/>
-                    <a:lstStyle/>
-                    <a:p>
-                      <a:r>
-                        <a:rPr lang="en-US" sz="800" dirty="0" smtClean="0"/>
+                        <a:rPr lang="en-US" sz="800" b="0" i="0" strike="noStrike" dirty="0" smtClean="0"/>
+                        <a:t/>
+                      </a:r>
+                      <a:endParaRPr lang="fr-FR" sz="800" dirty="0"/>
+                    </a:p>
+                  </a:txBody>
+                  <a:tcPr/>
+                </a:tc>
+                <a:tc>
+                  <a:txBody>
+                    <a:bodyPr/>
+                    <a:lstStyle/>
+                    <a:p>
+                      <a:r>
+                        <a:rPr lang="en-US" sz="800" b="0" i="0" strike="noStrike" dirty="0" smtClean="0"/>
+                        <a:t/>
+                      </a:r>
+                      <a:endParaRPr lang="fr-FR" sz="800" dirty="0"/>
+                    </a:p>
+                  </a:txBody>
+                  <a:tcPr/>
+                </a:tc>
+                <a:tc>
+                  <a:txBody>
+                    <a:bodyPr/>
+                    <a:lstStyle/>
+                    <a:p>
+                      <a:r>
+                        <a:rPr lang="en-US" sz="800" b="0" i="0" strike="noStrike" dirty="0" smtClean="0"/>
+                        <a:t/>
+                      </a:r>
+                      <a:endParaRPr lang="fr-FR" sz="800" dirty="0"/>
+                    </a:p>
+                  </a:txBody>
+                  <a:tcPr/>
+                </a:tc>
+                <a:tc>
+                  <a:txBody>
+                    <a:bodyPr/>
+                    <a:lstStyle/>
+                    <a:p>
+                      <a:r>
+                        <a:rPr lang="en-US" sz="800" b="0" i="0" strike="noStrike" dirty="0" smtClean="0"/>
+                        <a:t/>
+                      </a:r>
+                      <a:endParaRPr lang="fr-FR" sz="800" dirty="0"/>
+                    </a:p>
+                  </a:txBody>
+                  <a:tcPr/>
+                </a:tc>
+                <a:tc>
+                  <a:txBody>
+                    <a:bodyPr/>
+                    <a:lstStyle/>
+                    <a:p>
+                      <a:r>
+                        <a:rPr lang="en-US" sz="800" b="0" i="0" strike="noStrike" dirty="0" smtClean="0"/>
                         <a:t/>
                       </a:r>
                       <a:endParaRPr lang="fr-FR" sz="800" dirty="0"/>
@@ -4505,7 +4505,7 @@
                     <a:lstStyle/>
                     <a:p>
                       <a:r>
-                        <a:rPr lang="en-US" sz="800" b="0" i="0" u="none" dirty="0" smtClean="0"/>
+                        <a:rPr lang="en-US" sz="800" b="0" i="0" u="none" strike="noStrike" dirty="0" smtClean="0"/>
                         <a:t>Nature,</a:t>
                       </a:r>
                       <a:endParaRPr lang="fr-FR" sz="800" b="1" i="1" u="sng" dirty="0"/>
@@ -4519,7 +4519,7 @@
                     <a:lstStyle/>
                     <a:p>
                       <a:r>
-                        <a:rPr lang="en-US" sz="800" b="0" i="0" u="none" dirty="0" smtClean="0"/>
+                        <a:rPr lang="en-US" sz="800" b="0" i="0" u="none" strike="noStrike" dirty="0" smtClean="0"/>
                         <a:t>berce-le</a:t>
                       </a:r>
                       <a:endParaRPr lang="fr-FR" sz="800" b="1" i="1" u="sng" dirty="0"/>
@@ -4550,7 +4550,7 @@
                         <a:defRPr/>
                       </a:pPr>
                       <a:r>
-                        <a:rPr lang="en-US" sz="800" dirty="0" smtClean="0"/>
+                        <a:rPr lang="en-US" sz="800" b="0" i="0" strike="noStrike" dirty="0" smtClean="0"/>
                         <a:t>chaudement</a:t>
                       </a:r>
                       <a:endParaRPr lang="fr-FR" sz="800" dirty="0" smtClean="0"/>
@@ -4564,7 +4564,7 @@
                     <a:lstStyle/>
                     <a:p>
                       <a:r>
-                        <a:rPr lang="en-US" sz="800" dirty="0" smtClean="0"/>
+                        <a:rPr lang="en-US" sz="800" b="0" i="0" strike="noStrike" dirty="0" smtClean="0"/>
                         <a:t>:</a:t>
                       </a:r>
                       <a:endParaRPr lang="fr-FR" sz="800" dirty="0"/>
@@ -4578,7 +4578,7 @@
                     <a:lstStyle/>
                     <a:p>
                       <a:r>
-                        <a:rPr lang="en-US" sz="800" dirty="0" smtClean="0"/>
+                        <a:rPr lang="en-US" sz="800" b="0" i="0" strike="noStrike" dirty="0" smtClean="0"/>
                         <a:t>il</a:t>
                       </a:r>
                       <a:endParaRPr lang="fr-FR" sz="800" dirty="0"/>
@@ -4592,7 +4592,7 @@
                     <a:lstStyle/>
                     <a:p>
                       <a:r>
-                        <a:rPr lang="en-US" sz="800" dirty="0" smtClean="0"/>
+                        <a:rPr lang="en-US" sz="800" b="0" i="0" strike="noStrike" dirty="0" smtClean="0"/>
                         <a:t>a</a:t>
                       </a:r>
                       <a:endParaRPr lang="fr-FR" sz="800" dirty="0"/>
@@ -4606,7 +4606,7 @@
                     <a:lstStyle/>
                     <a:p>
                       <a:r>
-                        <a:rPr lang="en-US" sz="800" dirty="0" smtClean="0"/>
+                        <a:rPr lang="en-US" sz="800" b="0" i="0" strike="noStrike" dirty="0" smtClean="0"/>
                         <a:t>froid.</a:t>
                       </a:r>
                       <a:endParaRPr lang="fr-FR" sz="800" dirty="0"/>
@@ -4620,7 +4620,7 @@
                     <a:lstStyle/>
                     <a:p>
                       <a:r>
-                        <a:rPr lang="en-US" sz="800" dirty="0" smtClean="0"/>
+                        <a:rPr lang="en-US" sz="800" b="0" i="0" strike="noStrike" dirty="0" smtClean="0"/>
                         <a:t/>
                       </a:r>
                       <a:endParaRPr lang="fr-FR" sz="800" dirty="0"/>
@@ -4651,7 +4651,7 @@
                         <a:defRPr/>
                       </a:pPr>
                       <a:r>
-                        <a:rPr lang="en-US" sz="800" dirty="0" smtClean="0"/>
+                        <a:rPr lang="en-US" sz="800" b="0" i="0" strike="noStrike" dirty="0" smtClean="0"/>
                         <a:t/>
                       </a:r>
                       <a:endParaRPr lang="fr-FR" sz="800" dirty="0" smtClean="0"/>
@@ -4665,7 +4665,7 @@
                     <a:lstStyle/>
                     <a:p>
                       <a:r>
-                        <a:rPr lang="en-US" sz="800" dirty="0" smtClean="0"/>
+                        <a:rPr lang="en-US" sz="800" b="0" i="0" strike="noStrike" dirty="0" smtClean="0"/>
                         <a:t/>
                       </a:r>
                       <a:endParaRPr lang="fr-FR" sz="800" dirty="0"/>
@@ -4696,7 +4696,7 @@
                         <a:defRPr/>
                       </a:pPr>
                       <a:r>
-                        <a:rPr lang="en-US" sz="800" dirty="0" smtClean="0"/>
+                        <a:rPr lang="en-US" sz="800" b="0" i="0" strike="noStrike" dirty="0" smtClean="0"/>
                         <a:t/>
                       </a:r>
                       <a:endParaRPr lang="fr-FR" sz="800" dirty="0" smtClean="0"/>
@@ -4710,35 +4710,35 @@
                     <a:lstStyle/>
                     <a:p>
                       <a:r>
-                        <a:rPr lang="en-US" sz="800" dirty="0" smtClean="0"/>
-                        <a:t/>
-                      </a:r>
-                      <a:endParaRPr lang="fr-FR" sz="800" dirty="0"/>
-                    </a:p>
-                  </a:txBody>
-                  <a:tcPr/>
-                </a:tc>
-                <a:tc>
-                  <a:txBody>
-                    <a:bodyPr/>
-                    <a:lstStyle/>
-                    <a:p>
-                      <a:r>
-                        <a:rPr lang="en-US" sz="800" dirty="0" smtClean="0"/>
-                        <a:t/>
-                      </a:r>
-                      <a:endParaRPr lang="fr-FR" sz="800" dirty="0"/>
-                    </a:p>
-                  </a:txBody>
-                  <a:tcPr/>
-                </a:tc>
-                <a:tc>
-                  <a:txBody>
-                    <a:bodyPr/>
-                    <a:lstStyle/>
-                    <a:p>
-                      <a:r>
-                        <a:rPr lang="en-US" sz="800" dirty="0" smtClean="0"/>
+                        <a:rPr lang="en-US" sz="800" b="0" i="0" strike="noStrike" dirty="0" smtClean="0"/>
+                        <a:t/>
+                      </a:r>
+                      <a:endParaRPr lang="fr-FR" sz="800" dirty="0"/>
+                    </a:p>
+                  </a:txBody>
+                  <a:tcPr/>
+                </a:tc>
+                <a:tc>
+                  <a:txBody>
+                    <a:bodyPr/>
+                    <a:lstStyle/>
+                    <a:p>
+                      <a:r>
+                        <a:rPr lang="en-US" sz="800" b="0" i="0" strike="noStrike" dirty="0" smtClean="0"/>
+                        <a:t/>
+                      </a:r>
+                      <a:endParaRPr lang="fr-FR" sz="800" dirty="0"/>
+                    </a:p>
+                  </a:txBody>
+                  <a:tcPr/>
+                </a:tc>
+                <a:tc>
+                  <a:txBody>
+                    <a:bodyPr/>
+                    <a:lstStyle/>
+                    <a:p>
+                      <a:r>
+                        <a:rPr lang="en-US" sz="800" b="0" i="0" strike="noStrike" dirty="0" smtClean="0"/>
                         <a:t/>
                       </a:r>
                       <a:endParaRPr lang="fr-FR" sz="800" dirty="0"/>
@@ -4754,7 +4754,7 @@
                     <a:lstStyle/>
                     <a:p>
                       <a:r>
-                        <a:rPr lang="en-US" sz="800" b="0" i="0" u="none" dirty="0" smtClean="0"/>
+                        <a:rPr lang="en-US" sz="800" b="0" i="0" u="none" strike="noStrike" dirty="0" smtClean="0"/>
                         <a:t/>
                       </a:r>
                       <a:endParaRPr lang="fr-FR" sz="800" b="1" i="1" u="sng" dirty="0"/>
@@ -4768,7 +4768,7 @@
                     <a:lstStyle/>
                     <a:p>
                       <a:r>
-                        <a:rPr lang="en-US" sz="800" b="0" i="0" u="none" dirty="0" smtClean="0"/>
+                        <a:rPr lang="en-US" sz="800" b="0" i="0" u="none" strike="noStrike" dirty="0" smtClean="0"/>
                         <a:t/>
                       </a:r>
                       <a:endParaRPr lang="fr-FR" sz="800" b="1" i="1" u="sng" dirty="0"/>
@@ -4799,7 +4799,7 @@
                         <a:defRPr/>
                       </a:pPr>
                       <a:r>
-                        <a:rPr lang="en-US" sz="800" dirty="0" smtClean="0"/>
+                        <a:rPr lang="en-US" sz="800" b="0" i="0" strike="noStrike" dirty="0" smtClean="0"/>
                         <a:t/>
                       </a:r>
                       <a:endParaRPr lang="fr-FR" sz="800" dirty="0" smtClean="0"/>
@@ -4813,63 +4813,63 @@
                     <a:lstStyle/>
                     <a:p>
                       <a:r>
-                        <a:rPr lang="en-US" sz="800" dirty="0" smtClean="0"/>
-                        <a:t/>
-                      </a:r>
-                      <a:endParaRPr lang="fr-FR" sz="800" dirty="0"/>
-                    </a:p>
-                  </a:txBody>
-                  <a:tcPr/>
-                </a:tc>
-                <a:tc>
-                  <a:txBody>
-                    <a:bodyPr/>
-                    <a:lstStyle/>
-                    <a:p>
-                      <a:r>
-                        <a:rPr lang="en-US" sz="800" dirty="0" smtClean="0"/>
-                        <a:t/>
-                      </a:r>
-                      <a:endParaRPr lang="fr-FR" sz="800" dirty="0"/>
-                    </a:p>
-                  </a:txBody>
-                  <a:tcPr/>
-                </a:tc>
-                <a:tc>
-                  <a:txBody>
-                    <a:bodyPr/>
-                    <a:lstStyle/>
-                    <a:p>
-                      <a:r>
-                        <a:rPr lang="en-US" sz="800" dirty="0" smtClean="0"/>
-                        <a:t/>
-                      </a:r>
-                      <a:endParaRPr lang="fr-FR" sz="800" dirty="0"/>
-                    </a:p>
-                  </a:txBody>
-                  <a:tcPr/>
-                </a:tc>
-                <a:tc>
-                  <a:txBody>
-                    <a:bodyPr/>
-                    <a:lstStyle/>
-                    <a:p>
-                      <a:r>
-                        <a:rPr lang="en-US" sz="800" dirty="0" smtClean="0"/>
-                        <a:t/>
-                      </a:r>
-                      <a:endParaRPr lang="fr-FR" sz="800" dirty="0"/>
-                    </a:p>
-                  </a:txBody>
-                  <a:tcPr/>
-                </a:tc>
-                <a:tc>
-                  <a:txBody>
-                    <a:bodyPr/>
-                    <a:lstStyle/>
-                    <a:p>
-                      <a:r>
-                        <a:rPr lang="en-US" sz="800" dirty="0" smtClean="0"/>
+                        <a:rPr lang="en-US" sz="800" b="0" i="0" strike="noStrike" dirty="0" smtClean="0"/>
+                        <a:t/>
+                      </a:r>
+                      <a:endParaRPr lang="fr-FR" sz="800" dirty="0"/>
+                    </a:p>
+                  </a:txBody>
+                  <a:tcPr/>
+                </a:tc>
+                <a:tc>
+                  <a:txBody>
+                    <a:bodyPr/>
+                    <a:lstStyle/>
+                    <a:p>
+                      <a:r>
+                        <a:rPr lang="en-US" sz="800" b="0" i="0" strike="noStrike" dirty="0" smtClean="0"/>
+                        <a:t/>
+                      </a:r>
+                      <a:endParaRPr lang="fr-FR" sz="800" dirty="0"/>
+                    </a:p>
+                  </a:txBody>
+                  <a:tcPr/>
+                </a:tc>
+                <a:tc>
+                  <a:txBody>
+                    <a:bodyPr/>
+                    <a:lstStyle/>
+                    <a:p>
+                      <a:r>
+                        <a:rPr lang="en-US" sz="800" b="0" i="0" strike="noStrike" dirty="0" smtClean="0"/>
+                        <a:t/>
+                      </a:r>
+                      <a:endParaRPr lang="fr-FR" sz="800" dirty="0"/>
+                    </a:p>
+                  </a:txBody>
+                  <a:tcPr/>
+                </a:tc>
+                <a:tc>
+                  <a:txBody>
+                    <a:bodyPr/>
+                    <a:lstStyle/>
+                    <a:p>
+                      <a:r>
+                        <a:rPr lang="en-US" sz="800" b="0" i="0" strike="noStrike" dirty="0" smtClean="0"/>
+                        <a:t/>
+                      </a:r>
+                      <a:endParaRPr lang="fr-FR" sz="800" dirty="0"/>
+                    </a:p>
+                  </a:txBody>
+                  <a:tcPr/>
+                </a:tc>
+                <a:tc>
+                  <a:txBody>
+                    <a:bodyPr/>
+                    <a:lstStyle/>
+                    <a:p>
+                      <a:r>
+                        <a:rPr lang="en-US" sz="800" b="0" i="0" strike="noStrike" dirty="0" smtClean="0"/>
                         <a:t/>
                       </a:r>
                       <a:endParaRPr lang="fr-FR" sz="800" dirty="0"/>
@@ -4900,7 +4900,7 @@
                         <a:defRPr/>
                       </a:pPr>
                       <a:r>
-                        <a:rPr lang="en-US" sz="800" dirty="0" smtClean="0"/>
+                        <a:rPr lang="en-US" sz="800" b="0" i="0" strike="noStrike" dirty="0" smtClean="0"/>
                         <a:t/>
                       </a:r>
                       <a:endParaRPr lang="fr-FR" sz="800" dirty="0" smtClean="0"/>
@@ -4914,7 +4914,7 @@
                     <a:lstStyle/>
                     <a:p>
                       <a:r>
-                        <a:rPr lang="en-US" sz="800" dirty="0" smtClean="0"/>
+                        <a:rPr lang="en-US" sz="800" b="0" i="0" strike="noStrike" dirty="0" smtClean="0"/>
                         <a:t/>
                       </a:r>
                       <a:endParaRPr lang="fr-FR" sz="800" dirty="0"/>
@@ -4945,7 +4945,7 @@
                         <a:defRPr/>
                       </a:pPr>
                       <a:r>
-                        <a:rPr lang="en-US" sz="800" dirty="0" smtClean="0"/>
+                        <a:rPr lang="en-US" sz="800" b="0" i="0" strike="noStrike" dirty="0" smtClean="0"/>
                         <a:t/>
                       </a:r>
                       <a:endParaRPr lang="fr-FR" sz="800" dirty="0" smtClean="0"/>
@@ -4959,35 +4959,35 @@
                     <a:lstStyle/>
                     <a:p>
                       <a:r>
-                        <a:rPr lang="en-US" sz="800" dirty="0" smtClean="0"/>
-                        <a:t/>
-                      </a:r>
-                      <a:endParaRPr lang="fr-FR" sz="800" dirty="0"/>
-                    </a:p>
-                  </a:txBody>
-                  <a:tcPr/>
-                </a:tc>
-                <a:tc>
-                  <a:txBody>
-                    <a:bodyPr/>
-                    <a:lstStyle/>
-                    <a:p>
-                      <a:r>
-                        <a:rPr lang="en-US" sz="800" dirty="0" smtClean="0"/>
-                        <a:t/>
-                      </a:r>
-                      <a:endParaRPr lang="fr-FR" sz="800" dirty="0"/>
-                    </a:p>
-                  </a:txBody>
-                  <a:tcPr/>
-                </a:tc>
-                <a:tc>
-                  <a:txBody>
-                    <a:bodyPr/>
-                    <a:lstStyle/>
-                    <a:p>
-                      <a:r>
-                        <a:rPr lang="en-US" sz="800" dirty="0" smtClean="0"/>
+                        <a:rPr lang="en-US" sz="800" b="0" i="0" strike="noStrike" dirty="0" smtClean="0"/>
+                        <a:t/>
+                      </a:r>
+                      <a:endParaRPr lang="fr-FR" sz="800" dirty="0"/>
+                    </a:p>
+                  </a:txBody>
+                  <a:tcPr/>
+                </a:tc>
+                <a:tc>
+                  <a:txBody>
+                    <a:bodyPr/>
+                    <a:lstStyle/>
+                    <a:p>
+                      <a:r>
+                        <a:rPr lang="en-US" sz="800" b="0" i="0" strike="noStrike" dirty="0" smtClean="0"/>
+                        <a:t/>
+                      </a:r>
+                      <a:endParaRPr lang="fr-FR" sz="800" dirty="0"/>
+                    </a:p>
+                  </a:txBody>
+                  <a:tcPr/>
+                </a:tc>
+                <a:tc>
+                  <a:txBody>
+                    <a:bodyPr/>
+                    <a:lstStyle/>
+                    <a:p>
+                      <a:r>
+                        <a:rPr lang="en-US" sz="800" b="0" i="0" strike="noStrike" dirty="0" smtClean="0"/>
                         <a:t/>
                       </a:r>
                       <a:endParaRPr lang="fr-FR" sz="800" dirty="0"/>
@@ -5352,7 +5352,7 @@
                     <a:lstStyle/>
                     <a:p>
                       <a:r>
-                        <a:rPr lang="en-US" sz="800" b="0" i="0" u="none" dirty="0" smtClean="0"/>
+                        <a:rPr lang="en-US" sz="800" b="0" i="0" u="none" strike="noStrike" dirty="0" smtClean="0"/>
                         <a:t>Les</a:t>
                       </a:r>
                       <a:endParaRPr lang="fr-FR" sz="800" b="1" i="1" u="sng" dirty="0"/>
@@ -5366,7 +5366,7 @@
                     <a:lstStyle/>
                     <a:p>
                       <a:r>
-                        <a:rPr lang="en-US" sz="800" b="0" i="0" u="none" dirty="0" smtClean="0"/>
+                        <a:rPr lang="en-US" sz="800" b="0" i="0" u="none" strike="noStrike" dirty="0" smtClean="0"/>
                         <a:t>parfums</a:t>
                       </a:r>
                       <a:endParaRPr lang="fr-FR" sz="800" b="1" i="1" u="sng" dirty="0"/>
@@ -5397,7 +5397,7 @@
                         <a:defRPr/>
                       </a:pPr>
                       <a:r>
-                        <a:rPr lang="en-US" sz="800" dirty="0" smtClean="0"/>
+                        <a:rPr lang="en-US" sz="800" b="0" i="0" strike="noStrike" dirty="0" smtClean="0"/>
                         <a:t>ne</a:t>
                       </a:r>
                       <a:endParaRPr lang="fr-FR" sz="800" dirty="0" smtClean="0"/>
@@ -5411,7 +5411,7 @@
                     <a:lstStyle/>
                     <a:p>
                       <a:r>
-                        <a:rPr lang="en-US" sz="800" dirty="0" smtClean="0"/>
+                        <a:rPr lang="en-US" sz="800" b="0" i="0" strike="noStrike" dirty="0" smtClean="0"/>
                         <a:t>font</a:t>
                       </a:r>
                       <a:endParaRPr lang="fr-FR" sz="800" dirty="0"/>
@@ -5425,7 +5425,7 @@
                     <a:lstStyle/>
                     <a:p>
                       <a:r>
-                        <a:rPr lang="en-US" sz="800" dirty="0" smtClean="0"/>
+                        <a:rPr lang="en-US" sz="800" b="0" i="0" strike="noStrike" dirty="0" smtClean="0"/>
                         <a:t>pas</a:t>
                       </a:r>
                       <a:endParaRPr lang="fr-FR" sz="800" dirty="0"/>
@@ -5439,7 +5439,7 @@
                     <a:lstStyle/>
                     <a:p>
                       <a:r>
-                        <a:rPr lang="en-US" sz="800" dirty="0" smtClean="0"/>
+                        <a:rPr lang="en-US" sz="800" b="0" i="0" strike="noStrike" dirty="0" smtClean="0"/>
                         <a:t>frissonner</a:t>
                       </a:r>
                       <a:endParaRPr lang="fr-FR" sz="800" dirty="0"/>
@@ -5453,7 +5453,7 @@
                     <a:lstStyle/>
                     <a:p>
                       <a:r>
-                        <a:rPr lang="en-US" sz="800" dirty="0" smtClean="0"/>
+                        <a:rPr lang="en-US" sz="800" b="0" i="0" strike="noStrike" dirty="0" smtClean="0"/>
                         <a:t>sa</a:t>
                       </a:r>
                       <a:endParaRPr lang="fr-FR" sz="800" dirty="0"/>
@@ -5467,7 +5467,7 @@
                     <a:lstStyle/>
                     <a:p>
                       <a:r>
-                        <a:rPr lang="en-US" sz="800" dirty="0" smtClean="0"/>
+                        <a:rPr lang="en-US" sz="800" b="0" i="0" strike="noStrike" dirty="0" smtClean="0"/>
                         <a:t>narine</a:t>
                       </a:r>
                       <a:endParaRPr lang="fr-FR" sz="800" dirty="0"/>
@@ -5481,7 +5481,7 @@
                     <a:lstStyle/>
                     <a:p>
                       <a:r>
-                        <a:rPr lang="en-US" sz="800" dirty="0" smtClean="0"/>
+                        <a:rPr lang="en-US" sz="800" b="0" i="0" strike="noStrike" dirty="0" smtClean="0"/>
                         <a:t>;</a:t>
                       </a:r>
                       <a:endParaRPr lang="fr-FR" sz="800" dirty="0"/>
@@ -5495,63 +5495,63 @@
                     <a:lstStyle/>
                     <a:p>
                       <a:r>
-                        <a:rPr lang="en-US" sz="800" dirty="0" smtClean="0"/>
-                        <a:t/>
-                      </a:r>
-                      <a:endParaRPr lang="fr-FR" sz="800" dirty="0"/>
-                    </a:p>
-                  </a:txBody>
-                  <a:tcPr/>
-                </a:tc>
-                <a:tc>
-                  <a:txBody>
-                    <a:bodyPr/>
-                    <a:lstStyle/>
-                    <a:p>
-                      <a:r>
-                        <a:rPr lang="en-US" sz="800" dirty="0" smtClean="0"/>
-                        <a:t/>
-                      </a:r>
-                      <a:endParaRPr lang="fr-FR" sz="800" dirty="0"/>
-                    </a:p>
-                  </a:txBody>
-                  <a:tcPr/>
-                </a:tc>
-                <a:tc>
-                  <a:txBody>
-                    <a:bodyPr/>
-                    <a:lstStyle/>
-                    <a:p>
-                      <a:r>
-                        <a:rPr lang="en-US" sz="800" dirty="0" smtClean="0"/>
-                        <a:t/>
-                      </a:r>
-                      <a:endParaRPr lang="fr-FR" sz="800" dirty="0"/>
-                    </a:p>
-                  </a:txBody>
-                  <a:tcPr/>
-                </a:tc>
-                <a:tc>
-                  <a:txBody>
-                    <a:bodyPr/>
-                    <a:lstStyle/>
-                    <a:p>
-                      <a:r>
-                        <a:rPr lang="en-US" sz="800" dirty="0" smtClean="0"/>
-                        <a:t/>
-                      </a:r>
-                      <a:endParaRPr lang="fr-FR" sz="800" dirty="0"/>
-                    </a:p>
-                  </a:txBody>
-                  <a:tcPr/>
-                </a:tc>
-                <a:tc>
-                  <a:txBody>
-                    <a:bodyPr/>
-                    <a:lstStyle/>
-                    <a:p>
-                      <a:r>
-                        <a:rPr lang="en-US" sz="800" dirty="0" smtClean="0"/>
+                        <a:rPr lang="en-US" sz="800" b="0" i="0" strike="noStrike" dirty="0" smtClean="0"/>
+                        <a:t/>
+                      </a:r>
+                      <a:endParaRPr lang="fr-FR" sz="800" dirty="0"/>
+                    </a:p>
+                  </a:txBody>
+                  <a:tcPr/>
+                </a:tc>
+                <a:tc>
+                  <a:txBody>
+                    <a:bodyPr/>
+                    <a:lstStyle/>
+                    <a:p>
+                      <a:r>
+                        <a:rPr lang="en-US" sz="800" b="0" i="0" strike="noStrike" dirty="0" smtClean="0"/>
+                        <a:t/>
+                      </a:r>
+                      <a:endParaRPr lang="fr-FR" sz="800" dirty="0"/>
+                    </a:p>
+                  </a:txBody>
+                  <a:tcPr/>
+                </a:tc>
+                <a:tc>
+                  <a:txBody>
+                    <a:bodyPr/>
+                    <a:lstStyle/>
+                    <a:p>
+                      <a:r>
+                        <a:rPr lang="en-US" sz="800" b="0" i="0" strike="noStrike" dirty="0" smtClean="0"/>
+                        <a:t/>
+                      </a:r>
+                      <a:endParaRPr lang="fr-FR" sz="800" dirty="0"/>
+                    </a:p>
+                  </a:txBody>
+                  <a:tcPr/>
+                </a:tc>
+                <a:tc>
+                  <a:txBody>
+                    <a:bodyPr/>
+                    <a:lstStyle/>
+                    <a:p>
+                      <a:r>
+                        <a:rPr lang="en-US" sz="800" b="0" i="0" strike="noStrike" dirty="0" smtClean="0"/>
+                        <a:t/>
+                      </a:r>
+                      <a:endParaRPr lang="fr-FR" sz="800" dirty="0"/>
+                    </a:p>
+                  </a:txBody>
+                  <a:tcPr/>
+                </a:tc>
+                <a:tc>
+                  <a:txBody>
+                    <a:bodyPr/>
+                    <a:lstStyle/>
+                    <a:p>
+                      <a:r>
+                        <a:rPr lang="en-US" sz="800" b="0" i="0" strike="noStrike" dirty="0" smtClean="0"/>
                         <a:t/>
                       </a:r>
                       <a:endParaRPr lang="fr-FR" sz="800" dirty="0"/>
@@ -5567,7 +5567,7 @@
                     <a:lstStyle/>
                     <a:p>
                       <a:r>
-                        <a:rPr lang="en-US" sz="800" b="0" i="0" u="none" dirty="0" smtClean="0"/>
+                        <a:rPr lang="en-US" sz="800" b="0" i="0" u="none" strike="noStrike" dirty="0" smtClean="0"/>
                         <a:t>Il</a:t>
                       </a:r>
                       <a:endParaRPr lang="fr-FR" sz="800" b="1" i="1" u="sng" dirty="0"/>
@@ -5581,7 +5581,7 @@
                     <a:lstStyle/>
                     <a:p>
                       <a:r>
-                        <a:rPr lang="en-US" sz="800" b="0" i="0" u="none" dirty="0" smtClean="0"/>
+                        <a:rPr lang="en-US" sz="800" b="0" i="0" u="none" strike="noStrike" dirty="0" smtClean="0"/>
                         <a:t>dort</a:t>
                       </a:r>
                       <a:endParaRPr lang="fr-FR" sz="800" b="1" i="1" u="sng" dirty="0"/>
@@ -5612,7 +5612,7 @@
                         <a:defRPr/>
                       </a:pPr>
                       <a:r>
-                        <a:rPr lang="en-US" sz="800" dirty="0" smtClean="0"/>
+                        <a:rPr lang="en-US" sz="800" b="0" i="0" strike="noStrike" dirty="0" smtClean="0"/>
                         <a:t>dans</a:t>
                       </a:r>
                       <a:endParaRPr lang="fr-FR" sz="800" dirty="0" smtClean="0"/>
@@ -5626,7 +5626,7 @@
                     <a:lstStyle/>
                     <a:p>
                       <a:r>
-                        <a:rPr lang="en-US" sz="800" dirty="0" smtClean="0"/>
+                        <a:rPr lang="en-US" sz="800" b="0" i="0" strike="noStrike" dirty="0" smtClean="0"/>
                         <a:t>le</a:t>
                       </a:r>
                       <a:endParaRPr lang="fr-FR" sz="800" dirty="0"/>
@@ -5640,7 +5640,7 @@
                     <a:lstStyle/>
                     <a:p>
                       <a:r>
-                        <a:rPr lang="en-US" sz="800" dirty="0" smtClean="0"/>
+                        <a:rPr lang="en-US" sz="800" b="0" i="0" strike="noStrike" dirty="0" smtClean="0"/>
                         <a:t>soleil,</a:t>
                       </a:r>
                       <a:endParaRPr lang="fr-FR" sz="800" dirty="0"/>
@@ -5654,7 +5654,7 @@
                     <a:lstStyle/>
                     <a:p>
                       <a:r>
-                        <a:rPr lang="en-US" sz="800" dirty="0" smtClean="0"/>
+                        <a:rPr lang="en-US" sz="800" b="0" i="0" strike="noStrike" dirty="0" smtClean="0"/>
                         <a:t>la</a:t>
                       </a:r>
                       <a:endParaRPr lang="fr-FR" sz="800" dirty="0"/>
@@ -5668,7 +5668,7 @@
                     <a:lstStyle/>
                     <a:p>
                       <a:r>
-                        <a:rPr lang="en-US" sz="800" dirty="0" smtClean="0"/>
+                        <a:rPr lang="en-US" sz="800" b="0" i="0" strike="noStrike" dirty="0" smtClean="0"/>
                         <a:t>main</a:t>
                       </a:r>
                       <a:endParaRPr lang="fr-FR" sz="800" dirty="0"/>
@@ -5682,7 +5682,7 @@
                     <a:lstStyle/>
                     <a:p>
                       <a:r>
-                        <a:rPr lang="en-US" sz="800" dirty="0" smtClean="0"/>
+                        <a:rPr lang="en-US" sz="800" b="0" i="0" strike="noStrike" dirty="0" smtClean="0"/>
                         <a:t>sur</a:t>
                       </a:r>
                       <a:endParaRPr lang="fr-FR" sz="800" dirty="0"/>
@@ -5713,7 +5713,7 @@
                         <a:defRPr/>
                       </a:pPr>
                       <a:r>
-                        <a:rPr lang="en-US" sz="800" dirty="0" smtClean="0"/>
+                        <a:rPr lang="en-US" sz="800" b="0" i="0" strike="noStrike" dirty="0" smtClean="0"/>
                         <a:t>sa</a:t>
                       </a:r>
                       <a:endParaRPr lang="fr-FR" sz="800" dirty="0" smtClean="0"/>
@@ -5727,7 +5727,7 @@
                     <a:lstStyle/>
                     <a:p>
                       <a:r>
-                        <a:rPr lang="en-US" sz="800" dirty="0" smtClean="0"/>
+                        <a:rPr lang="en-US" sz="800" b="0" i="0" strike="noStrike" dirty="0" smtClean="0"/>
                         <a:t>poitrine</a:t>
                       </a:r>
                       <a:endParaRPr lang="fr-FR" sz="800" dirty="0"/>
@@ -5758,7 +5758,7 @@
                         <a:defRPr/>
                       </a:pPr>
                       <a:r>
-                        <a:rPr lang="en-US" sz="800" dirty="0" smtClean="0"/>
+                        <a:rPr lang="en-US" sz="800" b="0" i="0" strike="noStrike" dirty="0" smtClean="0"/>
                         <a:t/>
                       </a:r>
                       <a:endParaRPr lang="fr-FR" sz="800" dirty="0" smtClean="0"/>
@@ -5772,35 +5772,35 @@
                     <a:lstStyle/>
                     <a:p>
                       <a:r>
-                        <a:rPr lang="en-US" sz="800" dirty="0" smtClean="0"/>
-                        <a:t/>
-                      </a:r>
-                      <a:endParaRPr lang="fr-FR" sz="800" dirty="0"/>
-                    </a:p>
-                  </a:txBody>
-                  <a:tcPr/>
-                </a:tc>
-                <a:tc>
-                  <a:txBody>
-                    <a:bodyPr/>
-                    <a:lstStyle/>
-                    <a:p>
-                      <a:r>
-                        <a:rPr lang="en-US" sz="800" dirty="0" smtClean="0"/>
-                        <a:t/>
-                      </a:r>
-                      <a:endParaRPr lang="fr-FR" sz="800" dirty="0"/>
-                    </a:p>
-                  </a:txBody>
-                  <a:tcPr/>
-                </a:tc>
-                <a:tc>
-                  <a:txBody>
-                    <a:bodyPr/>
-                    <a:lstStyle/>
-                    <a:p>
-                      <a:r>
-                        <a:rPr lang="en-US" sz="800" dirty="0" smtClean="0"/>
+                        <a:rPr lang="en-US" sz="800" b="0" i="0" strike="noStrike" dirty="0" smtClean="0"/>
+                        <a:t/>
+                      </a:r>
+                      <a:endParaRPr lang="fr-FR" sz="800" dirty="0"/>
+                    </a:p>
+                  </a:txBody>
+                  <a:tcPr/>
+                </a:tc>
+                <a:tc>
+                  <a:txBody>
+                    <a:bodyPr/>
+                    <a:lstStyle/>
+                    <a:p>
+                      <a:r>
+                        <a:rPr lang="en-US" sz="800" b="0" i="0" strike="noStrike" dirty="0" smtClean="0"/>
+                        <a:t/>
+                      </a:r>
+                      <a:endParaRPr lang="fr-FR" sz="800" dirty="0"/>
+                    </a:p>
+                  </a:txBody>
+                  <a:tcPr/>
+                </a:tc>
+                <a:tc>
+                  <a:txBody>
+                    <a:bodyPr/>
+                    <a:lstStyle/>
+                    <a:p>
+                      <a:r>
+                        <a:rPr lang="en-US" sz="800" b="0" i="0" strike="noStrike" dirty="0" smtClean="0"/>
                         <a:t/>
                       </a:r>
                       <a:endParaRPr lang="fr-FR" sz="800" dirty="0"/>
@@ -5816,7 +5816,7 @@
                     <a:lstStyle/>
                     <a:p>
                       <a:r>
-                        <a:rPr lang="en-US" sz="800" b="0" i="0" u="none" dirty="0" smtClean="0"/>
+                        <a:rPr lang="en-US" sz="800" b="0" i="0" u="none" strike="noStrike" dirty="0" smtClean="0"/>
                         <a:t>Tranquille.</a:t>
                       </a:r>
                       <a:endParaRPr lang="fr-FR" sz="800" b="1" i="1" u="sng" dirty="0"/>
@@ -5830,7 +5830,7 @@
                     <a:lstStyle/>
                     <a:p>
                       <a:r>
-                        <a:rPr lang="en-US" sz="800" b="0" i="0" u="none" dirty="0" smtClean="0"/>
+                        <a:rPr lang="en-US" sz="800" b="0" i="0" u="none" strike="noStrike" dirty="0" smtClean="0"/>
                         <a:t>Il</a:t>
                       </a:r>
                       <a:endParaRPr lang="fr-FR" sz="800" b="1" i="1" u="sng" dirty="0"/>
@@ -5861,7 +5861,7 @@
                         <a:defRPr/>
                       </a:pPr>
                       <a:r>
-                        <a:rPr lang="en-US" sz="800" dirty="0" smtClean="0"/>
+                        <a:rPr lang="en-US" sz="800" b="0" i="0" strike="noStrike" dirty="0" smtClean="0"/>
                         <a:t>a</a:t>
                       </a:r>
                       <a:endParaRPr lang="fr-FR" sz="800" dirty="0" smtClean="0"/>
@@ -5875,7 +5875,7 @@
                     <a:lstStyle/>
                     <a:p>
                       <a:r>
-                        <a:rPr lang="en-US" sz="800" dirty="0" smtClean="0"/>
+                        <a:rPr lang="en-US" sz="800" b="0" i="0" strike="noStrike" dirty="0" smtClean="0"/>
                         <a:t>deux</a:t>
                       </a:r>
                       <a:endParaRPr lang="fr-FR" sz="800" dirty="0"/>
@@ -5889,7 +5889,7 @@
                     <a:lstStyle/>
                     <a:p>
                       <a:r>
-                        <a:rPr lang="en-US" sz="800" dirty="0" smtClean="0"/>
+                        <a:rPr lang="en-US" sz="800" b="0" i="0" strike="noStrike" dirty="0" smtClean="0"/>
                         <a:t>trous</a:t>
                       </a:r>
                       <a:endParaRPr lang="fr-FR" sz="800" dirty="0"/>
@@ -5903,7 +5903,7 @@
                     <a:lstStyle/>
                     <a:p>
                       <a:r>
-                        <a:rPr lang="en-US" sz="800" dirty="0" smtClean="0"/>
+                        <a:rPr lang="en-US" sz="800" b="0" i="0" strike="noStrike" dirty="0" smtClean="0"/>
                         <a:t>rouges</a:t>
                       </a:r>
                       <a:endParaRPr lang="fr-FR" sz="800" dirty="0"/>
@@ -5917,7 +5917,7 @@
                     <a:lstStyle/>
                     <a:p>
                       <a:r>
-                        <a:rPr lang="en-US" sz="800" dirty="0" smtClean="0"/>
+                        <a:rPr lang="en-US" sz="800" b="0" i="0" strike="noStrike" dirty="0" smtClean="0"/>
                         <a:t>au</a:t>
                       </a:r>
                       <a:endParaRPr lang="fr-FR" sz="800" dirty="0"/>
@@ -5931,7 +5931,7 @@
                     <a:lstStyle/>
                     <a:p>
                       <a:r>
-                        <a:rPr lang="en-US" sz="800" dirty="0" smtClean="0"/>
+                        <a:rPr lang="en-US" sz="800" b="0" i="0" strike="noStrike" dirty="0" smtClean="0"/>
                         <a:t>côté</a:t>
                       </a:r>
                       <a:endParaRPr lang="fr-FR" sz="800" dirty="0"/>
@@ -5962,7 +5962,7 @@
                         <a:defRPr/>
                       </a:pPr>
                       <a:r>
-                        <a:rPr lang="en-US" sz="800" dirty="0" smtClean="0"/>
+                        <a:rPr lang="en-US" sz="800" b="0" i="0" strike="noStrike" dirty="0" smtClean="0"/>
                         <a:t>droit.</a:t>
                       </a:r>
                       <a:endParaRPr lang="fr-FR" sz="800" dirty="0" smtClean="0"/>
@@ -5976,7 +5976,7 @@
                     <a:lstStyle/>
                     <a:p>
                       <a:r>
-                        <a:rPr lang="en-US" sz="800" dirty="0" smtClean="0"/>
+                        <a:rPr lang="en-US" sz="800" b="0" i="0" strike="noStrike" dirty="0" smtClean="0"/>
                         <a:t/>
                       </a:r>
                       <a:endParaRPr lang="fr-FR" sz="800" dirty="0"/>
@@ -6007,7 +6007,7 @@
                         <a:defRPr/>
                       </a:pPr>
                       <a:r>
-                        <a:rPr lang="en-US" sz="800" dirty="0" smtClean="0"/>
+                        <a:rPr lang="en-US" sz="800" b="0" i="0" strike="noStrike" dirty="0" smtClean="0"/>
                         <a:t/>
                       </a:r>
                       <a:endParaRPr lang="fr-FR" sz="800" dirty="0" smtClean="0"/>
@@ -6021,35 +6021,35 @@
                     <a:lstStyle/>
                     <a:p>
                       <a:r>
-                        <a:rPr lang="en-US" sz="800" dirty="0" smtClean="0"/>
-                        <a:t/>
-                      </a:r>
-                      <a:endParaRPr lang="fr-FR" sz="800" dirty="0"/>
-                    </a:p>
-                  </a:txBody>
-                  <a:tcPr/>
-                </a:tc>
-                <a:tc>
-                  <a:txBody>
-                    <a:bodyPr/>
-                    <a:lstStyle/>
-                    <a:p>
-                      <a:r>
-                        <a:rPr lang="en-US" sz="800" dirty="0" smtClean="0"/>
-                        <a:t/>
-                      </a:r>
-                      <a:endParaRPr lang="fr-FR" sz="800" dirty="0"/>
-                    </a:p>
-                  </a:txBody>
-                  <a:tcPr/>
-                </a:tc>
-                <a:tc>
-                  <a:txBody>
-                    <a:bodyPr/>
-                    <a:lstStyle/>
-                    <a:p>
-                      <a:r>
-                        <a:rPr lang="en-US" sz="800" dirty="0" smtClean="0"/>
+                        <a:rPr lang="en-US" sz="800" b="0" i="0" strike="noStrike" dirty="0" smtClean="0"/>
+                        <a:t/>
+                      </a:r>
+                      <a:endParaRPr lang="fr-FR" sz="800" dirty="0"/>
+                    </a:p>
+                  </a:txBody>
+                  <a:tcPr/>
+                </a:tc>
+                <a:tc>
+                  <a:txBody>
+                    <a:bodyPr/>
+                    <a:lstStyle/>
+                    <a:p>
+                      <a:r>
+                        <a:rPr lang="en-US" sz="800" b="0" i="0" strike="noStrike" dirty="0" smtClean="0"/>
+                        <a:t/>
+                      </a:r>
+                      <a:endParaRPr lang="fr-FR" sz="800" dirty="0"/>
+                    </a:p>
+                  </a:txBody>
+                  <a:tcPr/>
+                </a:tc>
+                <a:tc>
+                  <a:txBody>
+                    <a:bodyPr/>
+                    <a:lstStyle/>
+                    <a:p>
+                      <a:r>
+                        <a:rPr lang="en-US" sz="800" b="0" i="0" strike="noStrike" dirty="0" smtClean="0"/>
                         <a:t/>
                       </a:r>
                       <a:endParaRPr lang="fr-FR" sz="800" dirty="0"/>
@@ -6414,7 +6414,7 @@
                     <a:lstStyle/>
                     <a:p>
                       <a:r>
-                        <a:rPr lang="en-US" sz="800" b="0" i="0" u="none" dirty="0" smtClean="0"/>
+                        <a:rPr lang="en-US" sz="800" b="0" i="0" u="none" strike="noStrike" dirty="0" smtClean="0"/>
                         <a:t>Mon</a:t>
                       </a:r>
                       <a:endParaRPr lang="fr-FR" sz="800" b="1" i="1" u="sng" dirty="0"/>
@@ -6428,7 +6428,7 @@
                     <a:lstStyle/>
                     <a:p>
                       <a:r>
-                        <a:rPr lang="en-US" sz="800" b="0" i="0" u="none" dirty="0" smtClean="0"/>
+                        <a:rPr lang="en-US" sz="800" b="0" i="0" u="none" strike="noStrike" dirty="0" smtClean="0"/>
                         <a:t>père,</a:t>
                       </a:r>
                       <a:endParaRPr lang="fr-FR" sz="800" b="1" i="1" u="sng" dirty="0"/>
@@ -6459,7 +6459,7 @@
                         <a:defRPr/>
                       </a:pPr>
                       <a:r>
-                        <a:rPr lang="en-US" sz="800" dirty="0" smtClean="0"/>
+                        <a:rPr lang="en-US" sz="800" b="0" i="0" strike="noStrike" dirty="0" smtClean="0"/>
                         <a:t>ce</a:t>
                       </a:r>
                       <a:endParaRPr lang="fr-FR" sz="800" dirty="0" smtClean="0"/>
@@ -6473,7 +6473,7 @@
                     <a:lstStyle/>
                     <a:p>
                       <a:r>
-                        <a:rPr lang="en-US" sz="800" dirty="0" smtClean="0"/>
+                        <a:rPr lang="en-US" sz="800" b="0" i="0" strike="noStrike" dirty="0" smtClean="0"/>
                         <a:t>héros</a:t>
                       </a:r>
                       <a:endParaRPr lang="fr-FR" sz="800" dirty="0"/>
@@ -6487,7 +6487,7 @@
                     <a:lstStyle/>
                     <a:p>
                       <a:r>
-                        <a:rPr lang="en-US" sz="800" dirty="0" smtClean="0"/>
+                        <a:rPr lang="en-US" sz="800" b="0" i="0" strike="noStrike" dirty="0" smtClean="0"/>
                         <a:t>au</a:t>
                       </a:r>
                       <a:endParaRPr lang="fr-FR" sz="800" dirty="0"/>
@@ -6501,7 +6501,7 @@
                     <a:lstStyle/>
                     <a:p>
                       <a:r>
-                        <a:rPr lang="en-US" sz="800" dirty="0" smtClean="0"/>
+                        <a:rPr lang="en-US" sz="800" b="0" i="0" strike="noStrike" dirty="0" smtClean="0"/>
                         <a:t>sourire</a:t>
                       </a:r>
                       <a:endParaRPr lang="fr-FR" sz="800" dirty="0"/>
@@ -6515,7 +6515,7 @@
                     <a:lstStyle/>
                     <a:p>
                       <a:r>
-                        <a:rPr lang="en-US" sz="800" dirty="0" smtClean="0"/>
+                        <a:rPr lang="en-US" sz="800" b="0" i="0" strike="noStrike" dirty="0" smtClean="0"/>
                         <a:t>si</a:t>
                       </a:r>
                       <a:endParaRPr lang="fr-FR" sz="800" dirty="0"/>
@@ -6529,7 +6529,7 @@
                     <a:lstStyle/>
                     <a:p>
                       <a:r>
-                        <a:rPr lang="en-US" sz="800" dirty="0" smtClean="0"/>
+                        <a:rPr lang="en-US" sz="800" b="0" i="0" strike="noStrike" dirty="0" smtClean="0"/>
                         <a:t>doux,</a:t>
                       </a:r>
                       <a:endParaRPr lang="fr-FR" sz="800" dirty="0"/>
@@ -6543,77 +6543,77 @@
                     <a:lstStyle/>
                     <a:p>
                       <a:r>
-                        <a:rPr lang="en-US" sz="800" dirty="0" smtClean="0"/>
-                        <a:t/>
-                      </a:r>
-                      <a:endParaRPr lang="fr-FR" sz="800" dirty="0"/>
-                    </a:p>
-                  </a:txBody>
-                  <a:tcPr/>
-                </a:tc>
-                <a:tc>
-                  <a:txBody>
-                    <a:bodyPr/>
-                    <a:lstStyle/>
-                    <a:p>
-                      <a:r>
-                        <a:rPr lang="en-US" sz="800" dirty="0" smtClean="0"/>
-                        <a:t/>
-                      </a:r>
-                      <a:endParaRPr lang="fr-FR" sz="800" dirty="0"/>
-                    </a:p>
-                  </a:txBody>
-                  <a:tcPr/>
-                </a:tc>
-                <a:tc>
-                  <a:txBody>
-                    <a:bodyPr/>
-                    <a:lstStyle/>
-                    <a:p>
-                      <a:r>
-                        <a:rPr lang="en-US" sz="800" dirty="0" smtClean="0"/>
-                        <a:t/>
-                      </a:r>
-                      <a:endParaRPr lang="fr-FR" sz="800" dirty="0"/>
-                    </a:p>
-                  </a:txBody>
-                  <a:tcPr/>
-                </a:tc>
-                <a:tc>
-                  <a:txBody>
-                    <a:bodyPr/>
-                    <a:lstStyle/>
-                    <a:p>
-                      <a:r>
-                        <a:rPr lang="en-US" sz="800" dirty="0" smtClean="0"/>
-                        <a:t/>
-                      </a:r>
-                      <a:endParaRPr lang="fr-FR" sz="800" dirty="0"/>
-                    </a:p>
-                  </a:txBody>
-                  <a:tcPr/>
-                </a:tc>
-                <a:tc>
-                  <a:txBody>
-                    <a:bodyPr/>
-                    <a:lstStyle/>
-                    <a:p>
-                      <a:r>
-                        <a:rPr lang="en-US" sz="800" dirty="0" smtClean="0"/>
-                        <a:t/>
-                      </a:r>
-                      <a:endParaRPr lang="fr-FR" sz="800" dirty="0"/>
-                    </a:p>
-                  </a:txBody>
-                  <a:tcPr/>
-                </a:tc>
-                <a:tc>
-                  <a:txBody>
-                    <a:bodyPr/>
-                    <a:lstStyle/>
-                    <a:p>
-                      <a:r>
-                        <a:rPr lang="en-US" sz="800" dirty="0" smtClean="0"/>
+                        <a:rPr lang="en-US" sz="800" b="0" i="0" strike="noStrike" dirty="0" smtClean="0"/>
+                        <a:t/>
+                      </a:r>
+                      <a:endParaRPr lang="fr-FR" sz="800" dirty="0"/>
+                    </a:p>
+                  </a:txBody>
+                  <a:tcPr/>
+                </a:tc>
+                <a:tc>
+                  <a:txBody>
+                    <a:bodyPr/>
+                    <a:lstStyle/>
+                    <a:p>
+                      <a:r>
+                        <a:rPr lang="en-US" sz="800" b="0" i="0" strike="noStrike" dirty="0" smtClean="0"/>
+                        <a:t/>
+                      </a:r>
+                      <a:endParaRPr lang="fr-FR" sz="800" dirty="0"/>
+                    </a:p>
+                  </a:txBody>
+                  <a:tcPr/>
+                </a:tc>
+                <a:tc>
+                  <a:txBody>
+                    <a:bodyPr/>
+                    <a:lstStyle/>
+                    <a:p>
+                      <a:r>
+                        <a:rPr lang="en-US" sz="800" b="0" i="0" strike="noStrike" dirty="0" smtClean="0"/>
+                        <a:t/>
+                      </a:r>
+                      <a:endParaRPr lang="fr-FR" sz="800" dirty="0"/>
+                    </a:p>
+                  </a:txBody>
+                  <a:tcPr/>
+                </a:tc>
+                <a:tc>
+                  <a:txBody>
+                    <a:bodyPr/>
+                    <a:lstStyle/>
+                    <a:p>
+                      <a:r>
+                        <a:rPr lang="en-US" sz="800" b="0" i="0" strike="noStrike" dirty="0" smtClean="0"/>
+                        <a:t/>
+                      </a:r>
+                      <a:endParaRPr lang="fr-FR" sz="800" dirty="0"/>
+                    </a:p>
+                  </a:txBody>
+                  <a:tcPr/>
+                </a:tc>
+                <a:tc>
+                  <a:txBody>
+                    <a:bodyPr/>
+                    <a:lstStyle/>
+                    <a:p>
+                      <a:r>
+                        <a:rPr lang="en-US" sz="800" b="0" i="0" strike="noStrike" dirty="0" smtClean="0"/>
+                        <a:t/>
+                      </a:r>
+                      <a:endParaRPr lang="fr-FR" sz="800" dirty="0"/>
+                    </a:p>
+                  </a:txBody>
+                  <a:tcPr/>
+                </a:tc>
+                <a:tc>
+                  <a:txBody>
+                    <a:bodyPr/>
+                    <a:lstStyle/>
+                    <a:p>
+                      <a:r>
+                        <a:rPr lang="en-US" sz="800" b="0" i="0" strike="noStrike" dirty="0" smtClean="0"/>
                         <a:t/>
                       </a:r>
                       <a:endParaRPr lang="fr-FR" sz="800" dirty="0"/>
@@ -6629,7 +6629,7 @@
                     <a:lstStyle/>
                     <a:p>
                       <a:r>
-                        <a:rPr lang="en-US" sz="800" b="0" i="0" u="none" dirty="0" smtClean="0"/>
+                        <a:rPr lang="en-US" sz="800" b="0" i="0" u="none" strike="noStrike" dirty="0" smtClean="0"/>
                         <a:t>Suivi</a:t>
                       </a:r>
                       <a:endParaRPr lang="fr-FR" sz="800" b="1" i="1" u="sng" dirty="0"/>
@@ -6643,7 +6643,7 @@
                     <a:lstStyle/>
                     <a:p>
                       <a:r>
-                        <a:rPr lang="en-US" sz="800" b="0" i="0" u="none" dirty="0" smtClean="0"/>
+                        <a:rPr lang="en-US" sz="800" b="0" i="0" u="none" strike="noStrike" dirty="0" smtClean="0"/>
                         <a:t>d’un</a:t>
                       </a:r>
                       <a:endParaRPr lang="fr-FR" sz="800" b="1" i="1" u="sng" dirty="0"/>
@@ -6674,7 +6674,7 @@
                         <a:defRPr/>
                       </a:pPr>
                       <a:r>
-                        <a:rPr lang="en-US" sz="800" dirty="0" smtClean="0"/>
+                        <a:rPr lang="en-US" sz="800" b="0" i="0" strike="noStrike" dirty="0" smtClean="0"/>
                         <a:t>seul</a:t>
                       </a:r>
                       <a:endParaRPr lang="fr-FR" sz="800" dirty="0" smtClean="0"/>
@@ -6688,7 +6688,7 @@
                     <a:lstStyle/>
                     <a:p>
                       <a:r>
-                        <a:rPr lang="en-US" sz="800" dirty="0" smtClean="0"/>
+                        <a:rPr lang="en-US" sz="800" b="0" i="0" strike="noStrike" dirty="0" smtClean="0"/>
                         <a:t>housard</a:t>
                       </a:r>
                       <a:endParaRPr lang="fr-FR" sz="800" dirty="0"/>
@@ -6702,7 +6702,7 @@
                     <a:lstStyle/>
                     <a:p>
                       <a:r>
-                        <a:rPr lang="en-US" sz="800" dirty="0" smtClean="0"/>
+                        <a:rPr lang="en-US" sz="800" b="0" i="0" strike="noStrike" dirty="0" smtClean="0"/>
                         <a:t>qu’il</a:t>
                       </a:r>
                       <a:endParaRPr lang="fr-FR" sz="800" dirty="0"/>
@@ -6716,7 +6716,7 @@
                     <a:lstStyle/>
                     <a:p>
                       <a:r>
-                        <a:rPr lang="en-US" sz="800" dirty="0" smtClean="0"/>
+                        <a:rPr lang="en-US" sz="800" b="0" i="0" strike="noStrike" dirty="0" smtClean="0"/>
                         <a:t>aimait</a:t>
                       </a:r>
                       <a:endParaRPr lang="fr-FR" sz="800" dirty="0"/>
@@ -6730,7 +6730,7 @@
                     <a:lstStyle/>
                     <a:p>
                       <a:r>
-                        <a:rPr lang="en-US" sz="800" dirty="0" smtClean="0"/>
+                        <a:rPr lang="en-US" sz="800" b="0" i="0" strike="noStrike" dirty="0" smtClean="0"/>
                         <a:t>entre</a:t>
                       </a:r>
                       <a:endParaRPr lang="fr-FR" sz="800" dirty="0"/>
@@ -6744,7 +6744,7 @@
                     <a:lstStyle/>
                     <a:p>
                       <a:r>
-                        <a:rPr lang="en-US" sz="800" dirty="0" smtClean="0"/>
+                        <a:rPr lang="en-US" sz="800" b="0" i="0" strike="noStrike" dirty="0" smtClean="0"/>
                         <a:t>tous</a:t>
                       </a:r>
                       <a:endParaRPr lang="fr-FR" sz="800" dirty="0"/>
@@ -6775,7 +6775,7 @@
                         <a:defRPr/>
                       </a:pPr>
                       <a:r>
-                        <a:rPr lang="en-US" sz="800" dirty="0" smtClean="0"/>
+                        <a:rPr lang="en-US" sz="800" b="0" i="0" strike="noStrike" dirty="0" smtClean="0"/>
                         <a:t/>
                       </a:r>
                       <a:endParaRPr lang="fr-FR" sz="800" dirty="0" smtClean="0"/>
@@ -6789,7 +6789,7 @@
                     <a:lstStyle/>
                     <a:p>
                       <a:r>
-                        <a:rPr lang="en-US" sz="800" dirty="0" smtClean="0"/>
+                        <a:rPr lang="en-US" sz="800" b="0" i="0" strike="noStrike" dirty="0" smtClean="0"/>
                         <a:t/>
                       </a:r>
                       <a:endParaRPr lang="fr-FR" sz="800" dirty="0"/>
@@ -6820,7 +6820,7 @@
                         <a:defRPr/>
                       </a:pPr>
                       <a:r>
-                        <a:rPr lang="en-US" sz="800" dirty="0" smtClean="0"/>
+                        <a:rPr lang="en-US" sz="800" b="0" i="0" strike="noStrike" dirty="0" smtClean="0"/>
                         <a:t/>
                       </a:r>
                       <a:endParaRPr lang="fr-FR" sz="800" dirty="0" smtClean="0"/>
@@ -6834,35 +6834,35 @@
                     <a:lstStyle/>
                     <a:p>
                       <a:r>
-                        <a:rPr lang="en-US" sz="800" dirty="0" smtClean="0"/>
-                        <a:t/>
-                      </a:r>
-                      <a:endParaRPr lang="fr-FR" sz="800" dirty="0"/>
-                    </a:p>
-                  </a:txBody>
-                  <a:tcPr/>
-                </a:tc>
-                <a:tc>
-                  <a:txBody>
-                    <a:bodyPr/>
-                    <a:lstStyle/>
-                    <a:p>
-                      <a:r>
-                        <a:rPr lang="en-US" sz="800" dirty="0" smtClean="0"/>
-                        <a:t/>
-                      </a:r>
-                      <a:endParaRPr lang="fr-FR" sz="800" dirty="0"/>
-                    </a:p>
-                  </a:txBody>
-                  <a:tcPr/>
-                </a:tc>
-                <a:tc>
-                  <a:txBody>
-                    <a:bodyPr/>
-                    <a:lstStyle/>
-                    <a:p>
-                      <a:r>
-                        <a:rPr lang="en-US" sz="800" dirty="0" smtClean="0"/>
+                        <a:rPr lang="en-US" sz="800" b="0" i="0" strike="noStrike" dirty="0" smtClean="0"/>
+                        <a:t/>
+                      </a:r>
+                      <a:endParaRPr lang="fr-FR" sz="800" dirty="0"/>
+                    </a:p>
+                  </a:txBody>
+                  <a:tcPr/>
+                </a:tc>
+                <a:tc>
+                  <a:txBody>
+                    <a:bodyPr/>
+                    <a:lstStyle/>
+                    <a:p>
+                      <a:r>
+                        <a:rPr lang="en-US" sz="800" b="0" i="0" strike="noStrike" dirty="0" smtClean="0"/>
+                        <a:t/>
+                      </a:r>
+                      <a:endParaRPr lang="fr-FR" sz="800" dirty="0"/>
+                    </a:p>
+                  </a:txBody>
+                  <a:tcPr/>
+                </a:tc>
+                <a:tc>
+                  <a:txBody>
+                    <a:bodyPr/>
+                    <a:lstStyle/>
+                    <a:p>
+                      <a:r>
+                        <a:rPr lang="en-US" sz="800" b="0" i="0" strike="noStrike" dirty="0" smtClean="0"/>
                         <a:t/>
                       </a:r>
                       <a:endParaRPr lang="fr-FR" sz="800" dirty="0"/>
@@ -6878,7 +6878,7 @@
                     <a:lstStyle/>
                     <a:p>
                       <a:r>
-                        <a:rPr lang="en-US" sz="800" b="0" i="0" u="none" dirty="0" smtClean="0"/>
+                        <a:rPr lang="en-US" sz="800" b="0" i="0" u="none" strike="noStrike" dirty="0" smtClean="0"/>
                         <a:t>Pour</a:t>
                       </a:r>
                       <a:endParaRPr lang="fr-FR" sz="800" b="1" i="1" u="sng" dirty="0"/>
@@ -6892,7 +6892,7 @@
                     <a:lstStyle/>
                     <a:p>
                       <a:r>
-                        <a:rPr lang="en-US" sz="800" b="0" i="0" u="none" dirty="0" smtClean="0"/>
+                        <a:rPr lang="en-US" sz="800" b="0" i="0" u="none" strike="noStrike" dirty="0" smtClean="0"/>
                         <a:t>sa</a:t>
                       </a:r>
                       <a:endParaRPr lang="fr-FR" sz="800" b="1" i="1" u="sng" dirty="0"/>
@@ -6923,7 +6923,7 @@
                         <a:defRPr/>
                       </a:pPr>
                       <a:r>
-                        <a:rPr lang="en-US" sz="800" dirty="0" smtClean="0"/>
+                        <a:rPr lang="en-US" sz="800" b="0" i="0" strike="noStrike" dirty="0" smtClean="0"/>
                         <a:t>grande</a:t>
                       </a:r>
                       <a:endParaRPr lang="fr-FR" sz="800" dirty="0" smtClean="0"/>
@@ -6937,7 +6937,7 @@
                     <a:lstStyle/>
                     <a:p>
                       <a:r>
-                        <a:rPr lang="en-US" sz="800" dirty="0" smtClean="0"/>
+                        <a:rPr lang="en-US" sz="800" b="0" i="0" strike="noStrike" dirty="0" smtClean="0"/>
                         <a:t>bravoure</a:t>
                       </a:r>
                       <a:endParaRPr lang="fr-FR" sz="800" dirty="0"/>
@@ -6951,7 +6951,7 @@
                     <a:lstStyle/>
                     <a:p>
                       <a:r>
-                        <a:rPr lang="en-US" sz="800" dirty="0" smtClean="0"/>
+                        <a:rPr lang="en-US" sz="800" b="0" i="0" strike="noStrike" dirty="0" smtClean="0"/>
                         <a:t>et</a:t>
                       </a:r>
                       <a:endParaRPr lang="fr-FR" sz="800" dirty="0"/>
@@ -6965,7 +6965,7 @@
                     <a:lstStyle/>
                     <a:p>
                       <a:r>
-                        <a:rPr lang="en-US" sz="800" dirty="0" smtClean="0"/>
+                        <a:rPr lang="en-US" sz="800" b="0" i="0" strike="noStrike" dirty="0" smtClean="0"/>
                         <a:t>pour</a:t>
                       </a:r>
                       <a:endParaRPr lang="fr-FR" sz="800" dirty="0"/>
@@ -6979,7 +6979,7 @@
                     <a:lstStyle/>
                     <a:p>
                       <a:r>
-                        <a:rPr lang="en-US" sz="800" dirty="0" smtClean="0"/>
+                        <a:rPr lang="en-US" sz="800" b="0" i="0" strike="noStrike" dirty="0" smtClean="0"/>
                         <a:t>sa</a:t>
                       </a:r>
                       <a:endParaRPr lang="fr-FR" sz="800" dirty="0"/>
@@ -6993,7 +6993,7 @@
                     <a:lstStyle/>
                     <a:p>
                       <a:r>
-                        <a:rPr lang="en-US" sz="800" dirty="0" smtClean="0"/>
+                        <a:rPr lang="en-US" sz="800" b="0" i="0" strike="noStrike" dirty="0" smtClean="0"/>
                         <a:t>haute</a:t>
                       </a:r>
                       <a:endParaRPr lang="fr-FR" sz="800" dirty="0"/>
@@ -7024,7 +7024,7 @@
                         <a:defRPr/>
                       </a:pPr>
                       <a:r>
-                        <a:rPr lang="en-US" sz="800" dirty="0" smtClean="0"/>
+                        <a:rPr lang="en-US" sz="800" b="0" i="0" strike="noStrike" dirty="0" smtClean="0"/>
                         <a:t>taille,</a:t>
                       </a:r>
                       <a:endParaRPr lang="fr-FR" sz="800" dirty="0" smtClean="0"/>
@@ -7038,7 +7038,7 @@
                     <a:lstStyle/>
                     <a:p>
                       <a:r>
-                        <a:rPr lang="en-US" sz="800" dirty="0" smtClean="0"/>
+                        <a:rPr lang="en-US" sz="800" b="0" i="0" strike="noStrike" dirty="0" smtClean="0"/>
                         <a:t/>
                       </a:r>
                       <a:endParaRPr lang="fr-FR" sz="800" dirty="0"/>
@@ -7069,7 +7069,7 @@
                         <a:defRPr/>
                       </a:pPr>
                       <a:r>
-                        <a:rPr lang="en-US" sz="800" dirty="0" smtClean="0"/>
+                        <a:rPr lang="en-US" sz="800" b="0" i="0" strike="noStrike" dirty="0" smtClean="0"/>
                         <a:t/>
                       </a:r>
                       <a:endParaRPr lang="fr-FR" sz="800" dirty="0" smtClean="0"/>
@@ -7083,35 +7083,35 @@
                     <a:lstStyle/>
                     <a:p>
                       <a:r>
-                        <a:rPr lang="en-US" sz="800" dirty="0" smtClean="0"/>
-                        <a:t/>
-                      </a:r>
-                      <a:endParaRPr lang="fr-FR" sz="800" dirty="0"/>
-                    </a:p>
-                  </a:txBody>
-                  <a:tcPr/>
-                </a:tc>
-                <a:tc>
-                  <a:txBody>
-                    <a:bodyPr/>
-                    <a:lstStyle/>
-                    <a:p>
-                      <a:r>
-                        <a:rPr lang="en-US" sz="800" dirty="0" smtClean="0"/>
-                        <a:t/>
-                      </a:r>
-                      <a:endParaRPr lang="fr-FR" sz="800" dirty="0"/>
-                    </a:p>
-                  </a:txBody>
-                  <a:tcPr/>
-                </a:tc>
-                <a:tc>
-                  <a:txBody>
-                    <a:bodyPr/>
-                    <a:lstStyle/>
-                    <a:p>
-                      <a:r>
-                        <a:rPr lang="en-US" sz="800" dirty="0" smtClean="0"/>
+                        <a:rPr lang="en-US" sz="800" b="0" i="0" strike="noStrike" dirty="0" smtClean="0"/>
+                        <a:t/>
+                      </a:r>
+                      <a:endParaRPr lang="fr-FR" sz="800" dirty="0"/>
+                    </a:p>
+                  </a:txBody>
+                  <a:tcPr/>
+                </a:tc>
+                <a:tc>
+                  <a:txBody>
+                    <a:bodyPr/>
+                    <a:lstStyle/>
+                    <a:p>
+                      <a:r>
+                        <a:rPr lang="en-US" sz="800" b="0" i="0" strike="noStrike" dirty="0" smtClean="0"/>
+                        <a:t/>
+                      </a:r>
+                      <a:endParaRPr lang="fr-FR" sz="800" dirty="0"/>
+                    </a:p>
+                  </a:txBody>
+                  <a:tcPr/>
+                </a:tc>
+                <a:tc>
+                  <a:txBody>
+                    <a:bodyPr/>
+                    <a:lstStyle/>
+                    <a:p>
+                      <a:r>
+                        <a:rPr lang="en-US" sz="800" b="0" i="0" strike="noStrike" dirty="0" smtClean="0"/>
                         <a:t/>
                       </a:r>
                       <a:endParaRPr lang="fr-FR" sz="800" dirty="0"/>
@@ -7127,7 +7127,7 @@
                     <a:lstStyle/>
                     <a:p>
                       <a:r>
-                        <a:rPr lang="en-US" sz="800" b="0" i="0" u="none" dirty="0" smtClean="0"/>
+                        <a:rPr lang="en-US" sz="800" b="0" i="0" u="none" strike="noStrike" dirty="0" smtClean="0"/>
                         <a:t>Parcourait</a:t>
                       </a:r>
                       <a:endParaRPr lang="fr-FR" sz="800" b="1" i="1" u="sng" dirty="0"/>
@@ -7141,7 +7141,7 @@
                     <a:lstStyle/>
                     <a:p>
                       <a:r>
-                        <a:rPr lang="en-US" sz="800" b="0" i="0" u="none" dirty="0" smtClean="0"/>
+                        <a:rPr lang="en-US" sz="800" b="0" i="0" u="none" strike="noStrike" dirty="0" smtClean="0"/>
                         <a:t>à</a:t>
                       </a:r>
                       <a:endParaRPr lang="fr-FR" sz="800" b="1" i="1" u="sng" dirty="0"/>
@@ -7172,7 +7172,7 @@
                         <a:defRPr/>
                       </a:pPr>
                       <a:r>
-                        <a:rPr lang="en-US" sz="800" dirty="0" smtClean="0"/>
+                        <a:rPr lang="en-US" sz="800" b="0" i="0" strike="noStrike" dirty="0" smtClean="0"/>
                         <a:t>cheval,</a:t>
                       </a:r>
                       <a:endParaRPr lang="fr-FR" sz="800" dirty="0" smtClean="0"/>
@@ -7186,7 +7186,7 @@
                     <a:lstStyle/>
                     <a:p>
                       <a:r>
-                        <a:rPr lang="en-US" sz="800" dirty="0" smtClean="0"/>
+                        <a:rPr lang="en-US" sz="800" b="0" i="0" strike="noStrike" dirty="0" smtClean="0"/>
                         <a:t>le</a:t>
                       </a:r>
                       <a:endParaRPr lang="fr-FR" sz="800" dirty="0"/>
@@ -7200,7 +7200,7 @@
                     <a:lstStyle/>
                     <a:p>
                       <a:r>
-                        <a:rPr lang="en-US" sz="800" dirty="0" smtClean="0"/>
+                        <a:rPr lang="en-US" sz="800" b="0" i="0" strike="noStrike" dirty="0" smtClean="0"/>
                         <a:t>soir</a:t>
                       </a:r>
                       <a:endParaRPr lang="fr-FR" sz="800" dirty="0"/>
@@ -7214,7 +7214,7 @@
                     <a:lstStyle/>
                     <a:p>
                       <a:r>
-                        <a:rPr lang="en-US" sz="800" dirty="0" smtClean="0"/>
+                        <a:rPr lang="en-US" sz="800" b="0" i="0" strike="noStrike" dirty="0" smtClean="0"/>
                         <a:t>d’une</a:t>
                       </a:r>
                       <a:endParaRPr lang="fr-FR" sz="800" dirty="0"/>
@@ -7228,7 +7228,7 @@
                     <a:lstStyle/>
                     <a:p>
                       <a:r>
-                        <a:rPr lang="en-US" sz="800" dirty="0" smtClean="0"/>
+                        <a:rPr lang="en-US" sz="800" b="0" i="0" strike="noStrike" dirty="0" smtClean="0"/>
                         <a:t>bataille,</a:t>
                       </a:r>
                       <a:endParaRPr lang="fr-FR" sz="800" dirty="0"/>
@@ -7242,7 +7242,7 @@
                     <a:lstStyle/>
                     <a:p>
                       <a:r>
-                        <a:rPr lang="en-US" sz="800" dirty="0" smtClean="0"/>
+                        <a:rPr lang="en-US" sz="800" b="0" i="0" strike="noStrike" dirty="0" smtClean="0"/>
                         <a:t/>
                       </a:r>
                       <a:endParaRPr lang="fr-FR" sz="800" dirty="0"/>
@@ -7273,7 +7273,7 @@
                         <a:defRPr/>
                       </a:pPr>
                       <a:r>
-                        <a:rPr lang="en-US" sz="800" dirty="0" smtClean="0"/>
+                        <a:rPr lang="en-US" sz="800" b="0" i="0" strike="noStrike" dirty="0" smtClean="0"/>
                         <a:t/>
                       </a:r>
                       <a:endParaRPr lang="fr-FR" sz="800" dirty="0" smtClean="0"/>
@@ -7287,63 +7287,63 @@
                     <a:lstStyle/>
                     <a:p>
                       <a:r>
-                        <a:rPr lang="en-US" sz="800" dirty="0" smtClean="0"/>
-                        <a:t/>
-                      </a:r>
-                      <a:endParaRPr lang="fr-FR" sz="800" dirty="0"/>
-                    </a:p>
-                  </a:txBody>
-                  <a:tcPr/>
-                </a:tc>
-                <a:tc>
-                  <a:txBody>
-                    <a:bodyPr/>
-                    <a:lstStyle/>
-                    <a:p>
-                      <a:r>
-                        <a:rPr lang="en-US" sz="800" dirty="0" smtClean="0"/>
-                        <a:t/>
-                      </a:r>
-                      <a:endParaRPr lang="fr-FR" sz="800" dirty="0"/>
-                    </a:p>
-                  </a:txBody>
-                  <a:tcPr/>
-                </a:tc>
-                <a:tc>
-                  <a:txBody>
-                    <a:bodyPr/>
-                    <a:lstStyle/>
-                    <a:p>
-                      <a:r>
-                        <a:rPr lang="en-US" sz="800" dirty="0" smtClean="0"/>
-                        <a:t/>
-                      </a:r>
-                      <a:endParaRPr lang="fr-FR" sz="800" dirty="0"/>
-                    </a:p>
-                  </a:txBody>
-                  <a:tcPr/>
-                </a:tc>
-                <a:tc>
-                  <a:txBody>
-                    <a:bodyPr/>
-                    <a:lstStyle/>
-                    <a:p>
-                      <a:r>
-                        <a:rPr lang="en-US" sz="800" dirty="0" smtClean="0"/>
-                        <a:t/>
-                      </a:r>
-                      <a:endParaRPr lang="fr-FR" sz="800" dirty="0"/>
-                    </a:p>
-                  </a:txBody>
-                  <a:tcPr/>
-                </a:tc>
-                <a:tc>
-                  <a:txBody>
-                    <a:bodyPr/>
-                    <a:lstStyle/>
-                    <a:p>
-                      <a:r>
-                        <a:rPr lang="en-US" sz="800" dirty="0" smtClean="0"/>
+                        <a:rPr lang="en-US" sz="800" b="0" i="0" strike="noStrike" dirty="0" smtClean="0"/>
+                        <a:t/>
+                      </a:r>
+                      <a:endParaRPr lang="fr-FR" sz="800" dirty="0"/>
+                    </a:p>
+                  </a:txBody>
+                  <a:tcPr/>
+                </a:tc>
+                <a:tc>
+                  <a:txBody>
+                    <a:bodyPr/>
+                    <a:lstStyle/>
+                    <a:p>
+                      <a:r>
+                        <a:rPr lang="en-US" sz="800" b="0" i="0" strike="noStrike" dirty="0" smtClean="0"/>
+                        <a:t/>
+                      </a:r>
+                      <a:endParaRPr lang="fr-FR" sz="800" dirty="0"/>
+                    </a:p>
+                  </a:txBody>
+                  <a:tcPr/>
+                </a:tc>
+                <a:tc>
+                  <a:txBody>
+                    <a:bodyPr/>
+                    <a:lstStyle/>
+                    <a:p>
+                      <a:r>
+                        <a:rPr lang="en-US" sz="800" b="0" i="0" strike="noStrike" dirty="0" smtClean="0"/>
+                        <a:t/>
+                      </a:r>
+                      <a:endParaRPr lang="fr-FR" sz="800" dirty="0"/>
+                    </a:p>
+                  </a:txBody>
+                  <a:tcPr/>
+                </a:tc>
+                <a:tc>
+                  <a:txBody>
+                    <a:bodyPr/>
+                    <a:lstStyle/>
+                    <a:p>
+                      <a:r>
+                        <a:rPr lang="en-US" sz="800" b="0" i="0" strike="noStrike" dirty="0" smtClean="0"/>
+                        <a:t/>
+                      </a:r>
+                      <a:endParaRPr lang="fr-FR" sz="800" dirty="0"/>
+                    </a:p>
+                  </a:txBody>
+                  <a:tcPr/>
+                </a:tc>
+                <a:tc>
+                  <a:txBody>
+                    <a:bodyPr/>
+                    <a:lstStyle/>
+                    <a:p>
+                      <a:r>
+                        <a:rPr lang="en-US" sz="800" b="0" i="0" strike="noStrike" dirty="0" smtClean="0"/>
                         <a:t/>
                       </a:r>
                       <a:endParaRPr lang="fr-FR" sz="800" dirty="0"/>
@@ -7359,7 +7359,7 @@
                     <a:lstStyle/>
                     <a:p>
                       <a:r>
-                        <a:rPr lang="en-US" sz="800" b="0" i="0" u="none" dirty="0" smtClean="0"/>
+                        <a:rPr lang="en-US" sz="800" b="0" i="0" u="none" strike="noStrike" dirty="0" smtClean="0"/>
                         <a:t>Le</a:t>
                       </a:r>
                       <a:endParaRPr lang="fr-FR" sz="800" b="1" i="1" u="sng" dirty="0"/>
@@ -7373,7 +7373,7 @@
                     <a:lstStyle/>
                     <a:p>
                       <a:r>
-                        <a:rPr lang="en-US" sz="800" b="0" i="0" u="none" dirty="0" smtClean="0"/>
+                        <a:rPr lang="en-US" sz="800" b="0" i="0" u="none" strike="noStrike" dirty="0" smtClean="0"/>
                         <a:t>champ</a:t>
                       </a:r>
                       <a:endParaRPr lang="fr-FR" sz="800" b="1" i="1" u="sng" dirty="0"/>
@@ -7404,7 +7404,7 @@
                         <a:defRPr/>
                       </a:pPr>
                       <a:r>
-                        <a:rPr lang="en-US" sz="800" dirty="0" smtClean="0"/>
+                        <a:rPr lang="en-US" sz="800" b="0" i="0" strike="noStrike" dirty="0" smtClean="0"/>
                         <a:t>couvert</a:t>
                       </a:r>
                       <a:endParaRPr lang="fr-FR" sz="800" dirty="0" smtClean="0"/>
@@ -7418,7 +7418,7 @@
                     <a:lstStyle/>
                     <a:p>
                       <a:r>
-                        <a:rPr lang="en-US" sz="800" dirty="0" smtClean="0"/>
+                        <a:rPr lang="en-US" sz="800" b="0" i="0" strike="noStrike" dirty="0" smtClean="0"/>
                         <a:t>de</a:t>
                       </a:r>
                       <a:endParaRPr lang="fr-FR" sz="800" dirty="0"/>
@@ -7432,7 +7432,7 @@
                     <a:lstStyle/>
                     <a:p>
                       <a:r>
-                        <a:rPr lang="en-US" sz="800" dirty="0" smtClean="0"/>
+                        <a:rPr lang="en-US" sz="800" b="0" i="0" strike="noStrike" dirty="0" smtClean="0"/>
                         <a:t>morts</a:t>
                       </a:r>
                       <a:endParaRPr lang="fr-FR" sz="800" dirty="0"/>
@@ -7446,7 +7446,7 @@
                     <a:lstStyle/>
                     <a:p>
                       <a:r>
-                        <a:rPr lang="en-US" sz="800" dirty="0" smtClean="0"/>
+                        <a:rPr lang="en-US" sz="800" b="0" i="0" strike="noStrike" dirty="0" smtClean="0"/>
                         <a:t>sur</a:t>
                       </a:r>
                       <a:endParaRPr lang="fr-FR" sz="800" dirty="0"/>
@@ -7460,7 +7460,7 @@
                     <a:lstStyle/>
                     <a:p>
                       <a:r>
-                        <a:rPr lang="en-US" sz="800" dirty="0" smtClean="0"/>
+                        <a:rPr lang="en-US" sz="800" b="0" i="0" strike="noStrike" dirty="0" smtClean="0"/>
                         <a:t>qui</a:t>
                       </a:r>
                       <a:endParaRPr lang="fr-FR" sz="800" dirty="0"/>
@@ -7474,7 +7474,7 @@
                     <a:lstStyle/>
                     <a:p>
                       <a:r>
-                        <a:rPr lang="en-US" sz="800" dirty="0" smtClean="0"/>
+                        <a:rPr lang="en-US" sz="800" b="0" i="0" strike="noStrike" dirty="0" smtClean="0"/>
                         <a:t>tombait</a:t>
                       </a:r>
                       <a:endParaRPr lang="fr-FR" sz="800" dirty="0"/>
@@ -7488,7 +7488,7 @@
                     <a:lstStyle/>
                     <a:p>
                       <a:r>
-                        <a:rPr lang="en-US" sz="800" dirty="0" smtClean="0"/>
+                        <a:rPr lang="en-US" sz="800" b="0" i="0" strike="noStrike" dirty="0" smtClean="0"/>
                         <a:t>la</a:t>
                       </a:r>
                       <a:endParaRPr lang="fr-FR" sz="800" dirty="0"/>
@@ -7502,7 +7502,7 @@
                     <a:lstStyle/>
                     <a:p>
                       <a:r>
-                        <a:rPr lang="en-US" sz="800" dirty="0" smtClean="0"/>
+                        <a:rPr lang="en-US" sz="800" b="0" i="0" strike="noStrike" dirty="0" smtClean="0"/>
                         <a:t>nuit.</a:t>
                       </a:r>
                       <a:endParaRPr lang="fr-FR" sz="800" dirty="0"/>
@@ -7516,49 +7516,49 @@
                     <a:lstStyle/>
                     <a:p>
                       <a:r>
-                        <a:rPr lang="en-US" sz="800" dirty="0" smtClean="0"/>
-                        <a:t/>
-                      </a:r>
-                      <a:endParaRPr lang="fr-FR" sz="800" dirty="0"/>
-                    </a:p>
-                  </a:txBody>
-                  <a:tcPr/>
-                </a:tc>
-                <a:tc>
-                  <a:txBody>
-                    <a:bodyPr/>
-                    <a:lstStyle/>
-                    <a:p>
-                      <a:r>
-                        <a:rPr lang="en-US" sz="800" dirty="0" smtClean="0"/>
-                        <a:t/>
-                      </a:r>
-                      <a:endParaRPr lang="fr-FR" sz="800" dirty="0"/>
-                    </a:p>
-                  </a:txBody>
-                  <a:tcPr/>
-                </a:tc>
-                <a:tc>
-                  <a:txBody>
-                    <a:bodyPr/>
-                    <a:lstStyle/>
-                    <a:p>
-                      <a:r>
-                        <a:rPr lang="en-US" sz="800" dirty="0" smtClean="0"/>
-                        <a:t/>
-                      </a:r>
-                      <a:endParaRPr lang="fr-FR" sz="800" dirty="0"/>
-                    </a:p>
-                  </a:txBody>
-                  <a:tcPr/>
-                </a:tc>
-                <a:tc>
-                  <a:txBody>
-                    <a:bodyPr/>
-                    <a:lstStyle/>
-                    <a:p>
-                      <a:r>
-                        <a:rPr lang="en-US" sz="800" dirty="0" smtClean="0"/>
+                        <a:rPr lang="en-US" sz="800" b="0" i="0" strike="noStrike" dirty="0" smtClean="0"/>
+                        <a:t/>
+                      </a:r>
+                      <a:endParaRPr lang="fr-FR" sz="800" dirty="0"/>
+                    </a:p>
+                  </a:txBody>
+                  <a:tcPr/>
+                </a:tc>
+                <a:tc>
+                  <a:txBody>
+                    <a:bodyPr/>
+                    <a:lstStyle/>
+                    <a:p>
+                      <a:r>
+                        <a:rPr lang="en-US" sz="800" b="0" i="0" strike="noStrike" dirty="0" smtClean="0"/>
+                        <a:t/>
+                      </a:r>
+                      <a:endParaRPr lang="fr-FR" sz="800" dirty="0"/>
+                    </a:p>
+                  </a:txBody>
+                  <a:tcPr/>
+                </a:tc>
+                <a:tc>
+                  <a:txBody>
+                    <a:bodyPr/>
+                    <a:lstStyle/>
+                    <a:p>
+                      <a:r>
+                        <a:rPr lang="en-US" sz="800" b="0" i="0" strike="noStrike" dirty="0" smtClean="0"/>
+                        <a:t/>
+                      </a:r>
+                      <a:endParaRPr lang="fr-FR" sz="800" dirty="0"/>
+                    </a:p>
+                  </a:txBody>
+                  <a:tcPr/>
+                </a:tc>
+                <a:tc>
+                  <a:txBody>
+                    <a:bodyPr/>
+                    <a:lstStyle/>
+                    <a:p>
+                      <a:r>
+                        <a:rPr lang="en-US" sz="800" b="0" i="0" strike="noStrike" dirty="0" smtClean="0"/>
                         <a:t/>
                       </a:r>
                       <a:endParaRPr lang="fr-FR" sz="800" dirty="0"/>
@@ -7574,7 +7574,7 @@
                     <a:lstStyle/>
                     <a:p>
                       <a:r>
-                        <a:rPr lang="en-US" sz="800" b="0" i="0" u="none" dirty="0" smtClean="0"/>
+                        <a:rPr lang="en-US" sz="800" b="0" i="0" u="none" strike="noStrike" dirty="0" smtClean="0"/>
                         <a:t>Il</a:t>
                       </a:r>
                       <a:endParaRPr lang="fr-FR" sz="800" b="1" i="1" u="sng" dirty="0"/>
@@ -7588,7 +7588,7 @@
                     <a:lstStyle/>
                     <a:p>
                       <a:r>
-                        <a:rPr lang="en-US" sz="800" b="0" i="0" u="none" dirty="0" smtClean="0"/>
+                        <a:rPr lang="en-US" sz="800" b="0" i="0" u="none" strike="noStrike" dirty="0" smtClean="0"/>
                         <a:t>lui</a:t>
                       </a:r>
                       <a:endParaRPr lang="fr-FR" sz="800" b="1" i="1" u="sng" dirty="0"/>
@@ -7619,7 +7619,7 @@
                         <a:defRPr/>
                       </a:pPr>
                       <a:r>
-                        <a:rPr lang="en-US" sz="800" dirty="0" smtClean="0"/>
+                        <a:rPr lang="en-US" sz="800" b="0" i="0" strike="noStrike" dirty="0" smtClean="0"/>
                         <a:t>sembla</a:t>
                       </a:r>
                       <a:endParaRPr lang="fr-FR" sz="800" dirty="0" smtClean="0"/>
@@ -7633,7 +7633,7 @@
                     <a:lstStyle/>
                     <a:p>
                       <a:r>
-                        <a:rPr lang="en-US" sz="800" dirty="0" smtClean="0"/>
+                        <a:rPr lang="en-US" sz="800" b="0" i="0" strike="noStrike" dirty="0" smtClean="0"/>
                         <a:t>dans</a:t>
                       </a:r>
                       <a:endParaRPr lang="fr-FR" sz="800" dirty="0"/>
@@ -7647,7 +7647,7 @@
                     <a:lstStyle/>
                     <a:p>
                       <a:r>
-                        <a:rPr lang="en-US" sz="800" dirty="0" smtClean="0"/>
+                        <a:rPr lang="en-US" sz="800" b="0" i="0" strike="noStrike" dirty="0" smtClean="0"/>
                         <a:t>l’ombre</a:t>
                       </a:r>
                       <a:endParaRPr lang="fr-FR" sz="800" dirty="0"/>
@@ -7661,7 +7661,7 @@
                     <a:lstStyle/>
                     <a:p>
                       <a:r>
-                        <a:rPr lang="en-US" sz="800" dirty="0" smtClean="0"/>
+                        <a:rPr lang="en-US" sz="800" b="0" i="0" strike="noStrike" dirty="0" smtClean="0"/>
                         <a:t>entendre</a:t>
                       </a:r>
                       <a:endParaRPr lang="fr-FR" sz="800" dirty="0"/>
@@ -7675,7 +7675,7 @@
                     <a:lstStyle/>
                     <a:p>
                       <a:r>
-                        <a:rPr lang="en-US" sz="800" dirty="0" smtClean="0"/>
+                        <a:rPr lang="en-US" sz="800" b="0" i="0" strike="noStrike" dirty="0" smtClean="0"/>
                         <a:t>un</a:t>
                       </a:r>
                       <a:endParaRPr lang="fr-FR" sz="800" dirty="0"/>
@@ -7689,7 +7689,7 @@
                     <a:lstStyle/>
                     <a:p>
                       <a:r>
-                        <a:rPr lang="en-US" sz="800" dirty="0" smtClean="0"/>
+                        <a:rPr lang="en-US" sz="800" b="0" i="0" strike="noStrike" dirty="0" smtClean="0"/>
                         <a:t>faible</a:t>
                       </a:r>
                       <a:endParaRPr lang="fr-FR" sz="800" dirty="0"/>
@@ -7720,7 +7720,7 @@
                         <a:defRPr/>
                       </a:pPr>
                       <a:r>
-                        <a:rPr lang="en-US" sz="800" dirty="0" smtClean="0"/>
+                        <a:rPr lang="en-US" sz="800" b="0" i="0" strike="noStrike" dirty="0" smtClean="0"/>
                         <a:t>bruit.</a:t>
                       </a:r>
                       <a:endParaRPr lang="fr-FR" sz="800" dirty="0" smtClean="0"/>
@@ -7734,7 +7734,7 @@
                     <a:lstStyle/>
                     <a:p>
                       <a:r>
-                        <a:rPr lang="en-US" sz="800" dirty="0" smtClean="0"/>
+                        <a:rPr lang="en-US" sz="800" b="0" i="0" strike="noStrike" dirty="0" smtClean="0"/>
                         <a:t/>
                       </a:r>
                       <a:endParaRPr lang="fr-FR" sz="800" dirty="0"/>
@@ -7765,7 +7765,7 @@
                         <a:defRPr/>
                       </a:pPr>
                       <a:r>
-                        <a:rPr lang="en-US" sz="800" dirty="0" smtClean="0"/>
+                        <a:rPr lang="en-US" sz="800" b="0" i="0" strike="noStrike" dirty="0" smtClean="0"/>
                         <a:t/>
                       </a:r>
                       <a:endParaRPr lang="fr-FR" sz="800" dirty="0" smtClean="0"/>
@@ -7779,35 +7779,35 @@
                     <a:lstStyle/>
                     <a:p>
                       <a:r>
-                        <a:rPr lang="en-US" sz="800" dirty="0" smtClean="0"/>
-                        <a:t/>
-                      </a:r>
-                      <a:endParaRPr lang="fr-FR" sz="800" dirty="0"/>
-                    </a:p>
-                  </a:txBody>
-                  <a:tcPr/>
-                </a:tc>
-                <a:tc>
-                  <a:txBody>
-                    <a:bodyPr/>
-                    <a:lstStyle/>
-                    <a:p>
-                      <a:r>
-                        <a:rPr lang="en-US" sz="800" dirty="0" smtClean="0"/>
-                        <a:t/>
-                      </a:r>
-                      <a:endParaRPr lang="fr-FR" sz="800" dirty="0"/>
-                    </a:p>
-                  </a:txBody>
-                  <a:tcPr/>
-                </a:tc>
-                <a:tc>
-                  <a:txBody>
-                    <a:bodyPr/>
-                    <a:lstStyle/>
-                    <a:p>
-                      <a:r>
-                        <a:rPr lang="en-US" sz="800" dirty="0" smtClean="0"/>
+                        <a:rPr lang="en-US" sz="800" b="0" i="0" strike="noStrike" dirty="0" smtClean="0"/>
+                        <a:t/>
+                      </a:r>
+                      <a:endParaRPr lang="fr-FR" sz="800" dirty="0"/>
+                    </a:p>
+                  </a:txBody>
+                  <a:tcPr/>
+                </a:tc>
+                <a:tc>
+                  <a:txBody>
+                    <a:bodyPr/>
+                    <a:lstStyle/>
+                    <a:p>
+                      <a:r>
+                        <a:rPr lang="en-US" sz="800" b="0" i="0" strike="noStrike" dirty="0" smtClean="0"/>
+                        <a:t/>
+                      </a:r>
+                      <a:endParaRPr lang="fr-FR" sz="800" dirty="0"/>
+                    </a:p>
+                  </a:txBody>
+                  <a:tcPr/>
+                </a:tc>
+                <a:tc>
+                  <a:txBody>
+                    <a:bodyPr/>
+                    <a:lstStyle/>
+                    <a:p>
+                      <a:r>
+                        <a:rPr lang="en-US" sz="800" b="0" i="0" strike="noStrike" dirty="0" smtClean="0"/>
                         <a:t/>
                       </a:r>
                       <a:endParaRPr lang="fr-FR" sz="800" dirty="0"/>
@@ -7823,7 +7823,7 @@
                     <a:lstStyle/>
                     <a:p>
                       <a:r>
-                        <a:rPr lang="en-US" sz="800" b="0" i="0" u="none" dirty="0" smtClean="0"/>
+                        <a:rPr lang="en-US" sz="800" b="0" i="0" u="none" strike="noStrike" dirty="0" smtClean="0"/>
                         <a:t>C’était</a:t>
                       </a:r>
                       <a:endParaRPr lang="fr-FR" sz="800" b="1" i="1" u="sng" dirty="0"/>
@@ -7837,7 +7837,7 @@
                     <a:lstStyle/>
                     <a:p>
                       <a:r>
-                        <a:rPr lang="en-US" sz="800" b="0" i="0" u="none" dirty="0" smtClean="0"/>
+                        <a:rPr lang="en-US" sz="800" b="0" i="0" u="none" strike="noStrike" dirty="0" smtClean="0"/>
                         <a:t>un</a:t>
                       </a:r>
                       <a:endParaRPr lang="fr-FR" sz="800" b="1" i="1" u="sng" dirty="0"/>
@@ -7868,7 +7868,7 @@
                         <a:defRPr/>
                       </a:pPr>
                       <a:r>
-                        <a:rPr lang="en-US" sz="800" dirty="0" smtClean="0"/>
+                        <a:rPr lang="en-US" sz="800" b="0" i="0" strike="noStrike" dirty="0" smtClean="0"/>
                         <a:t>Espagnol</a:t>
                       </a:r>
                       <a:endParaRPr lang="fr-FR" sz="800" dirty="0" smtClean="0"/>
@@ -7882,7 +7882,7 @@
                     <a:lstStyle/>
                     <a:p>
                       <a:r>
-                        <a:rPr lang="en-US" sz="800" dirty="0" smtClean="0"/>
+                        <a:rPr lang="en-US" sz="800" b="0" i="0" strike="noStrike" dirty="0" smtClean="0"/>
                         <a:t>de</a:t>
                       </a:r>
                       <a:endParaRPr lang="fr-FR" sz="800" dirty="0"/>
@@ -7896,7 +7896,7 @@
                     <a:lstStyle/>
                     <a:p>
                       <a:r>
-                        <a:rPr lang="en-US" sz="800" dirty="0" smtClean="0"/>
+                        <a:rPr lang="en-US" sz="800" b="0" i="0" strike="noStrike" dirty="0" smtClean="0"/>
                         <a:t>l’armée</a:t>
                       </a:r>
                       <a:endParaRPr lang="fr-FR" sz="800" dirty="0"/>
@@ -7910,7 +7910,7 @@
                     <a:lstStyle/>
                     <a:p>
                       <a:r>
-                        <a:rPr lang="en-US" sz="800" dirty="0" smtClean="0"/>
+                        <a:rPr lang="en-US" sz="800" b="0" i="0" strike="noStrike" dirty="0" smtClean="0"/>
                         <a:t>en</a:t>
                       </a:r>
                       <a:endParaRPr lang="fr-FR" sz="800" dirty="0"/>
@@ -7924,7 +7924,7 @@
                     <a:lstStyle/>
                     <a:p>
                       <a:r>
-                        <a:rPr lang="en-US" sz="800" dirty="0" smtClean="0"/>
+                        <a:rPr lang="en-US" sz="800" b="0" i="0" strike="noStrike" dirty="0" smtClean="0"/>
                         <a:t>déroute</a:t>
                       </a:r>
                       <a:endParaRPr lang="fr-FR" sz="800" dirty="0"/>
@@ -7938,7 +7938,7 @@
                     <a:lstStyle/>
                     <a:p>
                       <a:r>
-                        <a:rPr lang="en-US" sz="800" dirty="0" smtClean="0"/>
+                        <a:rPr lang="en-US" sz="800" b="0" i="0" strike="noStrike" dirty="0" smtClean="0"/>
                         <a:t/>
                       </a:r>
                       <a:endParaRPr lang="fr-FR" sz="800" dirty="0"/>
@@ -7969,7 +7969,7 @@
                         <a:defRPr/>
                       </a:pPr>
                       <a:r>
-                        <a:rPr lang="en-US" sz="800" dirty="0" smtClean="0"/>
+                        <a:rPr lang="en-US" sz="800" b="0" i="0" strike="noStrike" dirty="0" smtClean="0"/>
                         <a:t/>
                       </a:r>
                       <a:endParaRPr lang="fr-FR" sz="800" dirty="0" smtClean="0"/>
@@ -7983,7 +7983,7 @@
                     <a:lstStyle/>
                     <a:p>
                       <a:r>
-                        <a:rPr lang="en-US" sz="800" dirty="0" smtClean="0"/>
+                        <a:rPr lang="en-US" sz="800" b="0" i="0" strike="noStrike" dirty="0" smtClean="0"/>
                         <a:t/>
                       </a:r>
                       <a:endParaRPr lang="fr-FR" sz="800" dirty="0"/>
@@ -8014,7 +8014,7 @@
                         <a:defRPr/>
                       </a:pPr>
                       <a:r>
-                        <a:rPr lang="en-US" sz="800" dirty="0" smtClean="0"/>
+                        <a:rPr lang="en-US" sz="800" b="0" i="0" strike="noStrike" dirty="0" smtClean="0"/>
                         <a:t/>
                       </a:r>
                       <a:endParaRPr lang="fr-FR" sz="800" dirty="0" smtClean="0"/>
@@ -8028,35 +8028,35 @@
                     <a:lstStyle/>
                     <a:p>
                       <a:r>
-                        <a:rPr lang="en-US" sz="800" dirty="0" smtClean="0"/>
-                        <a:t/>
-                      </a:r>
-                      <a:endParaRPr lang="fr-FR" sz="800" dirty="0"/>
-                    </a:p>
-                  </a:txBody>
-                  <a:tcPr/>
-                </a:tc>
-                <a:tc>
-                  <a:txBody>
-                    <a:bodyPr/>
-                    <a:lstStyle/>
-                    <a:p>
-                      <a:r>
-                        <a:rPr lang="en-US" sz="800" dirty="0" smtClean="0"/>
-                        <a:t/>
-                      </a:r>
-                      <a:endParaRPr lang="fr-FR" sz="800" dirty="0"/>
-                    </a:p>
-                  </a:txBody>
-                  <a:tcPr/>
-                </a:tc>
-                <a:tc>
-                  <a:txBody>
-                    <a:bodyPr/>
-                    <a:lstStyle/>
-                    <a:p>
-                      <a:r>
-                        <a:rPr lang="en-US" sz="800" dirty="0" smtClean="0"/>
+                        <a:rPr lang="en-US" sz="800" b="0" i="0" strike="noStrike" dirty="0" smtClean="0"/>
+                        <a:t/>
+                      </a:r>
+                      <a:endParaRPr lang="fr-FR" sz="800" dirty="0"/>
+                    </a:p>
+                  </a:txBody>
+                  <a:tcPr/>
+                </a:tc>
+                <a:tc>
+                  <a:txBody>
+                    <a:bodyPr/>
+                    <a:lstStyle/>
+                    <a:p>
+                      <a:r>
+                        <a:rPr lang="en-US" sz="800" b="0" i="0" strike="noStrike" dirty="0" smtClean="0"/>
+                        <a:t/>
+                      </a:r>
+                      <a:endParaRPr lang="fr-FR" sz="800" dirty="0"/>
+                    </a:p>
+                  </a:txBody>
+                  <a:tcPr/>
+                </a:tc>
+                <a:tc>
+                  <a:txBody>
+                    <a:bodyPr/>
+                    <a:lstStyle/>
+                    <a:p>
+                      <a:r>
+                        <a:rPr lang="en-US" sz="800" b="0" i="0" strike="noStrike" dirty="0" smtClean="0"/>
                         <a:t/>
                       </a:r>
                       <a:endParaRPr lang="fr-FR" sz="800" dirty="0"/>
@@ -8421,7 +8421,7 @@
                     <a:lstStyle/>
                     <a:p>
                       <a:r>
-                        <a:rPr lang="en-US" sz="800" b="0" i="0" u="none" dirty="0" smtClean="0"/>
+                        <a:rPr lang="en-US" sz="800" b="0" i="0" u="none" strike="noStrike" dirty="0" smtClean="0"/>
                         <a:t>Qui</a:t>
                       </a:r>
                       <a:endParaRPr lang="fr-FR" sz="800" b="1" i="1" u="sng" dirty="0"/>
@@ -8435,7 +8435,7 @@
                     <a:lstStyle/>
                     <a:p>
                       <a:r>
-                        <a:rPr lang="en-US" sz="800" b="0" i="0" u="none" dirty="0" smtClean="0"/>
+                        <a:rPr lang="en-US" sz="800" b="0" i="0" u="none" strike="noStrike" dirty="0" smtClean="0"/>
                         <a:t>se</a:t>
                       </a:r>
                       <a:endParaRPr lang="fr-FR" sz="800" b="1" i="1" u="sng" dirty="0"/>
@@ -8466,7 +8466,7 @@
                         <a:defRPr/>
                       </a:pPr>
                       <a:r>
-                        <a:rPr lang="en-US" sz="800" dirty="0" smtClean="0"/>
+                        <a:rPr lang="en-US" sz="800" b="0" i="0" strike="noStrike" dirty="0" smtClean="0"/>
                         <a:t>traînait</a:t>
                       </a:r>
                       <a:endParaRPr lang="fr-FR" sz="800" dirty="0" smtClean="0"/>
@@ -8480,7 +8480,7 @@
                     <a:lstStyle/>
                     <a:p>
                       <a:r>
-                        <a:rPr lang="en-US" sz="800" dirty="0" smtClean="0"/>
+                        <a:rPr lang="en-US" sz="800" b="0" i="0" strike="noStrike" dirty="0" smtClean="0"/>
                         <a:t>sanglant</a:t>
                       </a:r>
                       <a:endParaRPr lang="fr-FR" sz="800" dirty="0"/>
@@ -8494,7 +8494,7 @@
                     <a:lstStyle/>
                     <a:p>
                       <a:r>
-                        <a:rPr lang="en-US" sz="800" dirty="0" smtClean="0"/>
+                        <a:rPr lang="en-US" sz="800" b="0" i="0" strike="noStrike" dirty="0" smtClean="0"/>
                         <a:t>sur</a:t>
                       </a:r>
                       <a:endParaRPr lang="fr-FR" sz="800" dirty="0"/>
@@ -8508,7 +8508,7 @@
                     <a:lstStyle/>
                     <a:p>
                       <a:r>
-                        <a:rPr lang="en-US" sz="800" dirty="0" smtClean="0"/>
+                        <a:rPr lang="en-US" sz="800" b="0" i="0" strike="noStrike" dirty="0" smtClean="0"/>
                         <a:t>le</a:t>
                       </a:r>
                       <a:endParaRPr lang="fr-FR" sz="800" dirty="0"/>
@@ -8522,7 +8522,7 @@
                     <a:lstStyle/>
                     <a:p>
                       <a:r>
-                        <a:rPr lang="en-US" sz="800" dirty="0" smtClean="0"/>
+                        <a:rPr lang="en-US" sz="800" b="0" i="0" strike="noStrike" dirty="0" smtClean="0"/>
                         <a:t>bord</a:t>
                       </a:r>
                       <a:endParaRPr lang="fr-FR" sz="800" dirty="0"/>
@@ -8536,7 +8536,7 @@
                     <a:lstStyle/>
                     <a:p>
                       <a:r>
-                        <a:rPr lang="en-US" sz="800" dirty="0" smtClean="0"/>
+                        <a:rPr lang="en-US" sz="800" b="0" i="0" strike="noStrike" dirty="0" smtClean="0"/>
                         <a:t>de</a:t>
                       </a:r>
                       <a:endParaRPr lang="fr-FR" sz="800" dirty="0"/>
@@ -8550,7 +8550,7 @@
                     <a:lstStyle/>
                     <a:p>
                       <a:r>
-                        <a:rPr lang="en-US" sz="800" dirty="0" smtClean="0"/>
+                        <a:rPr lang="en-US" sz="800" b="0" i="0" strike="noStrike" dirty="0" smtClean="0"/>
                         <a:t>la</a:t>
                       </a:r>
                       <a:endParaRPr lang="fr-FR" sz="800" dirty="0"/>
@@ -8564,7 +8564,7 @@
                     <a:lstStyle/>
                     <a:p>
                       <a:r>
-                        <a:rPr lang="en-US" sz="800" dirty="0" smtClean="0"/>
+                        <a:rPr lang="en-US" sz="800" b="0" i="0" strike="noStrike" dirty="0" smtClean="0"/>
                         <a:t>route,</a:t>
                       </a:r>
                       <a:endParaRPr lang="fr-FR" sz="800" dirty="0"/>
@@ -8578,49 +8578,49 @@
                     <a:lstStyle/>
                     <a:p>
                       <a:r>
-                        <a:rPr lang="en-US" sz="800" dirty="0" smtClean="0"/>
-                        <a:t/>
-                      </a:r>
-                      <a:endParaRPr lang="fr-FR" sz="800" dirty="0"/>
-                    </a:p>
-                  </a:txBody>
-                  <a:tcPr/>
-                </a:tc>
-                <a:tc>
-                  <a:txBody>
-                    <a:bodyPr/>
-                    <a:lstStyle/>
-                    <a:p>
-                      <a:r>
-                        <a:rPr lang="en-US" sz="800" dirty="0" smtClean="0"/>
-                        <a:t/>
-                      </a:r>
-                      <a:endParaRPr lang="fr-FR" sz="800" dirty="0"/>
-                    </a:p>
-                  </a:txBody>
-                  <a:tcPr/>
-                </a:tc>
-                <a:tc>
-                  <a:txBody>
-                    <a:bodyPr/>
-                    <a:lstStyle/>
-                    <a:p>
-                      <a:r>
-                        <a:rPr lang="en-US" sz="800" dirty="0" smtClean="0"/>
-                        <a:t/>
-                      </a:r>
-                      <a:endParaRPr lang="fr-FR" sz="800" dirty="0"/>
-                    </a:p>
-                  </a:txBody>
-                  <a:tcPr/>
-                </a:tc>
-                <a:tc>
-                  <a:txBody>
-                    <a:bodyPr/>
-                    <a:lstStyle/>
-                    <a:p>
-                      <a:r>
-                        <a:rPr lang="en-US" sz="800" dirty="0" smtClean="0"/>
+                        <a:rPr lang="en-US" sz="800" b="0" i="0" strike="noStrike" dirty="0" smtClean="0"/>
+                        <a:t/>
+                      </a:r>
+                      <a:endParaRPr lang="fr-FR" sz="800" dirty="0"/>
+                    </a:p>
+                  </a:txBody>
+                  <a:tcPr/>
+                </a:tc>
+                <a:tc>
+                  <a:txBody>
+                    <a:bodyPr/>
+                    <a:lstStyle/>
+                    <a:p>
+                      <a:r>
+                        <a:rPr lang="en-US" sz="800" b="0" i="0" strike="noStrike" dirty="0" smtClean="0"/>
+                        <a:t/>
+                      </a:r>
+                      <a:endParaRPr lang="fr-FR" sz="800" dirty="0"/>
+                    </a:p>
+                  </a:txBody>
+                  <a:tcPr/>
+                </a:tc>
+                <a:tc>
+                  <a:txBody>
+                    <a:bodyPr/>
+                    <a:lstStyle/>
+                    <a:p>
+                      <a:r>
+                        <a:rPr lang="en-US" sz="800" b="0" i="0" strike="noStrike" dirty="0" smtClean="0"/>
+                        <a:t/>
+                      </a:r>
+                      <a:endParaRPr lang="fr-FR" sz="800" dirty="0"/>
+                    </a:p>
+                  </a:txBody>
+                  <a:tcPr/>
+                </a:tc>
+                <a:tc>
+                  <a:txBody>
+                    <a:bodyPr/>
+                    <a:lstStyle/>
+                    <a:p>
+                      <a:r>
+                        <a:rPr lang="en-US" sz="800" b="0" i="0" strike="noStrike" dirty="0" smtClean="0"/>
                         <a:t/>
                       </a:r>
                       <a:endParaRPr lang="fr-FR" sz="800" dirty="0"/>
@@ -8636,7 +8636,7 @@
                     <a:lstStyle/>
                     <a:p>
                       <a:r>
-                        <a:rPr lang="en-US" sz="800" b="0" i="0" u="none" dirty="0" smtClean="0"/>
+                        <a:rPr lang="en-US" sz="800" b="0" i="0" u="none" strike="noStrike" dirty="0" smtClean="0"/>
                         <a:t>Râlant,</a:t>
                       </a:r>
                       <a:endParaRPr lang="fr-FR" sz="800" b="1" i="1" u="sng" dirty="0"/>
@@ -8650,7 +8650,7 @@
                     <a:lstStyle/>
                     <a:p>
                       <a:r>
-                        <a:rPr lang="en-US" sz="800" b="0" i="0" u="none" dirty="0" smtClean="0"/>
+                        <a:rPr lang="en-US" sz="800" b="0" i="0" u="none" strike="noStrike" dirty="0" smtClean="0"/>
                         <a:t>brisé,</a:t>
                       </a:r>
                       <a:endParaRPr lang="fr-FR" sz="800" b="1" i="1" u="sng" dirty="0"/>
@@ -8681,7 +8681,7 @@
                         <a:defRPr/>
                       </a:pPr>
                       <a:r>
-                        <a:rPr lang="en-US" sz="800" dirty="0" smtClean="0"/>
+                        <a:rPr lang="en-US" sz="800" b="0" i="0" strike="noStrike" dirty="0" smtClean="0"/>
                         <a:t>livide,</a:t>
                       </a:r>
                       <a:endParaRPr lang="fr-FR" sz="800" dirty="0" smtClean="0"/>
@@ -8695,7 +8695,7 @@
                     <a:lstStyle/>
                     <a:p>
                       <a:r>
-                        <a:rPr lang="en-US" sz="800" dirty="0" smtClean="0"/>
+                        <a:rPr lang="en-US" sz="800" b="0" i="0" strike="noStrike" dirty="0" smtClean="0"/>
                         <a:t>et</a:t>
                       </a:r>
                       <a:endParaRPr lang="fr-FR" sz="800" dirty="0"/>
@@ -8709,7 +8709,7 @@
                     <a:lstStyle/>
                     <a:p>
                       <a:r>
-                        <a:rPr lang="en-US" sz="800" dirty="0" smtClean="0"/>
+                        <a:rPr lang="en-US" sz="800" b="0" i="0" strike="noStrike" dirty="0" smtClean="0"/>
                         <a:t>mort</a:t>
                       </a:r>
                       <a:endParaRPr lang="fr-FR" sz="800" dirty="0"/>
@@ -8723,7 +8723,7 @@
                     <a:lstStyle/>
                     <a:p>
                       <a:r>
-                        <a:rPr lang="en-US" sz="800" dirty="0" smtClean="0"/>
+                        <a:rPr lang="en-US" sz="800" b="0" i="0" strike="noStrike" dirty="0" smtClean="0"/>
                         <a:t>plus</a:t>
                       </a:r>
                       <a:endParaRPr lang="fr-FR" sz="800" dirty="0"/>
@@ -8737,7 +8737,7 @@
                     <a:lstStyle/>
                     <a:p>
                       <a:r>
-                        <a:rPr lang="en-US" sz="800" dirty="0" smtClean="0"/>
+                        <a:rPr lang="en-US" sz="800" b="0" i="0" strike="noStrike" dirty="0" smtClean="0"/>
                         <a:t>qu’à</a:t>
                       </a:r>
                       <a:endParaRPr lang="fr-FR" sz="800" dirty="0"/>
@@ -8751,7 +8751,7 @@
                     <a:lstStyle/>
                     <a:p>
                       <a:r>
-                        <a:rPr lang="en-US" sz="800" dirty="0" smtClean="0"/>
+                        <a:rPr lang="en-US" sz="800" b="0" i="0" strike="noStrike" dirty="0" smtClean="0"/>
                         <a:t>moitié,</a:t>
                       </a:r>
                       <a:endParaRPr lang="fr-FR" sz="800" dirty="0"/>
@@ -8782,7 +8782,7 @@
                         <a:defRPr/>
                       </a:pPr>
                       <a:r>
-                        <a:rPr lang="en-US" sz="800" dirty="0" smtClean="0"/>
+                        <a:rPr lang="en-US" sz="800" b="0" i="0" strike="noStrike" dirty="0" smtClean="0"/>
                         <a:t/>
                       </a:r>
                       <a:endParaRPr lang="fr-FR" sz="800" dirty="0" smtClean="0"/>
@@ -8796,7 +8796,7 @@
                     <a:lstStyle/>
                     <a:p>
                       <a:r>
-                        <a:rPr lang="en-US" sz="800" dirty="0" smtClean="0"/>
+                        <a:rPr lang="en-US" sz="800" b="0" i="0" strike="noStrike" dirty="0" smtClean="0"/>
                         <a:t/>
                       </a:r>
                       <a:endParaRPr lang="fr-FR" sz="800" dirty="0"/>
@@ -8827,7 +8827,7 @@
                         <a:defRPr/>
                       </a:pPr>
                       <a:r>
-                        <a:rPr lang="en-US" sz="800" dirty="0" smtClean="0"/>
+                        <a:rPr lang="en-US" sz="800" b="0" i="0" strike="noStrike" dirty="0" smtClean="0"/>
                         <a:t/>
                       </a:r>
                       <a:endParaRPr lang="fr-FR" sz="800" dirty="0" smtClean="0"/>
@@ -8841,35 +8841,35 @@
                     <a:lstStyle/>
                     <a:p>
                       <a:r>
-                        <a:rPr lang="en-US" sz="800" dirty="0" smtClean="0"/>
-                        <a:t/>
-                      </a:r>
-                      <a:endParaRPr lang="fr-FR" sz="800" dirty="0"/>
-                    </a:p>
-                  </a:txBody>
-                  <a:tcPr/>
-                </a:tc>
-                <a:tc>
-                  <a:txBody>
-                    <a:bodyPr/>
-                    <a:lstStyle/>
-                    <a:p>
-                      <a:r>
-                        <a:rPr lang="en-US" sz="800" dirty="0" smtClean="0"/>
-                        <a:t/>
-                      </a:r>
-                      <a:endParaRPr lang="fr-FR" sz="800" dirty="0"/>
-                    </a:p>
-                  </a:txBody>
-                  <a:tcPr/>
-                </a:tc>
-                <a:tc>
-                  <a:txBody>
-                    <a:bodyPr/>
-                    <a:lstStyle/>
-                    <a:p>
-                      <a:r>
-                        <a:rPr lang="en-US" sz="800" dirty="0" smtClean="0"/>
+                        <a:rPr lang="en-US" sz="800" b="0" i="0" strike="noStrike" dirty="0" smtClean="0"/>
+                        <a:t/>
+                      </a:r>
+                      <a:endParaRPr lang="fr-FR" sz="800" dirty="0"/>
+                    </a:p>
+                  </a:txBody>
+                  <a:tcPr/>
+                </a:tc>
+                <a:tc>
+                  <a:txBody>
+                    <a:bodyPr/>
+                    <a:lstStyle/>
+                    <a:p>
+                      <a:r>
+                        <a:rPr lang="en-US" sz="800" b="0" i="0" strike="noStrike" dirty="0" smtClean="0"/>
+                        <a:t/>
+                      </a:r>
+                      <a:endParaRPr lang="fr-FR" sz="800" dirty="0"/>
+                    </a:p>
+                  </a:txBody>
+                  <a:tcPr/>
+                </a:tc>
+                <a:tc>
+                  <a:txBody>
+                    <a:bodyPr/>
+                    <a:lstStyle/>
+                    <a:p>
+                      <a:r>
+                        <a:rPr lang="en-US" sz="800" b="0" i="0" strike="noStrike" dirty="0" smtClean="0"/>
                         <a:t/>
                       </a:r>
                       <a:endParaRPr lang="fr-FR" sz="800" dirty="0"/>
@@ -8885,7 +8885,7 @@
                     <a:lstStyle/>
                     <a:p>
                       <a:r>
-                        <a:rPr lang="en-US" sz="800" b="0" i="0" u="none" dirty="0" smtClean="0"/>
+                        <a:rPr lang="en-US" sz="800" b="0" i="0" u="none" strike="noStrike" dirty="0" smtClean="0"/>
                         <a:t>Et</a:t>
                       </a:r>
                       <a:endParaRPr lang="fr-FR" sz="800" b="1" i="1" u="sng" dirty="0"/>
@@ -8899,7 +8899,7 @@
                     <a:lstStyle/>
                     <a:p>
                       <a:r>
-                        <a:rPr lang="en-US" sz="800" b="0" i="0" u="none" dirty="0" smtClean="0"/>
+                        <a:rPr lang="en-US" sz="800" b="0" i="0" u="none" strike="noStrike" dirty="0" smtClean="0"/>
                         <a:t>qui</a:t>
                       </a:r>
                       <a:endParaRPr lang="fr-FR" sz="800" b="1" i="1" u="sng" dirty="0"/>
@@ -8930,7 +8930,7 @@
                         <a:defRPr/>
                       </a:pPr>
                       <a:r>
-                        <a:rPr lang="en-US" sz="800" dirty="0" smtClean="0"/>
+                        <a:rPr lang="en-US" sz="800" b="0" i="0" strike="noStrike" dirty="0" smtClean="0"/>
                         <a:t>disait</a:t>
                       </a:r>
                       <a:endParaRPr lang="fr-FR" sz="800" dirty="0" smtClean="0"/>
@@ -8944,7 +8944,7 @@
                     <a:lstStyle/>
                     <a:p>
                       <a:r>
-                        <a:rPr lang="en-US" sz="800" dirty="0" smtClean="0"/>
+                        <a:rPr lang="en-US" sz="800" b="0" i="0" strike="noStrike" dirty="0" smtClean="0"/>
                         <a:t>:</a:t>
                       </a:r>
                       <a:endParaRPr lang="fr-FR" sz="800" dirty="0"/>
@@ -8958,7 +8958,7 @@
                     <a:lstStyle/>
                     <a:p>
                       <a:r>
-                        <a:rPr lang="en-US" sz="800" dirty="0" smtClean="0"/>
+                        <a:rPr lang="en-US" sz="800" b="0" i="0" strike="noStrike" dirty="0" smtClean="0"/>
                         <a:t>«</a:t>
                       </a:r>
                       <a:endParaRPr lang="fr-FR" sz="800" dirty="0"/>
@@ -8972,7 +8972,7 @@
                     <a:lstStyle/>
                     <a:p>
                       <a:r>
-                        <a:rPr lang="en-US" sz="800" dirty="0" smtClean="0"/>
+                        <a:rPr lang="en-US" sz="800" b="0" i="0" strike="noStrike" dirty="0" smtClean="0"/>
                         <a:t>À</a:t>
                       </a:r>
                       <a:endParaRPr lang="fr-FR" sz="800" dirty="0"/>
@@ -8986,7 +8986,7 @@
                     <a:lstStyle/>
                     <a:p>
                       <a:r>
-                        <a:rPr lang="en-US" sz="800" dirty="0" smtClean="0"/>
+                        <a:rPr lang="en-US" sz="800" b="0" i="0" strike="noStrike" dirty="0" smtClean="0"/>
                         <a:t>boire</a:t>
                       </a:r>
                       <a:endParaRPr lang="fr-FR" sz="800" dirty="0"/>
@@ -9000,7 +9000,7 @@
                     <a:lstStyle/>
                     <a:p>
                       <a:r>
-                        <a:rPr lang="en-US" sz="800" dirty="0" smtClean="0"/>
+                        <a:rPr lang="en-US" sz="800" b="0" i="0" strike="noStrike" dirty="0" smtClean="0"/>
                         <a:t>!</a:t>
                       </a:r>
                       <a:endParaRPr lang="fr-FR" sz="800" dirty="0"/>
@@ -9031,7 +9031,7 @@
                         <a:defRPr/>
                       </a:pPr>
                       <a:r>
-                        <a:rPr lang="en-US" sz="800" dirty="0" smtClean="0"/>
+                        <a:rPr lang="en-US" sz="800" b="0" i="0" strike="noStrike" dirty="0" smtClean="0"/>
                         <a:t>à</a:t>
                       </a:r>
                       <a:endParaRPr lang="fr-FR" sz="800" dirty="0" smtClean="0"/>
@@ -9045,7 +9045,7 @@
                     <a:lstStyle/>
                     <a:p>
                       <a:r>
-                        <a:rPr lang="en-US" sz="800" dirty="0" smtClean="0"/>
+                        <a:rPr lang="en-US" sz="800" b="0" i="0" strike="noStrike" dirty="0" smtClean="0"/>
                         <a:t>boire</a:t>
                       </a:r>
                       <a:endParaRPr lang="fr-FR" sz="800" dirty="0"/>
@@ -9076,7 +9076,7 @@
                         <a:defRPr/>
                       </a:pPr>
                       <a:r>
-                        <a:rPr lang="en-US" sz="800" dirty="0" smtClean="0"/>
+                        <a:rPr lang="en-US" sz="800" b="0" i="0" strike="noStrike" dirty="0" smtClean="0"/>
                         <a:t>par</a:t>
                       </a:r>
                       <a:endParaRPr lang="fr-FR" sz="800" dirty="0" smtClean="0"/>
@@ -9090,7 +9090,7 @@
                     <a:lstStyle/>
                     <a:p>
                       <a:r>
-                        <a:rPr lang="en-US" sz="800" dirty="0" smtClean="0"/>
+                        <a:rPr lang="en-US" sz="800" b="0" i="0" strike="noStrike" dirty="0" smtClean="0"/>
                         <a:t>pitié</a:t>
                       </a:r>
                       <a:endParaRPr lang="fr-FR" sz="800" dirty="0"/>
@@ -9104,7 +9104,7 @@
                     <a:lstStyle/>
                     <a:p>
                       <a:r>
-                        <a:rPr lang="en-US" sz="800" dirty="0" smtClean="0"/>
+                        <a:rPr lang="en-US" sz="800" b="0" i="0" strike="noStrike" dirty="0" smtClean="0"/>
                         <a:t>!</a:t>
                       </a:r>
                       <a:endParaRPr lang="fr-FR" sz="800" dirty="0"/>
@@ -9118,7 +9118,7 @@
                     <a:lstStyle/>
                     <a:p>
                       <a:r>
-                        <a:rPr lang="en-US" sz="800" dirty="0" smtClean="0"/>
+                        <a:rPr lang="en-US" sz="800" b="0" i="0" strike="noStrike" dirty="0" smtClean="0"/>
                         <a:t>»</a:t>
                       </a:r>
                       <a:endParaRPr lang="fr-FR" sz="800" dirty="0"/>
@@ -9134,7 +9134,7 @@
                     <a:lstStyle/>
                     <a:p>
                       <a:r>
-                        <a:rPr lang="en-US" sz="800" b="0" i="0" u="none" dirty="0" smtClean="0"/>
+                        <a:rPr lang="en-US" sz="800" b="0" i="0" u="none" strike="noStrike" dirty="0" smtClean="0"/>
                         <a:t>Mon</a:t>
                       </a:r>
                       <a:endParaRPr lang="fr-FR" sz="800" b="1" i="1" u="sng" dirty="0"/>
@@ -9148,7 +9148,7 @@
                     <a:lstStyle/>
                     <a:p>
                       <a:r>
-                        <a:rPr lang="en-US" sz="800" b="0" i="0" u="none" dirty="0" smtClean="0"/>
+                        <a:rPr lang="en-US" sz="800" b="0" i="0" u="none" strike="noStrike" dirty="0" smtClean="0"/>
                         <a:t>père,</a:t>
                       </a:r>
                       <a:endParaRPr lang="fr-FR" sz="800" b="1" i="1" u="sng" dirty="0"/>
@@ -9179,7 +9179,7 @@
                         <a:defRPr/>
                       </a:pPr>
                       <a:r>
-                        <a:rPr lang="en-US" sz="800" dirty="0" smtClean="0"/>
+                        <a:rPr lang="en-US" sz="800" b="0" i="0" strike="noStrike" dirty="0" smtClean="0"/>
                         <a:t>ému,</a:t>
                       </a:r>
                       <a:endParaRPr lang="fr-FR" sz="800" dirty="0" smtClean="0"/>
@@ -9193,7 +9193,7 @@
                     <a:lstStyle/>
                     <a:p>
                       <a:r>
-                        <a:rPr lang="en-US" sz="800" dirty="0" smtClean="0"/>
+                        <a:rPr lang="en-US" sz="800" b="0" i="0" strike="noStrike" dirty="0" smtClean="0"/>
                         <a:t>tendit</a:t>
                       </a:r>
                       <a:endParaRPr lang="fr-FR" sz="800" dirty="0"/>
@@ -9207,7 +9207,7 @@
                     <a:lstStyle/>
                     <a:p>
                       <a:r>
-                        <a:rPr lang="en-US" sz="800" dirty="0" smtClean="0"/>
+                        <a:rPr lang="en-US" sz="800" b="0" i="0" strike="noStrike" dirty="0" smtClean="0"/>
                         <a:t>à</a:t>
                       </a:r>
                       <a:endParaRPr lang="fr-FR" sz="800" dirty="0"/>
@@ -9221,7 +9221,7 @@
                     <a:lstStyle/>
                     <a:p>
                       <a:r>
-                        <a:rPr lang="en-US" sz="800" dirty="0" smtClean="0"/>
+                        <a:rPr lang="en-US" sz="800" b="0" i="0" strike="noStrike" dirty="0" smtClean="0"/>
                         <a:t>son</a:t>
                       </a:r>
                       <a:endParaRPr lang="fr-FR" sz="800" dirty="0"/>
@@ -9235,7 +9235,7 @@
                     <a:lstStyle/>
                     <a:p>
                       <a:r>
-                        <a:rPr lang="en-US" sz="800" dirty="0" smtClean="0"/>
+                        <a:rPr lang="en-US" sz="800" b="0" i="0" strike="noStrike" dirty="0" smtClean="0"/>
                         <a:t>housard</a:t>
                       </a:r>
                       <a:endParaRPr lang="fr-FR" sz="800" dirty="0"/>
@@ -9249,7 +9249,7 @@
                     <a:lstStyle/>
                     <a:p>
                       <a:r>
-                        <a:rPr lang="en-US" sz="800" dirty="0" smtClean="0"/>
+                        <a:rPr lang="en-US" sz="800" b="0" i="0" strike="noStrike" dirty="0" smtClean="0"/>
                         <a:t>fidèle</a:t>
                       </a:r>
                       <a:endParaRPr lang="fr-FR" sz="800" dirty="0"/>
@@ -9280,7 +9280,7 @@
                         <a:defRPr/>
                       </a:pPr>
                       <a:r>
-                        <a:rPr lang="en-US" sz="800" dirty="0" smtClean="0"/>
+                        <a:rPr lang="en-US" sz="800" b="0" i="0" strike="noStrike" dirty="0" smtClean="0"/>
                         <a:t/>
                       </a:r>
                       <a:endParaRPr lang="fr-FR" sz="800" dirty="0" smtClean="0"/>
@@ -9294,63 +9294,63 @@
                     <a:lstStyle/>
                     <a:p>
                       <a:r>
-                        <a:rPr lang="en-US" sz="800" dirty="0" smtClean="0"/>
-                        <a:t/>
-                      </a:r>
-                      <a:endParaRPr lang="fr-FR" sz="800" dirty="0"/>
-                    </a:p>
-                  </a:txBody>
-                  <a:tcPr/>
-                </a:tc>
-                <a:tc>
-                  <a:txBody>
-                    <a:bodyPr/>
-                    <a:lstStyle/>
-                    <a:p>
-                      <a:r>
-                        <a:rPr lang="en-US" sz="800" dirty="0" smtClean="0"/>
-                        <a:t/>
-                      </a:r>
-                      <a:endParaRPr lang="fr-FR" sz="800" dirty="0"/>
-                    </a:p>
-                  </a:txBody>
-                  <a:tcPr/>
-                </a:tc>
-                <a:tc>
-                  <a:txBody>
-                    <a:bodyPr/>
-                    <a:lstStyle/>
-                    <a:p>
-                      <a:r>
-                        <a:rPr lang="en-US" sz="800" dirty="0" smtClean="0"/>
-                        <a:t/>
-                      </a:r>
-                      <a:endParaRPr lang="fr-FR" sz="800" dirty="0"/>
-                    </a:p>
-                  </a:txBody>
-                  <a:tcPr/>
-                </a:tc>
-                <a:tc>
-                  <a:txBody>
-                    <a:bodyPr/>
-                    <a:lstStyle/>
-                    <a:p>
-                      <a:r>
-                        <a:rPr lang="en-US" sz="800" dirty="0" smtClean="0"/>
-                        <a:t/>
-                      </a:r>
-                      <a:endParaRPr lang="fr-FR" sz="800" dirty="0"/>
-                    </a:p>
-                  </a:txBody>
-                  <a:tcPr/>
-                </a:tc>
-                <a:tc>
-                  <a:txBody>
-                    <a:bodyPr/>
-                    <a:lstStyle/>
-                    <a:p>
-                      <a:r>
-                        <a:rPr lang="en-US" sz="800" dirty="0" smtClean="0"/>
+                        <a:rPr lang="en-US" sz="800" b="0" i="0" strike="noStrike" dirty="0" smtClean="0"/>
+                        <a:t/>
+                      </a:r>
+                      <a:endParaRPr lang="fr-FR" sz="800" dirty="0"/>
+                    </a:p>
+                  </a:txBody>
+                  <a:tcPr/>
+                </a:tc>
+                <a:tc>
+                  <a:txBody>
+                    <a:bodyPr/>
+                    <a:lstStyle/>
+                    <a:p>
+                      <a:r>
+                        <a:rPr lang="en-US" sz="800" b="0" i="0" strike="noStrike" dirty="0" smtClean="0"/>
+                        <a:t/>
+                      </a:r>
+                      <a:endParaRPr lang="fr-FR" sz="800" dirty="0"/>
+                    </a:p>
+                  </a:txBody>
+                  <a:tcPr/>
+                </a:tc>
+                <a:tc>
+                  <a:txBody>
+                    <a:bodyPr/>
+                    <a:lstStyle/>
+                    <a:p>
+                      <a:r>
+                        <a:rPr lang="en-US" sz="800" b="0" i="0" strike="noStrike" dirty="0" smtClean="0"/>
+                        <a:t/>
+                      </a:r>
+                      <a:endParaRPr lang="fr-FR" sz="800" dirty="0"/>
+                    </a:p>
+                  </a:txBody>
+                  <a:tcPr/>
+                </a:tc>
+                <a:tc>
+                  <a:txBody>
+                    <a:bodyPr/>
+                    <a:lstStyle/>
+                    <a:p>
+                      <a:r>
+                        <a:rPr lang="en-US" sz="800" b="0" i="0" strike="noStrike" dirty="0" smtClean="0"/>
+                        <a:t/>
+                      </a:r>
+                      <a:endParaRPr lang="fr-FR" sz="800" dirty="0"/>
+                    </a:p>
+                  </a:txBody>
+                  <a:tcPr/>
+                </a:tc>
+                <a:tc>
+                  <a:txBody>
+                    <a:bodyPr/>
+                    <a:lstStyle/>
+                    <a:p>
+                      <a:r>
+                        <a:rPr lang="en-US" sz="800" b="0" i="0" strike="noStrike" dirty="0" smtClean="0"/>
                         <a:t/>
                       </a:r>
                       <a:endParaRPr lang="fr-FR" sz="800" dirty="0"/>
@@ -9366,7 +9366,7 @@
                     <a:lstStyle/>
                     <a:p>
                       <a:r>
-                        <a:rPr lang="en-US" sz="800" b="0" i="0" u="none" dirty="0" smtClean="0"/>
+                        <a:rPr lang="en-US" sz="800" b="0" i="0" u="none" strike="noStrike" dirty="0" smtClean="0"/>
                         <a:t>Une</a:t>
                       </a:r>
                       <a:endParaRPr lang="fr-FR" sz="800" b="1" i="1" u="sng" dirty="0"/>
@@ -9380,7 +9380,7 @@
                     <a:lstStyle/>
                     <a:p>
                       <a:r>
-                        <a:rPr lang="en-US" sz="800" b="0" i="0" u="none" dirty="0" smtClean="0"/>
+                        <a:rPr lang="en-US" sz="800" b="0" i="0" u="none" strike="noStrike" dirty="0" smtClean="0"/>
                         <a:t>gourde</a:t>
                       </a:r>
                       <a:endParaRPr lang="fr-FR" sz="800" b="1" i="1" u="sng" dirty="0"/>
@@ -9411,7 +9411,7 @@
                         <a:defRPr/>
                       </a:pPr>
                       <a:r>
-                        <a:rPr lang="en-US" sz="800" dirty="0" smtClean="0"/>
+                        <a:rPr lang="en-US" sz="800" b="0" i="0" strike="noStrike" dirty="0" smtClean="0"/>
                         <a:t>de</a:t>
                       </a:r>
                       <a:endParaRPr lang="fr-FR" sz="800" dirty="0" smtClean="0"/>
@@ -9425,7 +9425,7 @@
                     <a:lstStyle/>
                     <a:p>
                       <a:r>
-                        <a:rPr lang="en-US" sz="800" dirty="0" smtClean="0"/>
+                        <a:rPr lang="en-US" sz="800" b="0" i="0" strike="noStrike" dirty="0" smtClean="0"/>
                         <a:t>rhum</a:t>
                       </a:r>
                       <a:endParaRPr lang="fr-FR" sz="800" dirty="0"/>
@@ -9439,7 +9439,7 @@
                     <a:lstStyle/>
                     <a:p>
                       <a:r>
-                        <a:rPr lang="en-US" sz="800" dirty="0" smtClean="0"/>
+                        <a:rPr lang="en-US" sz="800" b="0" i="0" strike="noStrike" dirty="0" smtClean="0"/>
                         <a:t>qui</a:t>
                       </a:r>
                       <a:endParaRPr lang="fr-FR" sz="800" dirty="0"/>
@@ -9453,7 +9453,7 @@
                     <a:lstStyle/>
                     <a:p>
                       <a:r>
-                        <a:rPr lang="en-US" sz="800" dirty="0" smtClean="0"/>
+                        <a:rPr lang="en-US" sz="800" b="0" i="0" strike="noStrike" dirty="0" smtClean="0"/>
                         <a:t>pendait</a:t>
                       </a:r>
                       <a:endParaRPr lang="fr-FR" sz="800" dirty="0"/>
@@ -9467,7 +9467,7 @@
                     <a:lstStyle/>
                     <a:p>
                       <a:r>
-                        <a:rPr lang="en-US" sz="800" dirty="0" smtClean="0"/>
+                        <a:rPr lang="en-US" sz="800" b="0" i="0" strike="noStrike" dirty="0" smtClean="0"/>
                         <a:t>à</a:t>
                       </a:r>
                       <a:endParaRPr lang="fr-FR" sz="800" dirty="0"/>
@@ -9481,7 +9481,7 @@
                     <a:lstStyle/>
                     <a:p>
                       <a:r>
-                        <a:rPr lang="en-US" sz="800" dirty="0" smtClean="0"/>
+                        <a:rPr lang="en-US" sz="800" b="0" i="0" strike="noStrike" dirty="0" smtClean="0"/>
                         <a:t>sa</a:t>
                       </a:r>
                       <a:endParaRPr lang="fr-FR" sz="800" dirty="0"/>
@@ -9495,7 +9495,7 @@
                     <a:lstStyle/>
                     <a:p>
                       <a:r>
-                        <a:rPr lang="en-US" sz="800" dirty="0" smtClean="0"/>
+                        <a:rPr lang="en-US" sz="800" b="0" i="0" strike="noStrike" dirty="0" smtClean="0"/>
                         <a:t>selle,</a:t>
                       </a:r>
                       <a:endParaRPr lang="fr-FR" sz="800" dirty="0"/>
@@ -9509,63 +9509,63 @@
                     <a:lstStyle/>
                     <a:p>
                       <a:r>
-                        <a:rPr lang="en-US" sz="800" dirty="0" smtClean="0"/>
-                        <a:t/>
-                      </a:r>
-                      <a:endParaRPr lang="fr-FR" sz="800" dirty="0"/>
-                    </a:p>
-                  </a:txBody>
-                  <a:tcPr/>
-                </a:tc>
-                <a:tc>
-                  <a:txBody>
-                    <a:bodyPr/>
-                    <a:lstStyle/>
-                    <a:p>
-                      <a:r>
-                        <a:rPr lang="en-US" sz="800" dirty="0" smtClean="0"/>
-                        <a:t/>
-                      </a:r>
-                      <a:endParaRPr lang="fr-FR" sz="800" dirty="0"/>
-                    </a:p>
-                  </a:txBody>
-                  <a:tcPr/>
-                </a:tc>
-                <a:tc>
-                  <a:txBody>
-                    <a:bodyPr/>
-                    <a:lstStyle/>
-                    <a:p>
-                      <a:r>
-                        <a:rPr lang="en-US" sz="800" dirty="0" smtClean="0"/>
-                        <a:t/>
-                      </a:r>
-                      <a:endParaRPr lang="fr-FR" sz="800" dirty="0"/>
-                    </a:p>
-                  </a:txBody>
-                  <a:tcPr/>
-                </a:tc>
-                <a:tc>
-                  <a:txBody>
-                    <a:bodyPr/>
-                    <a:lstStyle/>
-                    <a:p>
-                      <a:r>
-                        <a:rPr lang="en-US" sz="800" dirty="0" smtClean="0"/>
-                        <a:t/>
-                      </a:r>
-                      <a:endParaRPr lang="fr-FR" sz="800" dirty="0"/>
-                    </a:p>
-                  </a:txBody>
-                  <a:tcPr/>
-                </a:tc>
-                <a:tc>
-                  <a:txBody>
-                    <a:bodyPr/>
-                    <a:lstStyle/>
-                    <a:p>
-                      <a:r>
-                        <a:rPr lang="en-US" sz="800" dirty="0" smtClean="0"/>
+                        <a:rPr lang="en-US" sz="800" b="0" i="0" strike="noStrike" dirty="0" smtClean="0"/>
+                        <a:t/>
+                      </a:r>
+                      <a:endParaRPr lang="fr-FR" sz="800" dirty="0"/>
+                    </a:p>
+                  </a:txBody>
+                  <a:tcPr/>
+                </a:tc>
+                <a:tc>
+                  <a:txBody>
+                    <a:bodyPr/>
+                    <a:lstStyle/>
+                    <a:p>
+                      <a:r>
+                        <a:rPr lang="en-US" sz="800" b="0" i="0" strike="noStrike" dirty="0" smtClean="0"/>
+                        <a:t/>
+                      </a:r>
+                      <a:endParaRPr lang="fr-FR" sz="800" dirty="0"/>
+                    </a:p>
+                  </a:txBody>
+                  <a:tcPr/>
+                </a:tc>
+                <a:tc>
+                  <a:txBody>
+                    <a:bodyPr/>
+                    <a:lstStyle/>
+                    <a:p>
+                      <a:r>
+                        <a:rPr lang="en-US" sz="800" b="0" i="0" strike="noStrike" dirty="0" smtClean="0"/>
+                        <a:t/>
+                      </a:r>
+                      <a:endParaRPr lang="fr-FR" sz="800" dirty="0"/>
+                    </a:p>
+                  </a:txBody>
+                  <a:tcPr/>
+                </a:tc>
+                <a:tc>
+                  <a:txBody>
+                    <a:bodyPr/>
+                    <a:lstStyle/>
+                    <a:p>
+                      <a:r>
+                        <a:rPr lang="en-US" sz="800" b="0" i="0" strike="noStrike" dirty="0" smtClean="0"/>
+                        <a:t/>
+                      </a:r>
+                      <a:endParaRPr lang="fr-FR" sz="800" dirty="0"/>
+                    </a:p>
+                  </a:txBody>
+                  <a:tcPr/>
+                </a:tc>
+                <a:tc>
+                  <a:txBody>
+                    <a:bodyPr/>
+                    <a:lstStyle/>
+                    <a:p>
+                      <a:r>
+                        <a:rPr lang="en-US" sz="800" b="0" i="0" strike="noStrike" dirty="0" smtClean="0"/>
                         <a:t/>
                       </a:r>
                       <a:endParaRPr lang="fr-FR" sz="800" dirty="0"/>
@@ -9581,7 +9581,7 @@
                     <a:lstStyle/>
                     <a:p>
                       <a:r>
-                        <a:rPr lang="en-US" sz="800" b="0" i="0" u="none" dirty="0" smtClean="0"/>
+                        <a:rPr lang="en-US" sz="800" b="0" i="0" u="none" strike="noStrike" dirty="0" smtClean="0"/>
                         <a:t>Et</a:t>
                       </a:r>
                       <a:endParaRPr lang="fr-FR" sz="800" b="1" i="1" u="sng" dirty="0"/>
@@ -9595,7 +9595,7 @@
                     <a:lstStyle/>
                     <a:p>
                       <a:r>
-                        <a:rPr lang="en-US" sz="800" b="0" i="0" u="none" dirty="0" smtClean="0"/>
+                        <a:rPr lang="en-US" sz="800" b="0" i="0" u="none" strike="noStrike" dirty="0" smtClean="0"/>
                         <a:t>dit</a:t>
                       </a:r>
                       <a:endParaRPr lang="fr-FR" sz="800" b="1" i="1" u="sng" dirty="0"/>
@@ -9626,7 +9626,7 @@
                         <a:defRPr/>
                       </a:pPr>
                       <a:r>
-                        <a:rPr lang="en-US" sz="800" dirty="0" smtClean="0"/>
+                        <a:rPr lang="en-US" sz="800" b="0" i="0" strike="noStrike" dirty="0" smtClean="0"/>
                         <a:t>:</a:t>
                       </a:r>
                       <a:endParaRPr lang="fr-FR" sz="800" dirty="0" smtClean="0"/>
@@ -9640,7 +9640,7 @@
                     <a:lstStyle/>
                     <a:p>
                       <a:r>
-                        <a:rPr lang="en-US" sz="800" dirty="0" smtClean="0"/>
+                        <a:rPr lang="en-US" sz="800" b="0" i="0" strike="noStrike" dirty="0" smtClean="0"/>
                         <a:t>«</a:t>
                       </a:r>
                       <a:endParaRPr lang="fr-FR" sz="800" dirty="0"/>
@@ -9654,7 +9654,7 @@
                     <a:lstStyle/>
                     <a:p>
                       <a:r>
-                        <a:rPr lang="en-US" sz="800" dirty="0" smtClean="0"/>
+                        <a:rPr lang="en-US" sz="800" b="0" i="0" strike="noStrike" dirty="0" smtClean="0"/>
                         <a:t>Tiens,</a:t>
                       </a:r>
                       <a:endParaRPr lang="fr-FR" sz="800" dirty="0"/>
@@ -9668,7 +9668,7 @@
                     <a:lstStyle/>
                     <a:p>
                       <a:r>
-                        <a:rPr lang="en-US" sz="800" dirty="0" smtClean="0"/>
+                        <a:rPr lang="en-US" sz="800" b="0" i="0" strike="noStrike" dirty="0" smtClean="0"/>
                         <a:t>donne</a:t>
                       </a:r>
                       <a:endParaRPr lang="fr-FR" sz="800" dirty="0"/>
@@ -9682,7 +9682,7 @@
                     <a:lstStyle/>
                     <a:p>
                       <a:r>
-                        <a:rPr lang="en-US" sz="800" dirty="0" smtClean="0"/>
+                        <a:rPr lang="en-US" sz="800" b="0" i="0" strike="noStrike" dirty="0" smtClean="0"/>
                         <a:t>à</a:t>
                       </a:r>
                       <a:endParaRPr lang="fr-FR" sz="800" dirty="0"/>
@@ -9696,7 +9696,7 @@
                     <a:lstStyle/>
                     <a:p>
                       <a:r>
-                        <a:rPr lang="en-US" sz="800" dirty="0" smtClean="0"/>
+                        <a:rPr lang="en-US" sz="800" b="0" i="0" strike="noStrike" dirty="0" smtClean="0"/>
                         <a:t>boire</a:t>
                       </a:r>
                       <a:endParaRPr lang="fr-FR" sz="800" dirty="0"/>
@@ -9727,7 +9727,7 @@
                         <a:defRPr/>
                       </a:pPr>
                       <a:r>
-                        <a:rPr lang="en-US" sz="800" dirty="0" smtClean="0"/>
+                        <a:rPr lang="en-US" sz="800" b="0" i="0" strike="noStrike" dirty="0" smtClean="0"/>
                         <a:t>à</a:t>
                       </a:r>
                       <a:endParaRPr lang="fr-FR" sz="800" dirty="0" smtClean="0"/>
@@ -9741,7 +9741,7 @@
                     <a:lstStyle/>
                     <a:p>
                       <a:r>
-                        <a:rPr lang="en-US" sz="800" dirty="0" smtClean="0"/>
+                        <a:rPr lang="en-US" sz="800" b="0" i="0" strike="noStrike" dirty="0" smtClean="0"/>
                         <a:t>ce</a:t>
                       </a:r>
                       <a:endParaRPr lang="fr-FR" sz="800" dirty="0"/>
@@ -9772,7 +9772,7 @@
                         <a:defRPr/>
                       </a:pPr>
                       <a:r>
-                        <a:rPr lang="en-US" sz="800" dirty="0" smtClean="0"/>
+                        <a:rPr lang="en-US" sz="800" b="0" i="0" strike="noStrike" dirty="0" smtClean="0"/>
                         <a:t>pauvre</a:t>
                       </a:r>
                       <a:endParaRPr lang="fr-FR" sz="800" dirty="0" smtClean="0"/>
@@ -9786,7 +9786,7 @@
                     <a:lstStyle/>
                     <a:p>
                       <a:r>
-                        <a:rPr lang="en-US" sz="800" dirty="0" smtClean="0"/>
+                        <a:rPr lang="en-US" sz="800" b="0" i="0" strike="noStrike" dirty="0" smtClean="0"/>
                         <a:t>blessé.</a:t>
                       </a:r>
                       <a:endParaRPr lang="fr-FR" sz="800" dirty="0"/>
@@ -9800,7 +9800,7 @@
                     <a:lstStyle/>
                     <a:p>
                       <a:r>
-                        <a:rPr lang="en-US" sz="800" dirty="0" smtClean="0"/>
+                        <a:rPr lang="en-US" sz="800" b="0" i="0" strike="noStrike" dirty="0" smtClean="0"/>
                         <a:t>»</a:t>
                       </a:r>
                       <a:endParaRPr lang="fr-FR" sz="800" dirty="0"/>
@@ -9814,7 +9814,7 @@
                     <a:lstStyle/>
                     <a:p>
                       <a:r>
-                        <a:rPr lang="en-US" sz="800" dirty="0" smtClean="0"/>
+                        <a:rPr lang="en-US" sz="800" b="0" i="0" strike="noStrike" dirty="0" smtClean="0"/>
                         <a:t/>
                       </a:r>
                       <a:endParaRPr lang="fr-FR" sz="800" dirty="0"/>
@@ -9830,7 +9830,7 @@
                     <a:lstStyle/>
                     <a:p>
                       <a:r>
-                        <a:rPr lang="en-US" sz="800" b="0" i="0" u="none" dirty="0" smtClean="0"/>
+                        <a:rPr lang="en-US" sz="800" b="0" i="0" u="none" strike="noStrike" dirty="0" smtClean="0"/>
                         <a:t>Tout</a:t>
                       </a:r>
                       <a:endParaRPr lang="fr-FR" sz="800" b="1" i="1" u="sng" dirty="0"/>
@@ -9844,7 +9844,7 @@
                     <a:lstStyle/>
                     <a:p>
                       <a:r>
-                        <a:rPr lang="en-US" sz="800" b="0" i="0" u="none" dirty="0" smtClean="0"/>
+                        <a:rPr lang="en-US" sz="800" b="0" i="0" u="none" strike="noStrike" dirty="0" smtClean="0"/>
                         <a:t>à</a:t>
                       </a:r>
                       <a:endParaRPr lang="fr-FR" sz="800" b="1" i="1" u="sng" dirty="0"/>
@@ -9875,7 +9875,7 @@
                         <a:defRPr/>
                       </a:pPr>
                       <a:r>
-                        <a:rPr lang="en-US" sz="800" dirty="0" smtClean="0"/>
+                        <a:rPr lang="en-US" sz="800" b="0" i="0" strike="noStrike" dirty="0" smtClean="0"/>
                         <a:t>coup,</a:t>
                       </a:r>
                       <a:endParaRPr lang="fr-FR" sz="800" dirty="0" smtClean="0"/>
@@ -9889,7 +9889,7 @@
                     <a:lstStyle/>
                     <a:p>
                       <a:r>
-                        <a:rPr lang="en-US" sz="800" dirty="0" smtClean="0"/>
+                        <a:rPr lang="en-US" sz="800" b="0" i="0" strike="noStrike" dirty="0" smtClean="0"/>
                         <a:t>au</a:t>
                       </a:r>
                       <a:endParaRPr lang="fr-FR" sz="800" dirty="0"/>
@@ -9903,7 +9903,7 @@
                     <a:lstStyle/>
                     <a:p>
                       <a:r>
-                        <a:rPr lang="en-US" sz="800" dirty="0" smtClean="0"/>
+                        <a:rPr lang="en-US" sz="800" b="0" i="0" strike="noStrike" dirty="0" smtClean="0"/>
                         <a:t>moment</a:t>
                       </a:r>
                       <a:endParaRPr lang="fr-FR" sz="800" dirty="0"/>
@@ -9917,7 +9917,7 @@
                     <a:lstStyle/>
                     <a:p>
                       <a:r>
-                        <a:rPr lang="en-US" sz="800" dirty="0" smtClean="0"/>
+                        <a:rPr lang="en-US" sz="800" b="0" i="0" strike="noStrike" dirty="0" smtClean="0"/>
                         <a:t>où</a:t>
                       </a:r>
                       <a:endParaRPr lang="fr-FR" sz="800" dirty="0"/>
@@ -9931,7 +9931,7 @@
                     <a:lstStyle/>
                     <a:p>
                       <a:r>
-                        <a:rPr lang="en-US" sz="800" dirty="0" smtClean="0"/>
+                        <a:rPr lang="en-US" sz="800" b="0" i="0" strike="noStrike" dirty="0" smtClean="0"/>
                         <a:t>le</a:t>
                       </a:r>
                       <a:endParaRPr lang="fr-FR" sz="800" dirty="0"/>
@@ -9945,7 +9945,7 @@
                     <a:lstStyle/>
                     <a:p>
                       <a:r>
-                        <a:rPr lang="en-US" sz="800" dirty="0" smtClean="0"/>
+                        <a:rPr lang="en-US" sz="800" b="0" i="0" strike="noStrike" dirty="0" smtClean="0"/>
                         <a:t>housard</a:t>
                       </a:r>
                       <a:endParaRPr lang="fr-FR" sz="800" dirty="0"/>
@@ -9976,7 +9976,7 @@
                         <a:defRPr/>
                       </a:pPr>
                       <a:r>
-                        <a:rPr lang="en-US" sz="800" dirty="0" smtClean="0"/>
+                        <a:rPr lang="en-US" sz="800" b="0" i="0" strike="noStrike" dirty="0" smtClean="0"/>
                         <a:t>baissé</a:t>
                       </a:r>
                       <a:endParaRPr lang="fr-FR" sz="800" dirty="0" smtClean="0"/>
@@ -9990,7 +9990,7 @@
                     <a:lstStyle/>
                     <a:p>
                       <a:r>
-                        <a:rPr lang="en-US" sz="800" dirty="0" smtClean="0"/>
+                        <a:rPr lang="en-US" sz="800" b="0" i="0" strike="noStrike" dirty="0" smtClean="0"/>
                         <a:t/>
                       </a:r>
                       <a:endParaRPr lang="fr-FR" sz="800" dirty="0"/>
@@ -10021,7 +10021,7 @@
                         <a:defRPr/>
                       </a:pPr>
                       <a:r>
-                        <a:rPr lang="en-US" sz="800" dirty="0" smtClean="0"/>
+                        <a:rPr lang="en-US" sz="800" b="0" i="0" strike="noStrike" dirty="0" smtClean="0"/>
                         <a:t/>
                       </a:r>
                       <a:endParaRPr lang="fr-FR" sz="800" dirty="0" smtClean="0"/>
@@ -10035,35 +10035,35 @@
                     <a:lstStyle/>
                     <a:p>
                       <a:r>
-                        <a:rPr lang="en-US" sz="800" dirty="0" smtClean="0"/>
-                        <a:t/>
-                      </a:r>
-                      <a:endParaRPr lang="fr-FR" sz="800" dirty="0"/>
-                    </a:p>
-                  </a:txBody>
-                  <a:tcPr/>
-                </a:tc>
-                <a:tc>
-                  <a:txBody>
-                    <a:bodyPr/>
-                    <a:lstStyle/>
-                    <a:p>
-                      <a:r>
-                        <a:rPr lang="en-US" sz="800" dirty="0" smtClean="0"/>
-                        <a:t/>
-                      </a:r>
-                      <a:endParaRPr lang="fr-FR" sz="800" dirty="0"/>
-                    </a:p>
-                  </a:txBody>
-                  <a:tcPr/>
-                </a:tc>
-                <a:tc>
-                  <a:txBody>
-                    <a:bodyPr/>
-                    <a:lstStyle/>
-                    <a:p>
-                      <a:r>
-                        <a:rPr lang="en-US" sz="800" dirty="0" smtClean="0"/>
+                        <a:rPr lang="en-US" sz="800" b="0" i="0" strike="noStrike" dirty="0" smtClean="0"/>
+                        <a:t/>
+                      </a:r>
+                      <a:endParaRPr lang="fr-FR" sz="800" dirty="0"/>
+                    </a:p>
+                  </a:txBody>
+                  <a:tcPr/>
+                </a:tc>
+                <a:tc>
+                  <a:txBody>
+                    <a:bodyPr/>
+                    <a:lstStyle/>
+                    <a:p>
+                      <a:r>
+                        <a:rPr lang="en-US" sz="800" b="0" i="0" strike="noStrike" dirty="0" smtClean="0"/>
+                        <a:t/>
+                      </a:r>
+                      <a:endParaRPr lang="fr-FR" sz="800" dirty="0"/>
+                    </a:p>
+                  </a:txBody>
+                  <a:tcPr/>
+                </a:tc>
+                <a:tc>
+                  <a:txBody>
+                    <a:bodyPr/>
+                    <a:lstStyle/>
+                    <a:p>
+                      <a:r>
+                        <a:rPr lang="en-US" sz="800" b="0" i="0" strike="noStrike" dirty="0" smtClean="0"/>
                         <a:t/>
                       </a:r>
                       <a:endParaRPr lang="fr-FR" sz="800" dirty="0"/>
@@ -10428,7 +10428,7 @@
                     <a:lstStyle/>
                     <a:p>
                       <a:r>
-                        <a:rPr lang="en-US" sz="800" b="0" i="0" u="none" dirty="0" smtClean="0"/>
+                        <a:rPr lang="en-US" sz="800" b="0" i="0" u="none" strike="noStrike" dirty="0" smtClean="0"/>
                         <a:t>Se</a:t>
                       </a:r>
                       <a:endParaRPr lang="fr-FR" sz="800" b="1" i="1" u="sng" dirty="0"/>
@@ -10442,7 +10442,7 @@
                     <a:lstStyle/>
                     <a:p>
                       <a:r>
-                        <a:rPr lang="en-US" sz="800" b="0" i="0" u="none" dirty="0" smtClean="0"/>
+                        <a:rPr lang="en-US" sz="800" b="0" i="0" u="none" strike="noStrike" dirty="0" smtClean="0"/>
                         <a:t>penchait</a:t>
                       </a:r>
                       <a:endParaRPr lang="fr-FR" sz="800" b="1" i="1" u="sng" dirty="0"/>
@@ -10473,7 +10473,7 @@
                         <a:defRPr/>
                       </a:pPr>
                       <a:r>
-                        <a:rPr lang="en-US" sz="800" dirty="0" smtClean="0"/>
+                        <a:rPr lang="en-US" sz="800" b="0" i="0" strike="noStrike" dirty="0" smtClean="0"/>
                         <a:t>vers</a:t>
                       </a:r>
                       <a:endParaRPr lang="fr-FR" sz="800" dirty="0" smtClean="0"/>
@@ -10487,7 +10487,7 @@
                     <a:lstStyle/>
                     <a:p>
                       <a:r>
-                        <a:rPr lang="en-US" sz="800" dirty="0" smtClean="0"/>
+                        <a:rPr lang="en-US" sz="800" b="0" i="0" strike="noStrike" dirty="0" smtClean="0"/>
                         <a:t>lui,</a:t>
                       </a:r>
                       <a:endParaRPr lang="fr-FR" sz="800" dirty="0"/>
@@ -10501,7 +10501,7 @@
                     <a:lstStyle/>
                     <a:p>
                       <a:r>
-                        <a:rPr lang="en-US" sz="800" dirty="0" smtClean="0"/>
+                        <a:rPr lang="en-US" sz="800" b="0" i="0" strike="noStrike" dirty="0" smtClean="0"/>
                         <a:t>l’homme,</a:t>
                       </a:r>
                       <a:endParaRPr lang="fr-FR" sz="800" dirty="0"/>
@@ -10515,7 +10515,7 @@
                     <a:lstStyle/>
                     <a:p>
                       <a:r>
-                        <a:rPr lang="en-US" sz="800" dirty="0" smtClean="0"/>
+                        <a:rPr lang="en-US" sz="800" b="0" i="0" strike="noStrike" dirty="0" smtClean="0"/>
                         <a:t>une</a:t>
                       </a:r>
                       <a:endParaRPr lang="fr-FR" sz="800" dirty="0"/>
@@ -10529,7 +10529,7 @@
                     <a:lstStyle/>
                     <a:p>
                       <a:r>
-                        <a:rPr lang="en-US" sz="800" dirty="0" smtClean="0"/>
+                        <a:rPr lang="en-US" sz="800" b="0" i="0" strike="noStrike" dirty="0" smtClean="0"/>
                         <a:t>espèce</a:t>
                       </a:r>
                       <a:endParaRPr lang="fr-FR" sz="800" dirty="0"/>
@@ -10543,7 +10543,7 @@
                     <a:lstStyle/>
                     <a:p>
                       <a:r>
-                        <a:rPr lang="en-US" sz="800" dirty="0" smtClean="0"/>
+                        <a:rPr lang="en-US" sz="800" b="0" i="0" strike="noStrike" dirty="0" smtClean="0"/>
                         <a:t>de</a:t>
                       </a:r>
                       <a:endParaRPr lang="fr-FR" sz="800" dirty="0"/>
@@ -10557,7 +10557,7 @@
                     <a:lstStyle/>
                     <a:p>
                       <a:r>
-                        <a:rPr lang="en-US" sz="800" dirty="0" smtClean="0"/>
+                        <a:rPr lang="en-US" sz="800" b="0" i="0" strike="noStrike" dirty="0" smtClean="0"/>
                         <a:t>Maure,</a:t>
                       </a:r>
                       <a:endParaRPr lang="fr-FR" sz="800" dirty="0"/>
@@ -10571,63 +10571,63 @@
                     <a:lstStyle/>
                     <a:p>
                       <a:r>
-                        <a:rPr lang="en-US" sz="800" dirty="0" smtClean="0"/>
-                        <a:t/>
-                      </a:r>
-                      <a:endParaRPr lang="fr-FR" sz="800" dirty="0"/>
-                    </a:p>
-                  </a:txBody>
-                  <a:tcPr/>
-                </a:tc>
-                <a:tc>
-                  <a:txBody>
-                    <a:bodyPr/>
-                    <a:lstStyle/>
-                    <a:p>
-                      <a:r>
-                        <a:rPr lang="en-US" sz="800" dirty="0" smtClean="0"/>
-                        <a:t/>
-                      </a:r>
-                      <a:endParaRPr lang="fr-FR" sz="800" dirty="0"/>
-                    </a:p>
-                  </a:txBody>
-                  <a:tcPr/>
-                </a:tc>
-                <a:tc>
-                  <a:txBody>
-                    <a:bodyPr/>
-                    <a:lstStyle/>
-                    <a:p>
-                      <a:r>
-                        <a:rPr lang="en-US" sz="800" dirty="0" smtClean="0"/>
-                        <a:t/>
-                      </a:r>
-                      <a:endParaRPr lang="fr-FR" sz="800" dirty="0"/>
-                    </a:p>
-                  </a:txBody>
-                  <a:tcPr/>
-                </a:tc>
-                <a:tc>
-                  <a:txBody>
-                    <a:bodyPr/>
-                    <a:lstStyle/>
-                    <a:p>
-                      <a:r>
-                        <a:rPr lang="en-US" sz="800" dirty="0" smtClean="0"/>
-                        <a:t/>
-                      </a:r>
-                      <a:endParaRPr lang="fr-FR" sz="800" dirty="0"/>
-                    </a:p>
-                  </a:txBody>
-                  <a:tcPr/>
-                </a:tc>
-                <a:tc>
-                  <a:txBody>
-                    <a:bodyPr/>
-                    <a:lstStyle/>
-                    <a:p>
-                      <a:r>
-                        <a:rPr lang="en-US" sz="800" dirty="0" smtClean="0"/>
+                        <a:rPr lang="en-US" sz="800" b="0" i="0" strike="noStrike" dirty="0" smtClean="0"/>
+                        <a:t/>
+                      </a:r>
+                      <a:endParaRPr lang="fr-FR" sz="800" dirty="0"/>
+                    </a:p>
+                  </a:txBody>
+                  <a:tcPr/>
+                </a:tc>
+                <a:tc>
+                  <a:txBody>
+                    <a:bodyPr/>
+                    <a:lstStyle/>
+                    <a:p>
+                      <a:r>
+                        <a:rPr lang="en-US" sz="800" b="0" i="0" strike="noStrike" dirty="0" smtClean="0"/>
+                        <a:t/>
+                      </a:r>
+                      <a:endParaRPr lang="fr-FR" sz="800" dirty="0"/>
+                    </a:p>
+                  </a:txBody>
+                  <a:tcPr/>
+                </a:tc>
+                <a:tc>
+                  <a:txBody>
+                    <a:bodyPr/>
+                    <a:lstStyle/>
+                    <a:p>
+                      <a:r>
+                        <a:rPr lang="en-US" sz="800" b="0" i="0" strike="noStrike" dirty="0" smtClean="0"/>
+                        <a:t/>
+                      </a:r>
+                      <a:endParaRPr lang="fr-FR" sz="800" dirty="0"/>
+                    </a:p>
+                  </a:txBody>
+                  <a:tcPr/>
+                </a:tc>
+                <a:tc>
+                  <a:txBody>
+                    <a:bodyPr/>
+                    <a:lstStyle/>
+                    <a:p>
+                      <a:r>
+                        <a:rPr lang="en-US" sz="800" b="0" i="0" strike="noStrike" dirty="0" smtClean="0"/>
+                        <a:t/>
+                      </a:r>
+                      <a:endParaRPr lang="fr-FR" sz="800" dirty="0"/>
+                    </a:p>
+                  </a:txBody>
+                  <a:tcPr/>
+                </a:tc>
+                <a:tc>
+                  <a:txBody>
+                    <a:bodyPr/>
+                    <a:lstStyle/>
+                    <a:p>
+                      <a:r>
+                        <a:rPr lang="en-US" sz="800" b="0" i="0" strike="noStrike" dirty="0" smtClean="0"/>
                         <a:t/>
                       </a:r>
                       <a:endParaRPr lang="fr-FR" sz="800" dirty="0"/>
@@ -10643,7 +10643,7 @@
                     <a:lstStyle/>
                     <a:p>
                       <a:r>
-                        <a:rPr lang="en-US" sz="800" b="0" i="0" u="none" dirty="0" smtClean="0"/>
+                        <a:rPr lang="en-US" sz="800" b="0" i="0" u="none" strike="noStrike" dirty="0" smtClean="0"/>
                         <a:t>Saisit</a:t>
                       </a:r>
                       <a:endParaRPr lang="fr-FR" sz="800" b="1" i="1" u="sng" dirty="0"/>
@@ -10657,7 +10657,7 @@
                     <a:lstStyle/>
                     <a:p>
                       <a:r>
-                        <a:rPr lang="en-US" sz="800" b="0" i="0" u="none" dirty="0" smtClean="0"/>
+                        <a:rPr lang="en-US" sz="800" b="0" i="0" u="none" strike="noStrike" dirty="0" smtClean="0"/>
                         <a:t>un</a:t>
                       </a:r>
                       <a:endParaRPr lang="fr-FR" sz="800" b="1" i="1" u="sng" dirty="0"/>
@@ -10688,7 +10688,7 @@
                         <a:defRPr/>
                       </a:pPr>
                       <a:r>
-                        <a:rPr lang="en-US" sz="800" dirty="0" smtClean="0"/>
+                        <a:rPr lang="en-US" sz="800" b="0" i="0" strike="noStrike" dirty="0" smtClean="0"/>
                         <a:t>pistolet</a:t>
                       </a:r>
                       <a:endParaRPr lang="fr-FR" sz="800" dirty="0" smtClean="0"/>
@@ -10702,7 +10702,7 @@
                     <a:lstStyle/>
                     <a:p>
                       <a:r>
-                        <a:rPr lang="en-US" sz="800" dirty="0" smtClean="0"/>
+                        <a:rPr lang="en-US" sz="800" b="0" i="0" strike="noStrike" dirty="0" smtClean="0"/>
                         <a:t>qu’il</a:t>
                       </a:r>
                       <a:endParaRPr lang="fr-FR" sz="800" dirty="0"/>
@@ -10716,7 +10716,7 @@
                     <a:lstStyle/>
                     <a:p>
                       <a:r>
-                        <a:rPr lang="en-US" sz="800" dirty="0" smtClean="0"/>
+                        <a:rPr lang="en-US" sz="800" b="0" i="0" strike="noStrike" dirty="0" smtClean="0"/>
                         <a:t>étreignait</a:t>
                       </a:r>
                       <a:endParaRPr lang="fr-FR" sz="800" dirty="0"/>
@@ -10730,7 +10730,7 @@
                     <a:lstStyle/>
                     <a:p>
                       <a:r>
-                        <a:rPr lang="en-US" sz="800" dirty="0" smtClean="0"/>
+                        <a:rPr lang="en-US" sz="800" b="0" i="0" strike="noStrike" dirty="0" smtClean="0"/>
                         <a:t>encore,</a:t>
                       </a:r>
                       <a:endParaRPr lang="fr-FR" sz="800" dirty="0"/>
@@ -10744,21 +10744,21 @@
                     <a:lstStyle/>
                     <a:p>
                       <a:r>
-                        <a:rPr lang="en-US" sz="800" dirty="0" smtClean="0"/>
-                        <a:t/>
-                      </a:r>
-                      <a:endParaRPr lang="fr-FR" sz="800" dirty="0"/>
-                    </a:p>
-                  </a:txBody>
-                  <a:tcPr/>
-                </a:tc>
-                <a:tc>
-                  <a:txBody>
-                    <a:bodyPr/>
-                    <a:lstStyle/>
-                    <a:p>
-                      <a:r>
-                        <a:rPr lang="en-US" sz="800" dirty="0" smtClean="0"/>
+                        <a:rPr lang="en-US" sz="800" b="0" i="0" strike="noStrike" dirty="0" smtClean="0"/>
+                        <a:t/>
+                      </a:r>
+                      <a:endParaRPr lang="fr-FR" sz="800" dirty="0"/>
+                    </a:p>
+                  </a:txBody>
+                  <a:tcPr/>
+                </a:tc>
+                <a:tc>
+                  <a:txBody>
+                    <a:bodyPr/>
+                    <a:lstStyle/>
+                    <a:p>
+                      <a:r>
+                        <a:rPr lang="en-US" sz="800" b="0" i="0" strike="noStrike" dirty="0" smtClean="0"/>
                         <a:t/>
                       </a:r>
                       <a:endParaRPr lang="fr-FR" sz="800" dirty="0"/>
@@ -10789,7 +10789,7 @@
                         <a:defRPr/>
                       </a:pPr>
                       <a:r>
-                        <a:rPr lang="en-US" sz="800" dirty="0" smtClean="0"/>
+                        <a:rPr lang="en-US" sz="800" b="0" i="0" strike="noStrike" dirty="0" smtClean="0"/>
                         <a:t/>
                       </a:r>
                       <a:endParaRPr lang="fr-FR" sz="800" dirty="0" smtClean="0"/>
@@ -10803,7 +10803,7 @@
                     <a:lstStyle/>
                     <a:p>
                       <a:r>
-                        <a:rPr lang="en-US" sz="800" dirty="0" smtClean="0"/>
+                        <a:rPr lang="en-US" sz="800" b="0" i="0" strike="noStrike" dirty="0" smtClean="0"/>
                         <a:t/>
                       </a:r>
                       <a:endParaRPr lang="fr-FR" sz="800" dirty="0"/>
@@ -10834,7 +10834,7 @@
                         <a:defRPr/>
                       </a:pPr>
                       <a:r>
-                        <a:rPr lang="en-US" sz="800" dirty="0" smtClean="0"/>
+                        <a:rPr lang="en-US" sz="800" b="0" i="0" strike="noStrike" dirty="0" smtClean="0"/>
                         <a:t/>
                       </a:r>
                       <a:endParaRPr lang="fr-FR" sz="800" dirty="0" smtClean="0"/>
@@ -10848,35 +10848,35 @@
                     <a:lstStyle/>
                     <a:p>
                       <a:r>
-                        <a:rPr lang="en-US" sz="800" dirty="0" smtClean="0"/>
-                        <a:t/>
-                      </a:r>
-                      <a:endParaRPr lang="fr-FR" sz="800" dirty="0"/>
-                    </a:p>
-                  </a:txBody>
-                  <a:tcPr/>
-                </a:tc>
-                <a:tc>
-                  <a:txBody>
-                    <a:bodyPr/>
-                    <a:lstStyle/>
-                    <a:p>
-                      <a:r>
-                        <a:rPr lang="en-US" sz="800" dirty="0" smtClean="0"/>
-                        <a:t/>
-                      </a:r>
-                      <a:endParaRPr lang="fr-FR" sz="800" dirty="0"/>
-                    </a:p>
-                  </a:txBody>
-                  <a:tcPr/>
-                </a:tc>
-                <a:tc>
-                  <a:txBody>
-                    <a:bodyPr/>
-                    <a:lstStyle/>
-                    <a:p>
-                      <a:r>
-                        <a:rPr lang="en-US" sz="800" dirty="0" smtClean="0"/>
+                        <a:rPr lang="en-US" sz="800" b="0" i="0" strike="noStrike" dirty="0" smtClean="0"/>
+                        <a:t/>
+                      </a:r>
+                      <a:endParaRPr lang="fr-FR" sz="800" dirty="0"/>
+                    </a:p>
+                  </a:txBody>
+                  <a:tcPr/>
+                </a:tc>
+                <a:tc>
+                  <a:txBody>
+                    <a:bodyPr/>
+                    <a:lstStyle/>
+                    <a:p>
+                      <a:r>
+                        <a:rPr lang="en-US" sz="800" b="0" i="0" strike="noStrike" dirty="0" smtClean="0"/>
+                        <a:t/>
+                      </a:r>
+                      <a:endParaRPr lang="fr-FR" sz="800" dirty="0"/>
+                    </a:p>
+                  </a:txBody>
+                  <a:tcPr/>
+                </a:tc>
+                <a:tc>
+                  <a:txBody>
+                    <a:bodyPr/>
+                    <a:lstStyle/>
+                    <a:p>
+                      <a:r>
+                        <a:rPr lang="en-US" sz="800" b="0" i="0" strike="noStrike" dirty="0" smtClean="0"/>
                         <a:t/>
                       </a:r>
                       <a:endParaRPr lang="fr-FR" sz="800" dirty="0"/>
@@ -10892,7 +10892,7 @@
                     <a:lstStyle/>
                     <a:p>
                       <a:r>
-                        <a:rPr lang="en-US" sz="800" b="0" i="0" u="none" dirty="0" smtClean="0"/>
+                        <a:rPr lang="en-US" sz="800" b="0" i="0" u="none" strike="noStrike" dirty="0" smtClean="0"/>
                         <a:t>Et</a:t>
                       </a:r>
                       <a:endParaRPr lang="fr-FR" sz="800" b="1" i="1" u="sng" dirty="0"/>
@@ -10906,7 +10906,7 @@
                     <a:lstStyle/>
                     <a:p>
                       <a:r>
-                        <a:rPr lang="en-US" sz="800" b="0" i="0" u="none" dirty="0" smtClean="0"/>
+                        <a:rPr lang="en-US" sz="800" b="0" i="0" u="none" strike="noStrike" dirty="0" smtClean="0"/>
                         <a:t>vise</a:t>
                       </a:r>
                       <a:endParaRPr lang="fr-FR" sz="800" b="1" i="1" u="sng" dirty="0"/>
@@ -10937,7 +10937,7 @@
                         <a:defRPr/>
                       </a:pPr>
                       <a:r>
-                        <a:rPr lang="en-US" sz="800" dirty="0" smtClean="0"/>
+                        <a:rPr lang="en-US" sz="800" b="0" i="0" strike="noStrike" dirty="0" smtClean="0"/>
                         <a:t>au</a:t>
                       </a:r>
                       <a:endParaRPr lang="fr-FR" sz="800" dirty="0" smtClean="0"/>
@@ -10951,7 +10951,7 @@
                     <a:lstStyle/>
                     <a:p>
                       <a:r>
-                        <a:rPr lang="en-US" sz="800" dirty="0" smtClean="0"/>
+                        <a:rPr lang="en-US" sz="800" b="0" i="0" strike="noStrike" dirty="0" smtClean="0"/>
                         <a:t>front</a:t>
                       </a:r>
                       <a:endParaRPr lang="fr-FR" sz="800" dirty="0"/>
@@ -10965,7 +10965,7 @@
                     <a:lstStyle/>
                     <a:p>
                       <a:r>
-                        <a:rPr lang="en-US" sz="800" dirty="0" smtClean="0"/>
+                        <a:rPr lang="en-US" sz="800" b="0" i="0" strike="noStrike" dirty="0" smtClean="0"/>
                         <a:t>mon</a:t>
                       </a:r>
                       <a:endParaRPr lang="fr-FR" sz="800" dirty="0"/>
@@ -10979,7 +10979,7 @@
                     <a:lstStyle/>
                     <a:p>
                       <a:r>
-                        <a:rPr lang="en-US" sz="800" dirty="0" smtClean="0"/>
+                        <a:rPr lang="en-US" sz="800" b="0" i="0" strike="noStrike" dirty="0" smtClean="0"/>
                         <a:t>père</a:t>
                       </a:r>
                       <a:endParaRPr lang="fr-FR" sz="800" dirty="0"/>
@@ -10993,7 +10993,7 @@
                     <a:lstStyle/>
                     <a:p>
                       <a:r>
-                        <a:rPr lang="en-US" sz="800" dirty="0" smtClean="0"/>
+                        <a:rPr lang="en-US" sz="800" b="0" i="0" strike="noStrike" dirty="0" smtClean="0"/>
                         <a:t>en</a:t>
                       </a:r>
                       <a:endParaRPr lang="fr-FR" sz="800" dirty="0"/>
@@ -11007,7 +11007,7 @@
                     <a:lstStyle/>
                     <a:p>
                       <a:r>
-                        <a:rPr lang="en-US" sz="800" dirty="0" smtClean="0"/>
+                        <a:rPr lang="en-US" sz="800" b="0" i="0" strike="noStrike" dirty="0" smtClean="0"/>
                         <a:t>criant</a:t>
                       </a:r>
                       <a:endParaRPr lang="fr-FR" sz="800" dirty="0"/>
@@ -11038,7 +11038,7 @@
                         <a:defRPr/>
                       </a:pPr>
                       <a:r>
-                        <a:rPr lang="en-US" sz="800" dirty="0" smtClean="0"/>
+                        <a:rPr lang="en-US" sz="800" b="0" i="0" strike="noStrike" dirty="0" smtClean="0"/>
                         <a:t>:</a:t>
                       </a:r>
                       <a:endParaRPr lang="fr-FR" sz="800" dirty="0" smtClean="0"/>
@@ -11052,7 +11052,7 @@
                     <a:lstStyle/>
                     <a:p>
                       <a:r>
-                        <a:rPr lang="en-US" sz="800" dirty="0" smtClean="0"/>
+                        <a:rPr lang="en-US" sz="800" b="0" i="0" strike="noStrike" dirty="0" smtClean="0"/>
                         <a:t>«</a:t>
                       </a:r>
                       <a:endParaRPr lang="fr-FR" sz="800" dirty="0"/>
@@ -11083,7 +11083,7 @@
                         <a:defRPr/>
                       </a:pPr>
                       <a:r>
-                        <a:rPr lang="en-US" sz="800" dirty="0" smtClean="0"/>
+                        <a:rPr lang="en-US" sz="800" b="0" i="0" strike="noStrike" dirty="0" smtClean="0"/>
                         <a:t>Caramba</a:t>
                       </a:r>
                       <a:endParaRPr lang="fr-FR" sz="800" dirty="0" smtClean="0"/>
@@ -11097,7 +11097,7 @@
                     <a:lstStyle/>
                     <a:p>
                       <a:r>
-                        <a:rPr lang="en-US" sz="800" dirty="0" smtClean="0"/>
+                        <a:rPr lang="en-US" sz="800" b="0" i="0" strike="noStrike" dirty="0" smtClean="0"/>
                         <a:t>!</a:t>
                       </a:r>
                       <a:endParaRPr lang="fr-FR" sz="800" dirty="0"/>
@@ -11111,7 +11111,7 @@
                     <a:lstStyle/>
                     <a:p>
                       <a:r>
-                        <a:rPr lang="en-US" sz="800" dirty="0" smtClean="0"/>
+                        <a:rPr lang="en-US" sz="800" b="0" i="0" strike="noStrike" dirty="0" smtClean="0"/>
                         <a:t>»</a:t>
                       </a:r>
                       <a:endParaRPr lang="fr-FR" sz="800" dirty="0"/>
@@ -11125,7 +11125,7 @@
                     <a:lstStyle/>
                     <a:p>
                       <a:r>
-                        <a:rPr lang="en-US" sz="800" dirty="0" smtClean="0"/>
+                        <a:rPr lang="en-US" sz="800" b="0" i="0" strike="noStrike" dirty="0" smtClean="0"/>
                         <a:t/>
                       </a:r>
                       <a:endParaRPr lang="fr-FR" sz="800" dirty="0"/>
@@ -11141,7 +11141,7 @@
                     <a:lstStyle/>
                     <a:p>
                       <a:r>
-                        <a:rPr lang="en-US" sz="800" b="0" i="0" u="none" dirty="0" smtClean="0"/>
+                        <a:rPr lang="en-US" sz="800" b="0" i="0" u="none" strike="noStrike" dirty="0" smtClean="0"/>
                         <a:t>Le</a:t>
                       </a:r>
                       <a:endParaRPr lang="fr-FR" sz="800" b="1" i="1" u="sng" dirty="0"/>
@@ -11155,7 +11155,7 @@
                     <a:lstStyle/>
                     <a:p>
                       <a:r>
-                        <a:rPr lang="en-US" sz="800" b="0" i="0" u="none" dirty="0" smtClean="0"/>
+                        <a:rPr lang="en-US" sz="800" b="0" i="0" u="none" strike="noStrike" dirty="0" smtClean="0"/>
                         <a:t>coup</a:t>
                       </a:r>
                       <a:endParaRPr lang="fr-FR" sz="800" b="1" i="1" u="sng" dirty="0"/>
@@ -11186,7 +11186,7 @@
                         <a:defRPr/>
                       </a:pPr>
                       <a:r>
-                        <a:rPr lang="en-US" sz="800" dirty="0" smtClean="0"/>
+                        <a:rPr lang="en-US" sz="800" b="0" i="0" strike="noStrike" dirty="0" smtClean="0"/>
                         <a:t>passa</a:t>
                       </a:r>
                       <a:endParaRPr lang="fr-FR" sz="800" dirty="0" smtClean="0"/>
@@ -11200,7 +11200,7 @@
                     <a:lstStyle/>
                     <a:p>
                       <a:r>
-                        <a:rPr lang="en-US" sz="800" dirty="0" smtClean="0"/>
+                        <a:rPr lang="en-US" sz="800" b="0" i="0" strike="noStrike" dirty="0" smtClean="0"/>
                         <a:t>si</a:t>
                       </a:r>
                       <a:endParaRPr lang="fr-FR" sz="800" dirty="0"/>
@@ -11214,7 +11214,7 @@
                     <a:lstStyle/>
                     <a:p>
                       <a:r>
-                        <a:rPr lang="en-US" sz="800" dirty="0" smtClean="0"/>
+                        <a:rPr lang="en-US" sz="800" b="0" i="0" strike="noStrike" dirty="0" smtClean="0"/>
                         <a:t>près,</a:t>
                       </a:r>
                       <a:endParaRPr lang="fr-FR" sz="800" dirty="0"/>
@@ -11228,7 +11228,7 @@
                     <a:lstStyle/>
                     <a:p>
                       <a:r>
-                        <a:rPr lang="en-US" sz="800" dirty="0" smtClean="0"/>
+                        <a:rPr lang="en-US" sz="800" b="0" i="0" strike="noStrike" dirty="0" smtClean="0"/>
                         <a:t>que</a:t>
                       </a:r>
                       <a:endParaRPr lang="fr-FR" sz="800" dirty="0"/>
@@ -11242,7 +11242,7 @@
                     <a:lstStyle/>
                     <a:p>
                       <a:r>
-                        <a:rPr lang="en-US" sz="800" dirty="0" smtClean="0"/>
+                        <a:rPr lang="en-US" sz="800" b="0" i="0" strike="noStrike" dirty="0" smtClean="0"/>
                         <a:t>le</a:t>
                       </a:r>
                       <a:endParaRPr lang="fr-FR" sz="800" dirty="0"/>
@@ -11256,7 +11256,7 @@
                     <a:lstStyle/>
                     <a:p>
                       <a:r>
-                        <a:rPr lang="en-US" sz="800" dirty="0" smtClean="0"/>
+                        <a:rPr lang="en-US" sz="800" b="0" i="0" strike="noStrike" dirty="0" smtClean="0"/>
                         <a:t>chapeau</a:t>
                       </a:r>
                       <a:endParaRPr lang="fr-FR" sz="800" dirty="0"/>
@@ -11287,7 +11287,7 @@
                         <a:defRPr/>
                       </a:pPr>
                       <a:r>
-                        <a:rPr lang="en-US" sz="800" dirty="0" smtClean="0"/>
+                        <a:rPr lang="en-US" sz="800" b="0" i="0" strike="noStrike" dirty="0" smtClean="0"/>
                         <a:t>tomba</a:t>
                       </a:r>
                       <a:endParaRPr lang="fr-FR" sz="800" dirty="0" smtClean="0"/>
@@ -11301,63 +11301,63 @@
                     <a:lstStyle/>
                     <a:p>
                       <a:r>
-                        <a:rPr lang="en-US" sz="800" dirty="0" smtClean="0"/>
-                        <a:t/>
-                      </a:r>
-                      <a:endParaRPr lang="fr-FR" sz="800" dirty="0"/>
-                    </a:p>
-                  </a:txBody>
-                  <a:tcPr/>
-                </a:tc>
-                <a:tc>
-                  <a:txBody>
-                    <a:bodyPr/>
-                    <a:lstStyle/>
-                    <a:p>
-                      <a:r>
-                        <a:rPr lang="en-US" sz="800" dirty="0" smtClean="0"/>
-                        <a:t/>
-                      </a:r>
-                      <a:endParaRPr lang="fr-FR" sz="800" dirty="0"/>
-                    </a:p>
-                  </a:txBody>
-                  <a:tcPr/>
-                </a:tc>
-                <a:tc>
-                  <a:txBody>
-                    <a:bodyPr/>
-                    <a:lstStyle/>
-                    <a:p>
-                      <a:r>
-                        <a:rPr lang="en-US" sz="800" dirty="0" smtClean="0"/>
-                        <a:t/>
-                      </a:r>
-                      <a:endParaRPr lang="fr-FR" sz="800" dirty="0"/>
-                    </a:p>
-                  </a:txBody>
-                  <a:tcPr/>
-                </a:tc>
-                <a:tc>
-                  <a:txBody>
-                    <a:bodyPr/>
-                    <a:lstStyle/>
-                    <a:p>
-                      <a:r>
-                        <a:rPr lang="en-US" sz="800" dirty="0" smtClean="0"/>
-                        <a:t/>
-                      </a:r>
-                      <a:endParaRPr lang="fr-FR" sz="800" dirty="0"/>
-                    </a:p>
-                  </a:txBody>
-                  <a:tcPr/>
-                </a:tc>
-                <a:tc>
-                  <a:txBody>
-                    <a:bodyPr/>
-                    <a:lstStyle/>
-                    <a:p>
-                      <a:r>
-                        <a:rPr lang="en-US" sz="800" dirty="0" smtClean="0"/>
+                        <a:rPr lang="en-US" sz="800" b="0" i="0" strike="noStrike" dirty="0" smtClean="0"/>
+                        <a:t/>
+                      </a:r>
+                      <a:endParaRPr lang="fr-FR" sz="800" dirty="0"/>
+                    </a:p>
+                  </a:txBody>
+                  <a:tcPr/>
+                </a:tc>
+                <a:tc>
+                  <a:txBody>
+                    <a:bodyPr/>
+                    <a:lstStyle/>
+                    <a:p>
+                      <a:r>
+                        <a:rPr lang="en-US" sz="800" b="0" i="0" strike="noStrike" dirty="0" smtClean="0"/>
+                        <a:t/>
+                      </a:r>
+                      <a:endParaRPr lang="fr-FR" sz="800" dirty="0"/>
+                    </a:p>
+                  </a:txBody>
+                  <a:tcPr/>
+                </a:tc>
+                <a:tc>
+                  <a:txBody>
+                    <a:bodyPr/>
+                    <a:lstStyle/>
+                    <a:p>
+                      <a:r>
+                        <a:rPr lang="en-US" sz="800" b="0" i="0" strike="noStrike" dirty="0" smtClean="0"/>
+                        <a:t/>
+                      </a:r>
+                      <a:endParaRPr lang="fr-FR" sz="800" dirty="0"/>
+                    </a:p>
+                  </a:txBody>
+                  <a:tcPr/>
+                </a:tc>
+                <a:tc>
+                  <a:txBody>
+                    <a:bodyPr/>
+                    <a:lstStyle/>
+                    <a:p>
+                      <a:r>
+                        <a:rPr lang="en-US" sz="800" b="0" i="0" strike="noStrike" dirty="0" smtClean="0"/>
+                        <a:t/>
+                      </a:r>
+                      <a:endParaRPr lang="fr-FR" sz="800" dirty="0"/>
+                    </a:p>
+                  </a:txBody>
+                  <a:tcPr/>
+                </a:tc>
+                <a:tc>
+                  <a:txBody>
+                    <a:bodyPr/>
+                    <a:lstStyle/>
+                    <a:p>
+                      <a:r>
+                        <a:rPr lang="en-US" sz="800" b="0" i="0" strike="noStrike" dirty="0" smtClean="0"/>
                         <a:t/>
                       </a:r>
                       <a:endParaRPr lang="fr-FR" sz="800" dirty="0"/>
@@ -11373,7 +11373,7 @@
                     <a:lstStyle/>
                     <a:p>
                       <a:r>
-                        <a:rPr lang="en-US" sz="800" b="0" i="0" u="none" dirty="0" smtClean="0"/>
+                        <a:rPr lang="en-US" sz="800" b="0" i="0" u="none" strike="noStrike" dirty="0" smtClean="0"/>
                         <a:t>Et</a:t>
                       </a:r>
                       <a:endParaRPr lang="fr-FR" sz="800" b="1" i="1" u="sng" dirty="0"/>
@@ -11387,7 +11387,7 @@
                     <a:lstStyle/>
                     <a:p>
                       <a:r>
-                        <a:rPr lang="en-US" sz="800" b="0" i="0" u="none" dirty="0" smtClean="0"/>
+                        <a:rPr lang="en-US" sz="800" b="0" i="0" u="none" strike="noStrike" dirty="0" smtClean="0"/>
                         <a:t>que</a:t>
                       </a:r>
                       <a:endParaRPr lang="fr-FR" sz="800" b="1" i="1" u="sng" dirty="0"/>
@@ -11418,7 +11418,7 @@
                         <a:defRPr/>
                       </a:pPr>
                       <a:r>
-                        <a:rPr lang="en-US" sz="800" dirty="0" smtClean="0"/>
+                        <a:rPr lang="en-US" sz="800" b="0" i="0" strike="noStrike" dirty="0" smtClean="0"/>
                         <a:t>le</a:t>
                       </a:r>
                       <a:endParaRPr lang="fr-FR" sz="800" dirty="0" smtClean="0"/>
@@ -11432,7 +11432,7 @@
                     <a:lstStyle/>
                     <a:p>
                       <a:r>
-                        <a:rPr lang="en-US" sz="800" dirty="0" smtClean="0"/>
+                        <a:rPr lang="en-US" sz="800" b="0" i="0" strike="noStrike" dirty="0" smtClean="0"/>
                         <a:t>cheval</a:t>
                       </a:r>
                       <a:endParaRPr lang="fr-FR" sz="800" dirty="0"/>
@@ -11446,7 +11446,7 @@
                     <a:lstStyle/>
                     <a:p>
                       <a:r>
-                        <a:rPr lang="en-US" sz="800" dirty="0" smtClean="0"/>
+                        <a:rPr lang="en-US" sz="800" b="0" i="0" strike="noStrike" dirty="0" smtClean="0"/>
                         <a:t>fit</a:t>
                       </a:r>
                       <a:endParaRPr lang="fr-FR" sz="800" dirty="0"/>
@@ -11460,7 +11460,7 @@
                     <a:lstStyle/>
                     <a:p>
                       <a:r>
-                        <a:rPr lang="en-US" sz="800" dirty="0" smtClean="0"/>
+                        <a:rPr lang="en-US" sz="800" b="0" i="0" strike="noStrike" dirty="0" smtClean="0"/>
                         <a:t>un</a:t>
                       </a:r>
                       <a:endParaRPr lang="fr-FR" sz="800" dirty="0"/>
@@ -11474,7 +11474,7 @@
                     <a:lstStyle/>
                     <a:p>
                       <a:r>
-                        <a:rPr lang="en-US" sz="800" dirty="0" smtClean="0"/>
+                        <a:rPr lang="en-US" sz="800" b="0" i="0" strike="noStrike" dirty="0" smtClean="0"/>
                         <a:t>écart</a:t>
                       </a:r>
                       <a:endParaRPr lang="fr-FR" sz="800" dirty="0"/>
@@ -11488,7 +11488,7 @@
                     <a:lstStyle/>
                     <a:p>
                       <a:r>
-                        <a:rPr lang="en-US" sz="800" dirty="0" smtClean="0"/>
+                        <a:rPr lang="en-US" sz="800" b="0" i="0" strike="noStrike" dirty="0" smtClean="0"/>
                         <a:t>en</a:t>
                       </a:r>
                       <a:endParaRPr lang="fr-FR" sz="800" dirty="0"/>
@@ -11502,7 +11502,7 @@
                     <a:lstStyle/>
                     <a:p>
                       <a:r>
-                        <a:rPr lang="en-US" sz="800" dirty="0" smtClean="0"/>
+                        <a:rPr lang="en-US" sz="800" b="0" i="0" strike="noStrike" dirty="0" smtClean="0"/>
                         <a:t>arrière.</a:t>
                       </a:r>
                       <a:endParaRPr lang="fr-FR" sz="800" dirty="0"/>
@@ -11516,63 +11516,63 @@
                     <a:lstStyle/>
                     <a:p>
                       <a:r>
-                        <a:rPr lang="en-US" sz="800" dirty="0" smtClean="0"/>
-                        <a:t/>
-                      </a:r>
-                      <a:endParaRPr lang="fr-FR" sz="800" dirty="0"/>
-                    </a:p>
-                  </a:txBody>
-                  <a:tcPr/>
-                </a:tc>
-                <a:tc>
-                  <a:txBody>
-                    <a:bodyPr/>
-                    <a:lstStyle/>
-                    <a:p>
-                      <a:r>
-                        <a:rPr lang="en-US" sz="800" dirty="0" smtClean="0"/>
-                        <a:t/>
-                      </a:r>
-                      <a:endParaRPr lang="fr-FR" sz="800" dirty="0"/>
-                    </a:p>
-                  </a:txBody>
-                  <a:tcPr/>
-                </a:tc>
-                <a:tc>
-                  <a:txBody>
-                    <a:bodyPr/>
-                    <a:lstStyle/>
-                    <a:p>
-                      <a:r>
-                        <a:rPr lang="en-US" sz="800" dirty="0" smtClean="0"/>
-                        <a:t/>
-                      </a:r>
-                      <a:endParaRPr lang="fr-FR" sz="800" dirty="0"/>
-                    </a:p>
-                  </a:txBody>
-                  <a:tcPr/>
-                </a:tc>
-                <a:tc>
-                  <a:txBody>
-                    <a:bodyPr/>
-                    <a:lstStyle/>
-                    <a:p>
-                      <a:r>
-                        <a:rPr lang="en-US" sz="800" dirty="0" smtClean="0"/>
-                        <a:t/>
-                      </a:r>
-                      <a:endParaRPr lang="fr-FR" sz="800" dirty="0"/>
-                    </a:p>
-                  </a:txBody>
-                  <a:tcPr/>
-                </a:tc>
-                <a:tc>
-                  <a:txBody>
-                    <a:bodyPr/>
-                    <a:lstStyle/>
-                    <a:p>
-                      <a:r>
-                        <a:rPr lang="en-US" sz="800" dirty="0" smtClean="0"/>
+                        <a:rPr lang="en-US" sz="800" b="0" i="0" strike="noStrike" dirty="0" smtClean="0"/>
+                        <a:t/>
+                      </a:r>
+                      <a:endParaRPr lang="fr-FR" sz="800" dirty="0"/>
+                    </a:p>
+                  </a:txBody>
+                  <a:tcPr/>
+                </a:tc>
+                <a:tc>
+                  <a:txBody>
+                    <a:bodyPr/>
+                    <a:lstStyle/>
+                    <a:p>
+                      <a:r>
+                        <a:rPr lang="en-US" sz="800" b="0" i="0" strike="noStrike" dirty="0" smtClean="0"/>
+                        <a:t/>
+                      </a:r>
+                      <a:endParaRPr lang="fr-FR" sz="800" dirty="0"/>
+                    </a:p>
+                  </a:txBody>
+                  <a:tcPr/>
+                </a:tc>
+                <a:tc>
+                  <a:txBody>
+                    <a:bodyPr/>
+                    <a:lstStyle/>
+                    <a:p>
+                      <a:r>
+                        <a:rPr lang="en-US" sz="800" b="0" i="0" strike="noStrike" dirty="0" smtClean="0"/>
+                        <a:t/>
+                      </a:r>
+                      <a:endParaRPr lang="fr-FR" sz="800" dirty="0"/>
+                    </a:p>
+                  </a:txBody>
+                  <a:tcPr/>
+                </a:tc>
+                <a:tc>
+                  <a:txBody>
+                    <a:bodyPr/>
+                    <a:lstStyle/>
+                    <a:p>
+                      <a:r>
+                        <a:rPr lang="en-US" sz="800" b="0" i="0" strike="noStrike" dirty="0" smtClean="0"/>
+                        <a:t/>
+                      </a:r>
+                      <a:endParaRPr lang="fr-FR" sz="800" dirty="0"/>
+                    </a:p>
+                  </a:txBody>
+                  <a:tcPr/>
+                </a:tc>
+                <a:tc>
+                  <a:txBody>
+                    <a:bodyPr/>
+                    <a:lstStyle/>
+                    <a:p>
+                      <a:r>
+                        <a:rPr lang="en-US" sz="800" b="0" i="0" strike="noStrike" dirty="0" smtClean="0"/>
                         <a:t/>
                       </a:r>
                       <a:endParaRPr lang="fr-FR" sz="800" dirty="0"/>
@@ -11588,7 +11588,7 @@
                     <a:lstStyle/>
                     <a:p>
                       <a:r>
-                        <a:rPr lang="en-US" sz="800" b="0" i="0" u="none" dirty="0" smtClean="0"/>
+                        <a:rPr lang="en-US" sz="800" b="0" i="0" u="none" strike="noStrike" dirty="0" smtClean="0"/>
                         <a:t>«</a:t>
                       </a:r>
                       <a:endParaRPr lang="fr-FR" sz="800" b="1" i="1" u="sng" dirty="0"/>
@@ -11602,7 +11602,7 @@
                     <a:lstStyle/>
                     <a:p>
                       <a:r>
-                        <a:rPr lang="en-US" sz="800" b="0" i="0" u="none" dirty="0" smtClean="0"/>
+                        <a:rPr lang="en-US" sz="800" b="0" i="0" u="none" strike="noStrike" dirty="0" smtClean="0"/>
                         <a:t>Donne-lui</a:t>
                       </a:r>
                       <a:endParaRPr lang="fr-FR" sz="800" b="1" i="1" u="sng" dirty="0"/>
@@ -11633,7 +11633,7 @@
                         <a:defRPr/>
                       </a:pPr>
                       <a:r>
-                        <a:rPr lang="en-US" sz="800" dirty="0" smtClean="0"/>
+                        <a:rPr lang="en-US" sz="800" b="0" i="0" strike="noStrike" dirty="0" smtClean="0"/>
                         <a:t>tout</a:t>
                       </a:r>
                       <a:endParaRPr lang="fr-FR" sz="800" dirty="0" smtClean="0"/>
@@ -11647,7 +11647,7 @@
                     <a:lstStyle/>
                     <a:p>
                       <a:r>
-                        <a:rPr lang="en-US" sz="800" dirty="0" smtClean="0"/>
+                        <a:rPr lang="en-US" sz="800" b="0" i="0" strike="noStrike" dirty="0" smtClean="0"/>
                         <a:t>de</a:t>
                       </a:r>
                       <a:endParaRPr lang="fr-FR" sz="800" dirty="0"/>
@@ -11661,7 +11661,7 @@
                     <a:lstStyle/>
                     <a:p>
                       <a:r>
-                        <a:rPr lang="en-US" sz="800" dirty="0" smtClean="0"/>
+                        <a:rPr lang="en-US" sz="800" b="0" i="0" strike="noStrike" dirty="0" smtClean="0"/>
                         <a:t>même</a:t>
                       </a:r>
                       <a:endParaRPr lang="fr-FR" sz="800" dirty="0"/>
@@ -11675,7 +11675,7 @@
                     <a:lstStyle/>
                     <a:p>
                       <a:r>
-                        <a:rPr lang="en-US" sz="800" dirty="0" smtClean="0"/>
+                        <a:rPr lang="en-US" sz="800" b="0" i="0" strike="noStrike" dirty="0" smtClean="0"/>
                         <a:t>à</a:t>
                       </a:r>
                       <a:endParaRPr lang="fr-FR" sz="800" dirty="0"/>
@@ -11689,7 +11689,7 @@
                     <a:lstStyle/>
                     <a:p>
                       <a:r>
-                        <a:rPr lang="en-US" sz="800" dirty="0" smtClean="0"/>
+                        <a:rPr lang="en-US" sz="800" b="0" i="0" strike="noStrike" dirty="0" smtClean="0"/>
                         <a:t>boire</a:t>
                       </a:r>
                       <a:endParaRPr lang="fr-FR" sz="800" dirty="0"/>
@@ -11703,7 +11703,7 @@
                     <a:lstStyle/>
                     <a:p>
                       <a:r>
-                        <a:rPr lang="en-US" sz="800" dirty="0" smtClean="0"/>
+                        <a:rPr lang="en-US" sz="800" b="0" i="0" strike="noStrike" dirty="0" smtClean="0"/>
                         <a:t>»,</a:t>
                       </a:r>
                       <a:endParaRPr lang="fr-FR" sz="800" dirty="0"/>
@@ -11734,7 +11734,7 @@
                         <a:defRPr/>
                       </a:pPr>
                       <a:r>
-                        <a:rPr lang="en-US" sz="800" dirty="0" smtClean="0"/>
+                        <a:rPr lang="en-US" sz="800" b="0" i="0" strike="noStrike" dirty="0" smtClean="0"/>
                         <a:t>dit</a:t>
                       </a:r>
                       <a:endParaRPr lang="fr-FR" sz="800" dirty="0" smtClean="0"/>
@@ -11748,7 +11748,7 @@
                     <a:lstStyle/>
                     <a:p>
                       <a:r>
-                        <a:rPr lang="en-US" sz="800" dirty="0" smtClean="0"/>
+                        <a:rPr lang="en-US" sz="800" b="0" i="0" strike="noStrike" dirty="0" smtClean="0"/>
                         <a:t>mon</a:t>
                       </a:r>
                       <a:endParaRPr lang="fr-FR" sz="800" dirty="0"/>
@@ -11779,7 +11779,7 @@
                         <a:defRPr/>
                       </a:pPr>
                       <a:r>
-                        <a:rPr lang="en-US" sz="800" dirty="0" smtClean="0"/>
+                        <a:rPr lang="en-US" sz="800" b="0" i="0" strike="noStrike" dirty="0" smtClean="0"/>
                         <a:t>père.</a:t>
                       </a:r>
                       <a:endParaRPr lang="fr-FR" sz="800" dirty="0" smtClean="0"/>
@@ -11793,35 +11793,35 @@
                     <a:lstStyle/>
                     <a:p>
                       <a:r>
-                        <a:rPr lang="en-US" sz="800" dirty="0" smtClean="0"/>
-                        <a:t/>
-                      </a:r>
-                      <a:endParaRPr lang="fr-FR" sz="800" dirty="0"/>
-                    </a:p>
-                  </a:txBody>
-                  <a:tcPr/>
-                </a:tc>
-                <a:tc>
-                  <a:txBody>
-                    <a:bodyPr/>
-                    <a:lstStyle/>
-                    <a:p>
-                      <a:r>
-                        <a:rPr lang="en-US" sz="800" dirty="0" smtClean="0"/>
-                        <a:t/>
-                      </a:r>
-                      <a:endParaRPr lang="fr-FR" sz="800" dirty="0"/>
-                    </a:p>
-                  </a:txBody>
-                  <a:tcPr/>
-                </a:tc>
-                <a:tc>
-                  <a:txBody>
-                    <a:bodyPr/>
-                    <a:lstStyle/>
-                    <a:p>
-                      <a:r>
-                        <a:rPr lang="en-US" sz="800" dirty="0" smtClean="0"/>
+                        <a:rPr lang="en-US" sz="800" b="0" i="0" strike="noStrike" dirty="0" smtClean="0"/>
+                        <a:t/>
+                      </a:r>
+                      <a:endParaRPr lang="fr-FR" sz="800" dirty="0"/>
+                    </a:p>
+                  </a:txBody>
+                  <a:tcPr/>
+                </a:tc>
+                <a:tc>
+                  <a:txBody>
+                    <a:bodyPr/>
+                    <a:lstStyle/>
+                    <a:p>
+                      <a:r>
+                        <a:rPr lang="en-US" sz="800" b="0" i="0" strike="noStrike" dirty="0" smtClean="0"/>
+                        <a:t/>
+                      </a:r>
+                      <a:endParaRPr lang="fr-FR" sz="800" dirty="0"/>
+                    </a:p>
+                  </a:txBody>
+                  <a:tcPr/>
+                </a:tc>
+                <a:tc>
+                  <a:txBody>
+                    <a:bodyPr/>
+                    <a:lstStyle/>
+                    <a:p>
+                      <a:r>
+                        <a:rPr lang="en-US" sz="800" b="0" i="0" strike="noStrike" dirty="0" smtClean="0"/>
                         <a:t/>
                       </a:r>
                       <a:endParaRPr lang="fr-FR" sz="800" dirty="0"/>
@@ -12186,7 +12186,7 @@
                     <a:lstStyle/>
                     <a:p>
                       <a:r>
-                        <a:rPr lang="en-US" sz="800" b="0" i="0" u="none" dirty="0" smtClean="0"/>
+                        <a:rPr lang="en-US" sz="800" b="0" i="0" u="none" strike="noStrike" dirty="0" smtClean="0"/>
                         <a:t>C’est</a:t>
                       </a:r>
                       <a:endParaRPr lang="fr-FR" sz="800" b="1" i="1" u="sng" dirty="0"/>
@@ -12200,7 +12200,7 @@
                     <a:lstStyle/>
                     <a:p>
                       <a:r>
-                        <a:rPr lang="en-US" sz="800" b="0" i="0" u="none" dirty="0" smtClean="0"/>
+                        <a:rPr lang="en-US" sz="800" b="0" i="0" u="none" strike="noStrike" dirty="0" smtClean="0"/>
                         <a:t>un</a:t>
                       </a:r>
                       <a:endParaRPr lang="fr-FR" sz="800" b="1" i="1" u="sng" dirty="0"/>
@@ -12231,7 +12231,7 @@
                         <a:defRPr/>
                       </a:pPr>
                       <a:r>
-                        <a:rPr lang="en-US" sz="800" dirty="0" smtClean="0"/>
+                        <a:rPr lang="en-US" sz="800" b="0" i="0" strike="noStrike" dirty="0" smtClean="0"/>
                         <a:t>trou</a:t>
                       </a:r>
                       <a:endParaRPr lang="fr-FR" sz="800" dirty="0" smtClean="0"/>
@@ -12245,7 +12245,7 @@
                     <a:lstStyle/>
                     <a:p>
                       <a:r>
-                        <a:rPr lang="en-US" sz="800" dirty="0" smtClean="0"/>
+                        <a:rPr lang="en-US" sz="800" b="0" i="0" strike="noStrike" dirty="0" smtClean="0"/>
                         <a:t>de</a:t>
                       </a:r>
                       <a:endParaRPr lang="fr-FR" sz="800" dirty="0"/>
@@ -12259,7 +12259,7 @@
                     <a:lstStyle/>
                     <a:p>
                       <a:r>
-                        <a:rPr lang="en-US" sz="800" dirty="0" smtClean="0"/>
+                        <a:rPr lang="en-US" sz="800" b="0" i="0" strike="noStrike" dirty="0" smtClean="0"/>
                         <a:t>verdure</a:t>
                       </a:r>
                       <a:endParaRPr lang="fr-FR" sz="800" dirty="0"/>
@@ -12273,7 +12273,7 @@
                     <a:lstStyle/>
                     <a:p>
                       <a:r>
-                        <a:rPr lang="en-US" sz="800" dirty="0" smtClean="0"/>
+                        <a:rPr lang="en-US" sz="800" b="0" i="0" strike="noStrike" dirty="0" smtClean="0"/>
                         <a:t>où</a:t>
                       </a:r>
                       <a:endParaRPr lang="fr-FR" sz="800" dirty="0"/>
@@ -12287,7 +12287,7 @@
                     <a:lstStyle/>
                     <a:p>
                       <a:r>
-                        <a:rPr lang="en-US" sz="800" dirty="0" smtClean="0"/>
+                        <a:rPr lang="en-US" sz="800" b="0" i="0" strike="noStrike" dirty="0" smtClean="0"/>
                         <a:t>chante</a:t>
                       </a:r>
                       <a:endParaRPr lang="fr-FR" sz="800" dirty="0"/>
@@ -12301,7 +12301,7 @@
                     <a:lstStyle/>
                     <a:p>
                       <a:r>
-                        <a:rPr lang="en-US" sz="800" dirty="0" smtClean="0"/>
+                        <a:rPr lang="en-US" sz="800" b="0" i="0" strike="noStrike" dirty="0" smtClean="0"/>
                         <a:t>une</a:t>
                       </a:r>
                       <a:endParaRPr lang="fr-FR" sz="800" dirty="0"/>
@@ -12315,7 +12315,7 @@
                     <a:lstStyle/>
                     <a:p>
                       <a:r>
-                        <a:rPr lang="en-US" sz="800" dirty="0" smtClean="0"/>
+                        <a:rPr lang="en-US" sz="800" b="0" i="0" strike="noStrike" dirty="0" smtClean="0"/>
                         <a:t>rivière</a:t>
                       </a:r>
                       <a:endParaRPr lang="fr-FR" sz="800" dirty="0"/>
@@ -12329,63 +12329,63 @@
                     <a:lstStyle/>
                     <a:p>
                       <a:r>
-                        <a:rPr lang="en-US" sz="800" dirty="0" smtClean="0"/>
-                        <a:t/>
-                      </a:r>
-                      <a:endParaRPr lang="fr-FR" sz="800" dirty="0"/>
-                    </a:p>
-                  </a:txBody>
-                  <a:tcPr/>
-                </a:tc>
-                <a:tc>
-                  <a:txBody>
-                    <a:bodyPr/>
-                    <a:lstStyle/>
-                    <a:p>
-                      <a:r>
-                        <a:rPr lang="en-US" sz="800" dirty="0" smtClean="0"/>
-                        <a:t/>
-                      </a:r>
-                      <a:endParaRPr lang="fr-FR" sz="800" dirty="0"/>
-                    </a:p>
-                  </a:txBody>
-                  <a:tcPr/>
-                </a:tc>
-                <a:tc>
-                  <a:txBody>
-                    <a:bodyPr/>
-                    <a:lstStyle/>
-                    <a:p>
-                      <a:r>
-                        <a:rPr lang="en-US" sz="800" dirty="0" smtClean="0"/>
-                        <a:t/>
-                      </a:r>
-                      <a:endParaRPr lang="fr-FR" sz="800" dirty="0"/>
-                    </a:p>
-                  </a:txBody>
-                  <a:tcPr/>
-                </a:tc>
-                <a:tc>
-                  <a:txBody>
-                    <a:bodyPr/>
-                    <a:lstStyle/>
-                    <a:p>
-                      <a:r>
-                        <a:rPr lang="en-US" sz="800" dirty="0" smtClean="0"/>
-                        <a:t/>
-                      </a:r>
-                      <a:endParaRPr lang="fr-FR" sz="800" dirty="0"/>
-                    </a:p>
-                  </a:txBody>
-                  <a:tcPr/>
-                </a:tc>
-                <a:tc>
-                  <a:txBody>
-                    <a:bodyPr/>
-                    <a:lstStyle/>
-                    <a:p>
-                      <a:r>
-                        <a:rPr lang="en-US" sz="800" dirty="0" smtClean="0"/>
+                        <a:rPr lang="en-US" sz="800" b="0" i="0" strike="noStrike" dirty="0" smtClean="0"/>
+                        <a:t/>
+                      </a:r>
+                      <a:endParaRPr lang="fr-FR" sz="800" dirty="0"/>
+                    </a:p>
+                  </a:txBody>
+                  <a:tcPr/>
+                </a:tc>
+                <a:tc>
+                  <a:txBody>
+                    <a:bodyPr/>
+                    <a:lstStyle/>
+                    <a:p>
+                      <a:r>
+                        <a:rPr lang="en-US" sz="800" b="0" i="0" strike="noStrike" dirty="0" smtClean="0"/>
+                        <a:t/>
+                      </a:r>
+                      <a:endParaRPr lang="fr-FR" sz="800" dirty="0"/>
+                    </a:p>
+                  </a:txBody>
+                  <a:tcPr/>
+                </a:tc>
+                <a:tc>
+                  <a:txBody>
+                    <a:bodyPr/>
+                    <a:lstStyle/>
+                    <a:p>
+                      <a:r>
+                        <a:rPr lang="en-US" sz="800" b="0" i="0" strike="noStrike" dirty="0" smtClean="0"/>
+                        <a:t/>
+                      </a:r>
+                      <a:endParaRPr lang="fr-FR" sz="800" dirty="0"/>
+                    </a:p>
+                  </a:txBody>
+                  <a:tcPr/>
+                </a:tc>
+                <a:tc>
+                  <a:txBody>
+                    <a:bodyPr/>
+                    <a:lstStyle/>
+                    <a:p>
+                      <a:r>
+                        <a:rPr lang="en-US" sz="800" b="0" i="0" strike="noStrike" dirty="0" smtClean="0"/>
+                        <a:t/>
+                      </a:r>
+                      <a:endParaRPr lang="fr-FR" sz="800" dirty="0"/>
+                    </a:p>
+                  </a:txBody>
+                  <a:tcPr/>
+                </a:tc>
+                <a:tc>
+                  <a:txBody>
+                    <a:bodyPr/>
+                    <a:lstStyle/>
+                    <a:p>
+                      <a:r>
+                        <a:rPr lang="en-US" sz="800" b="0" i="0" strike="noStrike" dirty="0" smtClean="0"/>
                         <a:t/>
                       </a:r>
                       <a:endParaRPr lang="fr-FR" sz="800" dirty="0"/>
@@ -12401,7 +12401,7 @@
                     <a:lstStyle/>
                     <a:p>
                       <a:r>
-                        <a:rPr lang="en-US" sz="800" b="0" i="0" u="none" dirty="0" smtClean="0"/>
+                        <a:rPr lang="en-US" sz="800" b="0" i="0" u="none" strike="noStrike" dirty="0" smtClean="0"/>
                         <a:t>Accrochant</a:t>
                       </a:r>
                       <a:endParaRPr lang="fr-FR" sz="800" b="1" i="1" u="sng" dirty="0"/>
@@ -12415,7 +12415,7 @@
                     <a:lstStyle/>
                     <a:p>
                       <a:r>
-                        <a:rPr lang="en-US" sz="800" b="0" i="0" u="none" dirty="0" smtClean="0"/>
+                        <a:rPr lang="en-US" sz="800" b="0" i="0" u="none" strike="noStrike" dirty="0" smtClean="0"/>
                         <a:t>follement</a:t>
                       </a:r>
                       <a:endParaRPr lang="fr-FR" sz="800" b="1" i="1" u="sng" dirty="0"/>
@@ -12446,7 +12446,7 @@
                         <a:defRPr/>
                       </a:pPr>
                       <a:r>
-                        <a:rPr lang="en-US" sz="800" dirty="0" smtClean="0"/>
+                        <a:rPr lang="en-US" sz="800" b="0" i="0" strike="noStrike" dirty="0" smtClean="0"/>
                         <a:t>aux</a:t>
                       </a:r>
                       <a:endParaRPr lang="fr-FR" sz="800" dirty="0" smtClean="0"/>
@@ -12460,7 +12460,7 @@
                     <a:lstStyle/>
                     <a:p>
                       <a:r>
-                        <a:rPr lang="en-US" sz="800" dirty="0" smtClean="0"/>
+                        <a:rPr lang="en-US" sz="800" b="0" i="0" strike="noStrike" dirty="0" smtClean="0"/>
                         <a:t>herbes</a:t>
                       </a:r>
                       <a:endParaRPr lang="fr-FR" sz="800" dirty="0"/>
@@ -12474,7 +12474,7 @@
                     <a:lstStyle/>
                     <a:p>
                       <a:r>
-                        <a:rPr lang="en-US" sz="800" dirty="0" smtClean="0"/>
+                        <a:rPr lang="en-US" sz="800" b="0" i="0" strike="noStrike" dirty="0" smtClean="0"/>
                         <a:t>des</a:t>
                       </a:r>
                       <a:endParaRPr lang="fr-FR" sz="800" dirty="0"/>
@@ -12488,7 +12488,7 @@
                     <a:lstStyle/>
                     <a:p>
                       <a:r>
-                        <a:rPr lang="en-US" sz="800" dirty="0" smtClean="0"/>
+                        <a:rPr lang="en-US" sz="800" b="0" i="0" strike="noStrike" dirty="0" smtClean="0"/>
                         <a:t>haillons</a:t>
                       </a:r>
                       <a:endParaRPr lang="fr-FR" sz="800" dirty="0"/>
@@ -12502,21 +12502,21 @@
                     <a:lstStyle/>
                     <a:p>
                       <a:r>
-                        <a:rPr lang="en-US" sz="800" dirty="0" smtClean="0"/>
-                        <a:t/>
-                      </a:r>
-                      <a:endParaRPr lang="fr-FR" sz="800" dirty="0"/>
-                    </a:p>
-                  </a:txBody>
-                  <a:tcPr/>
-                </a:tc>
-                <a:tc>
-                  <a:txBody>
-                    <a:bodyPr/>
-                    <a:lstStyle/>
-                    <a:p>
-                      <a:r>
-                        <a:rPr lang="en-US" sz="800" dirty="0" smtClean="0"/>
+                        <a:rPr lang="en-US" sz="800" b="0" i="0" strike="noStrike" dirty="0" smtClean="0"/>
+                        <a:t/>
+                      </a:r>
+                      <a:endParaRPr lang="fr-FR" sz="800" dirty="0"/>
+                    </a:p>
+                  </a:txBody>
+                  <a:tcPr/>
+                </a:tc>
+                <a:tc>
+                  <a:txBody>
+                    <a:bodyPr/>
+                    <a:lstStyle/>
+                    <a:p>
+                      <a:r>
+                        <a:rPr lang="en-US" sz="800" b="0" i="0" strike="noStrike" dirty="0" smtClean="0"/>
                         <a:t/>
                       </a:r>
                       <a:endParaRPr lang="fr-FR" sz="800" dirty="0"/>
@@ -12547,7 +12547,7 @@
                         <a:defRPr/>
                       </a:pPr>
                       <a:r>
-                        <a:rPr lang="en-US" sz="800" dirty="0" smtClean="0"/>
+                        <a:rPr lang="en-US" sz="800" b="0" i="0" strike="noStrike" dirty="0" smtClean="0"/>
                         <a:t/>
                       </a:r>
                       <a:endParaRPr lang="fr-FR" sz="800" dirty="0" smtClean="0"/>
@@ -12561,7 +12561,7 @@
                     <a:lstStyle/>
                     <a:p>
                       <a:r>
-                        <a:rPr lang="en-US" sz="800" dirty="0" smtClean="0"/>
+                        <a:rPr lang="en-US" sz="800" b="0" i="0" strike="noStrike" dirty="0" smtClean="0"/>
                         <a:t/>
                       </a:r>
                       <a:endParaRPr lang="fr-FR" sz="800" dirty="0"/>
@@ -12592,7 +12592,7 @@
                         <a:defRPr/>
                       </a:pPr>
                       <a:r>
-                        <a:rPr lang="en-US" sz="800" dirty="0" smtClean="0"/>
+                        <a:rPr lang="en-US" sz="800" b="0" i="0" strike="noStrike" dirty="0" smtClean="0"/>
                         <a:t/>
                       </a:r>
                       <a:endParaRPr lang="fr-FR" sz="800" dirty="0" smtClean="0"/>
@@ -12606,35 +12606,35 @@
                     <a:lstStyle/>
                     <a:p>
                       <a:r>
-                        <a:rPr lang="en-US" sz="800" dirty="0" smtClean="0"/>
-                        <a:t/>
-                      </a:r>
-                      <a:endParaRPr lang="fr-FR" sz="800" dirty="0"/>
-                    </a:p>
-                  </a:txBody>
-                  <a:tcPr/>
-                </a:tc>
-                <a:tc>
-                  <a:txBody>
-                    <a:bodyPr/>
-                    <a:lstStyle/>
-                    <a:p>
-                      <a:r>
-                        <a:rPr lang="en-US" sz="800" dirty="0" smtClean="0"/>
-                        <a:t/>
-                      </a:r>
-                      <a:endParaRPr lang="fr-FR" sz="800" dirty="0"/>
-                    </a:p>
-                  </a:txBody>
-                  <a:tcPr/>
-                </a:tc>
-                <a:tc>
-                  <a:txBody>
-                    <a:bodyPr/>
-                    <a:lstStyle/>
-                    <a:p>
-                      <a:r>
-                        <a:rPr lang="en-US" sz="800" dirty="0" smtClean="0"/>
+                        <a:rPr lang="en-US" sz="800" b="0" i="0" strike="noStrike" dirty="0" smtClean="0"/>
+                        <a:t/>
+                      </a:r>
+                      <a:endParaRPr lang="fr-FR" sz="800" dirty="0"/>
+                    </a:p>
+                  </a:txBody>
+                  <a:tcPr/>
+                </a:tc>
+                <a:tc>
+                  <a:txBody>
+                    <a:bodyPr/>
+                    <a:lstStyle/>
+                    <a:p>
+                      <a:r>
+                        <a:rPr lang="en-US" sz="800" b="0" i="0" strike="noStrike" dirty="0" smtClean="0"/>
+                        <a:t/>
+                      </a:r>
+                      <a:endParaRPr lang="fr-FR" sz="800" dirty="0"/>
+                    </a:p>
+                  </a:txBody>
+                  <a:tcPr/>
+                </a:tc>
+                <a:tc>
+                  <a:txBody>
+                    <a:bodyPr/>
+                    <a:lstStyle/>
+                    <a:p>
+                      <a:r>
+                        <a:rPr lang="en-US" sz="800" b="0" i="0" strike="noStrike" dirty="0" smtClean="0"/>
                         <a:t/>
                       </a:r>
                       <a:endParaRPr lang="fr-FR" sz="800" dirty="0"/>
@@ -12650,7 +12650,7 @@
                     <a:lstStyle/>
                     <a:p>
                       <a:r>
-                        <a:rPr lang="en-US" sz="800" b="0" i="0" u="none" dirty="0" smtClean="0"/>
+                        <a:rPr lang="en-US" sz="800" b="0" i="0" u="none" strike="noStrike" dirty="0" smtClean="0"/>
                         <a:t>D’argent</a:t>
                       </a:r>
                       <a:endParaRPr lang="fr-FR" sz="800" b="1" i="1" u="sng" dirty="0"/>
@@ -12664,7 +12664,7 @@
                     <a:lstStyle/>
                     <a:p>
                       <a:r>
-                        <a:rPr lang="en-US" sz="800" b="0" i="0" u="none" dirty="0" smtClean="0"/>
+                        <a:rPr lang="en-US" sz="800" b="0" i="0" u="none" strike="noStrike" dirty="0" smtClean="0"/>
                         <a:t>;</a:t>
                       </a:r>
                       <a:endParaRPr lang="fr-FR" sz="800" b="1" i="1" u="sng" dirty="0"/>
@@ -12695,7 +12695,7 @@
                         <a:defRPr/>
                       </a:pPr>
                       <a:r>
-                        <a:rPr lang="en-US" sz="800" dirty="0" smtClean="0"/>
+                        <a:rPr lang="en-US" sz="800" b="0" i="0" strike="noStrike" dirty="0" smtClean="0"/>
                         <a:t>où</a:t>
                       </a:r>
                       <a:endParaRPr lang="fr-FR" sz="800" dirty="0" smtClean="0"/>
@@ -12709,7 +12709,7 @@
                     <a:lstStyle/>
                     <a:p>
                       <a:r>
-                        <a:rPr lang="en-US" sz="800" dirty="0" smtClean="0"/>
+                        <a:rPr lang="en-US" sz="800" b="0" i="0" strike="noStrike" dirty="0" smtClean="0"/>
                         <a:t>le</a:t>
                       </a:r>
                       <a:endParaRPr lang="fr-FR" sz="800" dirty="0"/>
@@ -12723,7 +12723,7 @@
                     <a:lstStyle/>
                     <a:p>
                       <a:r>
-                        <a:rPr lang="en-US" sz="800" dirty="0" smtClean="0"/>
+                        <a:rPr lang="en-US" sz="800" b="0" i="0" strike="noStrike" dirty="0" smtClean="0"/>
                         <a:t>soleil,</a:t>
                       </a:r>
                       <a:endParaRPr lang="fr-FR" sz="800" dirty="0"/>
@@ -12737,7 +12737,7 @@
                     <a:lstStyle/>
                     <a:p>
                       <a:r>
-                        <a:rPr lang="en-US" sz="800" dirty="0" smtClean="0"/>
+                        <a:rPr lang="en-US" sz="800" b="0" i="0" strike="noStrike" dirty="0" smtClean="0"/>
                         <a:t>de</a:t>
                       </a:r>
                       <a:endParaRPr lang="fr-FR" sz="800" dirty="0"/>
@@ -12751,7 +12751,7 @@
                     <a:lstStyle/>
                     <a:p>
                       <a:r>
-                        <a:rPr lang="en-US" sz="800" dirty="0" smtClean="0"/>
+                        <a:rPr lang="en-US" sz="800" b="0" i="0" strike="noStrike" dirty="0" smtClean="0"/>
                         <a:t>la</a:t>
                       </a:r>
                       <a:endParaRPr lang="fr-FR" sz="800" dirty="0"/>
@@ -12765,7 +12765,7 @@
                     <a:lstStyle/>
                     <a:p>
                       <a:r>
-                        <a:rPr lang="en-US" sz="800" dirty="0" smtClean="0"/>
+                        <a:rPr lang="en-US" sz="800" b="0" i="0" strike="noStrike" dirty="0" smtClean="0"/>
                         <a:t>montagne</a:t>
                       </a:r>
                       <a:endParaRPr lang="fr-FR" sz="800" dirty="0"/>
@@ -12796,7 +12796,7 @@
                         <a:defRPr/>
                       </a:pPr>
                       <a:r>
-                        <a:rPr lang="en-US" sz="800" dirty="0" smtClean="0"/>
+                        <a:rPr lang="en-US" sz="800" b="0" i="0" strike="noStrike" dirty="0" smtClean="0"/>
                         <a:t>fière,</a:t>
                       </a:r>
                       <a:endParaRPr lang="fr-FR" sz="800" dirty="0" smtClean="0"/>
@@ -12810,7 +12810,7 @@
                     <a:lstStyle/>
                     <a:p>
                       <a:r>
-                        <a:rPr lang="en-US" sz="800" dirty="0" smtClean="0"/>
+                        <a:rPr lang="en-US" sz="800" b="0" i="0" strike="noStrike" dirty="0" smtClean="0"/>
                         <a:t/>
                       </a:r>
                       <a:endParaRPr lang="fr-FR" sz="800" dirty="0"/>
@@ -12841,7 +12841,7 @@
                         <a:defRPr/>
                       </a:pPr>
                       <a:r>
-                        <a:rPr lang="en-US" sz="800" dirty="0" smtClean="0"/>
+                        <a:rPr lang="en-US" sz="800" b="0" i="0" strike="noStrike" dirty="0" smtClean="0"/>
                         <a:t/>
                       </a:r>
                       <a:endParaRPr lang="fr-FR" sz="800" dirty="0" smtClean="0"/>
@@ -12855,35 +12855,35 @@
                     <a:lstStyle/>
                     <a:p>
                       <a:r>
-                        <a:rPr lang="en-US" sz="800" dirty="0" smtClean="0"/>
-                        <a:t/>
-                      </a:r>
-                      <a:endParaRPr lang="fr-FR" sz="800" dirty="0"/>
-                    </a:p>
-                  </a:txBody>
-                  <a:tcPr/>
-                </a:tc>
-                <a:tc>
-                  <a:txBody>
-                    <a:bodyPr/>
-                    <a:lstStyle/>
-                    <a:p>
-                      <a:r>
-                        <a:rPr lang="en-US" sz="800" dirty="0" smtClean="0"/>
-                        <a:t/>
-                      </a:r>
-                      <a:endParaRPr lang="fr-FR" sz="800" dirty="0"/>
-                    </a:p>
-                  </a:txBody>
-                  <a:tcPr/>
-                </a:tc>
-                <a:tc>
-                  <a:txBody>
-                    <a:bodyPr/>
-                    <a:lstStyle/>
-                    <a:p>
-                      <a:r>
-                        <a:rPr lang="en-US" sz="800" dirty="0" smtClean="0"/>
+                        <a:rPr lang="en-US" sz="800" b="0" i="0" strike="noStrike" dirty="0" smtClean="0"/>
+                        <a:t/>
+                      </a:r>
+                      <a:endParaRPr lang="fr-FR" sz="800" dirty="0"/>
+                    </a:p>
+                  </a:txBody>
+                  <a:tcPr/>
+                </a:tc>
+                <a:tc>
+                  <a:txBody>
+                    <a:bodyPr/>
+                    <a:lstStyle/>
+                    <a:p>
+                      <a:r>
+                        <a:rPr lang="en-US" sz="800" b="0" i="0" strike="noStrike" dirty="0" smtClean="0"/>
+                        <a:t/>
+                      </a:r>
+                      <a:endParaRPr lang="fr-FR" sz="800" dirty="0"/>
+                    </a:p>
+                  </a:txBody>
+                  <a:tcPr/>
+                </a:tc>
+                <a:tc>
+                  <a:txBody>
+                    <a:bodyPr/>
+                    <a:lstStyle/>
+                    <a:p>
+                      <a:r>
+                        <a:rPr lang="en-US" sz="800" b="0" i="0" strike="noStrike" dirty="0" smtClean="0"/>
                         <a:t/>
                       </a:r>
                       <a:endParaRPr lang="fr-FR" sz="800" dirty="0"/>
@@ -12899,7 +12899,7 @@
                     <a:lstStyle/>
                     <a:p>
                       <a:r>
-                        <a:rPr lang="en-US" sz="800" b="0" i="0" u="none" dirty="0" smtClean="0"/>
+                        <a:rPr lang="en-US" sz="800" b="0" i="0" u="none" strike="noStrike" dirty="0" smtClean="0"/>
                         <a:t>Luit</a:t>
                       </a:r>
                       <a:endParaRPr lang="fr-FR" sz="800" b="1" i="1" u="sng" dirty="0"/>
@@ -12913,7 +12913,7 @@
                     <a:lstStyle/>
                     <a:p>
                       <a:r>
-                        <a:rPr lang="en-US" sz="800" b="0" i="0" u="none" dirty="0" smtClean="0"/>
+                        <a:rPr lang="en-US" sz="800" b="0" i="0" u="none" strike="noStrike" dirty="0" smtClean="0"/>
                         <a:t>:</a:t>
                       </a:r>
                       <a:endParaRPr lang="fr-FR" sz="800" b="1" i="1" u="sng" dirty="0"/>
@@ -12944,7 +12944,7 @@
                         <a:defRPr/>
                       </a:pPr>
                       <a:r>
-                        <a:rPr lang="en-US" sz="800" dirty="0" smtClean="0"/>
+                        <a:rPr lang="en-US" sz="800" b="0" i="0" strike="noStrike" dirty="0" smtClean="0"/>
                         <a:t>c’est</a:t>
                       </a:r>
                       <a:endParaRPr lang="fr-FR" sz="800" dirty="0" smtClean="0"/>
@@ -12958,7 +12958,7 @@
                     <a:lstStyle/>
                     <a:p>
                       <a:r>
-                        <a:rPr lang="en-US" sz="800" dirty="0" smtClean="0"/>
+                        <a:rPr lang="en-US" sz="800" b="0" i="0" strike="noStrike" dirty="0" smtClean="0"/>
                         <a:t>un</a:t>
                       </a:r>
                       <a:endParaRPr lang="fr-FR" sz="800" dirty="0"/>
@@ -12972,7 +12972,7 @@
                     <a:lstStyle/>
                     <a:p>
                       <a:r>
-                        <a:rPr lang="en-US" sz="800" dirty="0" smtClean="0"/>
+                        <a:rPr lang="en-US" sz="800" b="0" i="0" strike="noStrike" dirty="0" smtClean="0"/>
                         <a:t>petit</a:t>
                       </a:r>
                       <a:endParaRPr lang="fr-FR" sz="800" dirty="0"/>
@@ -12986,7 +12986,7 @@
                     <a:lstStyle/>
                     <a:p>
                       <a:r>
-                        <a:rPr lang="en-US" sz="800" dirty="0" smtClean="0"/>
+                        <a:rPr lang="en-US" sz="800" b="0" i="0" strike="noStrike" dirty="0" smtClean="0"/>
                         <a:t>val</a:t>
                       </a:r>
                       <a:endParaRPr lang="fr-FR" sz="800" dirty="0"/>
@@ -13000,7 +13000,7 @@
                     <a:lstStyle/>
                     <a:p>
                       <a:r>
-                        <a:rPr lang="en-US" sz="800" dirty="0" smtClean="0"/>
+                        <a:rPr lang="en-US" sz="800" b="0" i="0" strike="noStrike" dirty="0" smtClean="0"/>
                         <a:t>qui</a:t>
                       </a:r>
                       <a:endParaRPr lang="fr-FR" sz="800" dirty="0"/>
@@ -13014,7 +13014,7 @@
                     <a:lstStyle/>
                     <a:p>
                       <a:r>
-                        <a:rPr lang="en-US" sz="800" dirty="0" smtClean="0"/>
+                        <a:rPr lang="en-US" sz="800" b="0" i="0" strike="noStrike" dirty="0" smtClean="0"/>
                         <a:t>mousse</a:t>
                       </a:r>
                       <a:endParaRPr lang="fr-FR" sz="800" dirty="0"/>
@@ -13045,7 +13045,7 @@
                         <a:defRPr/>
                       </a:pPr>
                       <a:r>
-                        <a:rPr lang="en-US" sz="800" dirty="0" smtClean="0"/>
+                        <a:rPr lang="en-US" sz="800" b="0" i="0" strike="noStrike" dirty="0" smtClean="0"/>
                         <a:t>de</a:t>
                       </a:r>
                       <a:endParaRPr lang="fr-FR" sz="800" dirty="0" smtClean="0"/>
@@ -13059,7 +13059,7 @@
                     <a:lstStyle/>
                     <a:p>
                       <a:r>
-                        <a:rPr lang="en-US" sz="800" dirty="0" smtClean="0"/>
+                        <a:rPr lang="en-US" sz="800" b="0" i="0" strike="noStrike" dirty="0" smtClean="0"/>
                         <a:t>rayons.</a:t>
                       </a:r>
                       <a:endParaRPr lang="fr-FR" sz="800" dirty="0"/>
@@ -13073,49 +13073,49 @@
                     <a:lstStyle/>
                     <a:p>
                       <a:r>
-                        <a:rPr lang="en-US" sz="800" dirty="0" smtClean="0"/>
-                        <a:t/>
-                      </a:r>
-                      <a:endParaRPr lang="fr-FR" sz="800" dirty="0"/>
-                    </a:p>
-                  </a:txBody>
-                  <a:tcPr/>
-                </a:tc>
-                <a:tc>
-                  <a:txBody>
-                    <a:bodyPr/>
-                    <a:lstStyle/>
-                    <a:p>
-                      <a:r>
-                        <a:rPr lang="en-US" sz="800" dirty="0" smtClean="0"/>
-                        <a:t/>
-                      </a:r>
-                      <a:endParaRPr lang="fr-FR" sz="800" dirty="0"/>
-                    </a:p>
-                  </a:txBody>
-                  <a:tcPr/>
-                </a:tc>
-                <a:tc>
-                  <a:txBody>
-                    <a:bodyPr/>
-                    <a:lstStyle/>
-                    <a:p>
-                      <a:r>
-                        <a:rPr lang="en-US" sz="800" dirty="0" smtClean="0"/>
-                        <a:t/>
-                      </a:r>
-                      <a:endParaRPr lang="fr-FR" sz="800" dirty="0"/>
-                    </a:p>
-                  </a:txBody>
-                  <a:tcPr/>
-                </a:tc>
-                <a:tc>
-                  <a:txBody>
-                    <a:bodyPr/>
-                    <a:lstStyle/>
-                    <a:p>
-                      <a:r>
-                        <a:rPr lang="en-US" sz="800" dirty="0" smtClean="0"/>
+                        <a:rPr lang="en-US" sz="800" b="0" i="0" strike="noStrike" dirty="0" smtClean="0"/>
+                        <a:t/>
+                      </a:r>
+                      <a:endParaRPr lang="fr-FR" sz="800" dirty="0"/>
+                    </a:p>
+                  </a:txBody>
+                  <a:tcPr/>
+                </a:tc>
+                <a:tc>
+                  <a:txBody>
+                    <a:bodyPr/>
+                    <a:lstStyle/>
+                    <a:p>
+                      <a:r>
+                        <a:rPr lang="en-US" sz="800" b="0" i="0" strike="noStrike" dirty="0" smtClean="0"/>
+                        <a:t/>
+                      </a:r>
+                      <a:endParaRPr lang="fr-FR" sz="800" dirty="0"/>
+                    </a:p>
+                  </a:txBody>
+                  <a:tcPr/>
+                </a:tc>
+                <a:tc>
+                  <a:txBody>
+                    <a:bodyPr/>
+                    <a:lstStyle/>
+                    <a:p>
+                      <a:r>
+                        <a:rPr lang="en-US" sz="800" b="0" i="0" strike="noStrike" dirty="0" smtClean="0"/>
+                        <a:t/>
+                      </a:r>
+                      <a:endParaRPr lang="fr-FR" sz="800" dirty="0"/>
+                    </a:p>
+                  </a:txBody>
+                  <a:tcPr/>
+                </a:tc>
+                <a:tc>
+                  <a:txBody>
+                    <a:bodyPr/>
+                    <a:lstStyle/>
+                    <a:p>
+                      <a:r>
+                        <a:rPr lang="en-US" sz="800" b="0" i="0" strike="noStrike" dirty="0" smtClean="0"/>
                         <a:t/>
                       </a:r>
                       <a:endParaRPr lang="fr-FR" sz="800" dirty="0"/>
@@ -13131,7 +13131,7 @@
                     <a:lstStyle/>
                     <a:p>
                       <a:r>
-                        <a:rPr lang="en-US" sz="800" b="0" i="0" u="none" dirty="0" smtClean="0"/>
+                        <a:rPr lang="en-US" sz="800" b="0" i="0" u="none" strike="noStrike" dirty="0" smtClean="0"/>
                         <a:t/>
                       </a:r>
                       <a:endParaRPr lang="fr-FR" sz="800" b="1" i="1" u="sng" dirty="0"/>
@@ -13145,7 +13145,7 @@
                     <a:lstStyle/>
                     <a:p>
                       <a:r>
-                        <a:rPr lang="en-US" sz="800" b="0" i="0" u="none" dirty="0" smtClean="0"/>
+                        <a:rPr lang="en-US" sz="800" b="0" i="0" u="none" strike="noStrike" dirty="0" smtClean="0"/>
                         <a:t/>
                       </a:r>
                       <a:endParaRPr lang="fr-FR" sz="800" b="1" i="1" u="sng" dirty="0"/>
@@ -13176,7 +13176,7 @@
                         <a:defRPr/>
                       </a:pPr>
                       <a:r>
-                        <a:rPr lang="en-US" sz="800" dirty="0" smtClean="0"/>
+                        <a:rPr lang="en-US" sz="800" b="0" i="0" strike="noStrike" dirty="0" smtClean="0"/>
                         <a:t/>
                       </a:r>
                       <a:endParaRPr lang="fr-FR" sz="800" dirty="0" smtClean="0"/>
@@ -13190,147 +13190,147 @@
                     <a:lstStyle/>
                     <a:p>
                       <a:r>
-                        <a:rPr lang="en-US" sz="800" dirty="0" smtClean="0"/>
-                        <a:t/>
-                      </a:r>
-                      <a:endParaRPr lang="fr-FR" sz="800" dirty="0"/>
-                    </a:p>
-                  </a:txBody>
-                  <a:tcPr/>
-                </a:tc>
-                <a:tc>
-                  <a:txBody>
-                    <a:bodyPr/>
-                    <a:lstStyle/>
-                    <a:p>
-                      <a:r>
-                        <a:rPr lang="en-US" sz="800" dirty="0" smtClean="0"/>
-                        <a:t/>
-                      </a:r>
-                      <a:endParaRPr lang="fr-FR" sz="800" dirty="0"/>
-                    </a:p>
-                  </a:txBody>
-                  <a:tcPr/>
-                </a:tc>
-                <a:tc>
-                  <a:txBody>
-                    <a:bodyPr/>
-                    <a:lstStyle/>
-                    <a:p>
-                      <a:r>
-                        <a:rPr lang="en-US" sz="800" dirty="0" smtClean="0"/>
-                        <a:t/>
-                      </a:r>
-                      <a:endParaRPr lang="fr-FR" sz="800" dirty="0"/>
-                    </a:p>
-                  </a:txBody>
-                  <a:tcPr/>
-                </a:tc>
-                <a:tc>
-                  <a:txBody>
-                    <a:bodyPr/>
-                    <a:lstStyle/>
-                    <a:p>
-                      <a:r>
-                        <a:rPr lang="en-US" sz="800" dirty="0" smtClean="0"/>
-                        <a:t/>
-                      </a:r>
-                      <a:endParaRPr lang="fr-FR" sz="800" dirty="0"/>
-                    </a:p>
-                  </a:txBody>
-                  <a:tcPr/>
-                </a:tc>
-                <a:tc>
-                  <a:txBody>
-                    <a:bodyPr/>
-                    <a:lstStyle/>
-                    <a:p>
-                      <a:r>
-                        <a:rPr lang="en-US" sz="800" dirty="0" smtClean="0"/>
-                        <a:t/>
-                      </a:r>
-                      <a:endParaRPr lang="fr-FR" sz="800" dirty="0"/>
-                    </a:p>
-                  </a:txBody>
-                  <a:tcPr/>
-                </a:tc>
-                <a:tc>
-                  <a:txBody>
-                    <a:bodyPr/>
-                    <a:lstStyle/>
-                    <a:p>
-                      <a:r>
-                        <a:rPr lang="en-US" sz="800" dirty="0" smtClean="0"/>
-                        <a:t/>
-                      </a:r>
-                      <a:endParaRPr lang="fr-FR" sz="800" dirty="0"/>
-                    </a:p>
-                  </a:txBody>
-                  <a:tcPr/>
-                </a:tc>
-                <a:tc>
-                  <a:txBody>
-                    <a:bodyPr/>
-                    <a:lstStyle/>
-                    <a:p>
-                      <a:r>
-                        <a:rPr lang="en-US" sz="800" dirty="0" smtClean="0"/>
-                        <a:t/>
-                      </a:r>
-                      <a:endParaRPr lang="fr-FR" sz="800" dirty="0"/>
-                    </a:p>
-                  </a:txBody>
-                  <a:tcPr/>
-                </a:tc>
-                <a:tc>
-                  <a:txBody>
-                    <a:bodyPr/>
-                    <a:lstStyle/>
-                    <a:p>
-                      <a:r>
-                        <a:rPr lang="en-US" sz="800" dirty="0" smtClean="0"/>
-                        <a:t/>
-                      </a:r>
-                      <a:endParaRPr lang="fr-FR" sz="800" dirty="0"/>
-                    </a:p>
-                  </a:txBody>
-                  <a:tcPr/>
-                </a:tc>
-                <a:tc>
-                  <a:txBody>
-                    <a:bodyPr/>
-                    <a:lstStyle/>
-                    <a:p>
-                      <a:r>
-                        <a:rPr lang="en-US" sz="800" dirty="0" smtClean="0"/>
-                        <a:t/>
-                      </a:r>
-                      <a:endParaRPr lang="fr-FR" sz="800" dirty="0"/>
-                    </a:p>
-                  </a:txBody>
-                  <a:tcPr/>
-                </a:tc>
-                <a:tc>
-                  <a:txBody>
-                    <a:bodyPr/>
-                    <a:lstStyle/>
-                    <a:p>
-                      <a:r>
-                        <a:rPr lang="en-US" sz="800" dirty="0" smtClean="0"/>
-                        <a:t/>
-                      </a:r>
-                      <a:endParaRPr lang="fr-FR" sz="800" dirty="0"/>
-                    </a:p>
-                  </a:txBody>
-                  <a:tcPr/>
-                </a:tc>
-                <a:tc>
-                  <a:txBody>
-                    <a:bodyPr/>
-                    <a:lstStyle/>
-                    <a:p>
-                      <a:r>
-                        <a:rPr lang="en-US" sz="800" dirty="0" smtClean="0"/>
+                        <a:rPr lang="en-US" sz="800" b="0" i="0" strike="noStrike" dirty="0" smtClean="0"/>
+                        <a:t/>
+                      </a:r>
+                      <a:endParaRPr lang="fr-FR" sz="800" dirty="0"/>
+                    </a:p>
+                  </a:txBody>
+                  <a:tcPr/>
+                </a:tc>
+                <a:tc>
+                  <a:txBody>
+                    <a:bodyPr/>
+                    <a:lstStyle/>
+                    <a:p>
+                      <a:r>
+                        <a:rPr lang="en-US" sz="800" b="0" i="0" strike="noStrike" dirty="0" smtClean="0"/>
+                        <a:t/>
+                      </a:r>
+                      <a:endParaRPr lang="fr-FR" sz="800" dirty="0"/>
+                    </a:p>
+                  </a:txBody>
+                  <a:tcPr/>
+                </a:tc>
+                <a:tc>
+                  <a:txBody>
+                    <a:bodyPr/>
+                    <a:lstStyle/>
+                    <a:p>
+                      <a:r>
+                        <a:rPr lang="en-US" sz="800" b="0" i="0" strike="noStrike" dirty="0" smtClean="0"/>
+                        <a:t/>
+                      </a:r>
+                      <a:endParaRPr lang="fr-FR" sz="800" dirty="0"/>
+                    </a:p>
+                  </a:txBody>
+                  <a:tcPr/>
+                </a:tc>
+                <a:tc>
+                  <a:txBody>
+                    <a:bodyPr/>
+                    <a:lstStyle/>
+                    <a:p>
+                      <a:r>
+                        <a:rPr lang="en-US" sz="800" b="0" i="0" strike="noStrike" dirty="0" smtClean="0"/>
+                        <a:t/>
+                      </a:r>
+                      <a:endParaRPr lang="fr-FR" sz="800" dirty="0"/>
+                    </a:p>
+                  </a:txBody>
+                  <a:tcPr/>
+                </a:tc>
+                <a:tc>
+                  <a:txBody>
+                    <a:bodyPr/>
+                    <a:lstStyle/>
+                    <a:p>
+                      <a:r>
+                        <a:rPr lang="en-US" sz="800" b="0" i="0" strike="noStrike" dirty="0" smtClean="0"/>
+                        <a:t/>
+                      </a:r>
+                      <a:endParaRPr lang="fr-FR" sz="800" dirty="0"/>
+                    </a:p>
+                  </a:txBody>
+                  <a:tcPr/>
+                </a:tc>
+                <a:tc>
+                  <a:txBody>
+                    <a:bodyPr/>
+                    <a:lstStyle/>
+                    <a:p>
+                      <a:r>
+                        <a:rPr lang="en-US" sz="800" b="0" i="0" strike="noStrike" dirty="0" smtClean="0"/>
+                        <a:t/>
+                      </a:r>
+                      <a:endParaRPr lang="fr-FR" sz="800" dirty="0"/>
+                    </a:p>
+                  </a:txBody>
+                  <a:tcPr/>
+                </a:tc>
+                <a:tc>
+                  <a:txBody>
+                    <a:bodyPr/>
+                    <a:lstStyle/>
+                    <a:p>
+                      <a:r>
+                        <a:rPr lang="en-US" sz="800" b="0" i="0" strike="noStrike" dirty="0" smtClean="0"/>
+                        <a:t/>
+                      </a:r>
+                      <a:endParaRPr lang="fr-FR" sz="800" dirty="0"/>
+                    </a:p>
+                  </a:txBody>
+                  <a:tcPr/>
+                </a:tc>
+                <a:tc>
+                  <a:txBody>
+                    <a:bodyPr/>
+                    <a:lstStyle/>
+                    <a:p>
+                      <a:r>
+                        <a:rPr lang="en-US" sz="800" b="0" i="0" strike="noStrike" dirty="0" smtClean="0"/>
+                        <a:t/>
+                      </a:r>
+                      <a:endParaRPr lang="fr-FR" sz="800" dirty="0"/>
+                    </a:p>
+                  </a:txBody>
+                  <a:tcPr/>
+                </a:tc>
+                <a:tc>
+                  <a:txBody>
+                    <a:bodyPr/>
+                    <a:lstStyle/>
+                    <a:p>
+                      <a:r>
+                        <a:rPr lang="en-US" sz="800" b="0" i="0" strike="noStrike" dirty="0" smtClean="0"/>
+                        <a:t/>
+                      </a:r>
+                      <a:endParaRPr lang="fr-FR" sz="800" dirty="0"/>
+                    </a:p>
+                  </a:txBody>
+                  <a:tcPr/>
+                </a:tc>
+                <a:tc>
+                  <a:txBody>
+                    <a:bodyPr/>
+                    <a:lstStyle/>
+                    <a:p>
+                      <a:r>
+                        <a:rPr lang="en-US" sz="800" b="0" i="0" strike="noStrike" dirty="0" smtClean="0"/>
+                        <a:t/>
+                      </a:r>
+                      <a:endParaRPr lang="fr-FR" sz="800" dirty="0"/>
+                    </a:p>
+                  </a:txBody>
+                  <a:tcPr/>
+                </a:tc>
+                <a:tc>
+                  <a:txBody>
+                    <a:bodyPr/>
+                    <a:lstStyle/>
+                    <a:p>
+                      <a:r>
+                        <a:rPr lang="en-US" sz="800" b="0" i="0" strike="noStrike" dirty="0" smtClean="0"/>
                         <a:t/>
                       </a:r>
                       <a:endParaRPr lang="fr-FR" sz="800" dirty="0"/>
@@ -13346,7 +13346,7 @@
                     <a:lstStyle/>
                     <a:p>
                       <a:r>
-                        <a:rPr lang="en-US" sz="800" b="0" i="0" u="none" dirty="0" smtClean="0"/>
+                        <a:rPr lang="en-US" sz="800" b="0" i="0" u="none" strike="noStrike" dirty="0" smtClean="0"/>
                         <a:t>Un</a:t>
                       </a:r>
                       <a:endParaRPr lang="fr-FR" sz="800" b="1" i="1" u="sng" dirty="0"/>
@@ -13360,7 +13360,7 @@
                     <a:lstStyle/>
                     <a:p>
                       <a:r>
-                        <a:rPr lang="en-US" sz="800" b="0" i="0" u="none" dirty="0" smtClean="0"/>
+                        <a:rPr lang="en-US" sz="800" b="0" i="0" u="none" strike="noStrike" dirty="0" smtClean="0"/>
                         <a:t>soldat</a:t>
                       </a:r>
                       <a:endParaRPr lang="fr-FR" sz="800" b="1" i="1" u="sng" dirty="0"/>
@@ -13391,7 +13391,7 @@
                         <a:defRPr/>
                       </a:pPr>
                       <a:r>
-                        <a:rPr lang="en-US" sz="800" dirty="0" smtClean="0"/>
+                        <a:rPr lang="en-US" sz="800" b="0" i="0" strike="noStrike" dirty="0" smtClean="0"/>
                         <a:t>jeune,</a:t>
                       </a:r>
                       <a:endParaRPr lang="fr-FR" sz="800" dirty="0" smtClean="0"/>
@@ -13405,7 +13405,7 @@
                     <a:lstStyle/>
                     <a:p>
                       <a:r>
-                        <a:rPr lang="en-US" sz="800" dirty="0" smtClean="0"/>
+                        <a:rPr lang="en-US" sz="800" b="0" i="0" strike="noStrike" dirty="0" smtClean="0"/>
                         <a:t>bouche</a:t>
                       </a:r>
                       <a:endParaRPr lang="fr-FR" sz="800" dirty="0"/>
@@ -13419,7 +13419,7 @@
                     <a:lstStyle/>
                     <a:p>
                       <a:r>
-                        <a:rPr lang="en-US" sz="800" dirty="0" smtClean="0"/>
+                        <a:rPr lang="en-US" sz="800" b="0" i="0" strike="noStrike" dirty="0" smtClean="0"/>
                         <a:t>ouverte,</a:t>
                       </a:r>
                       <a:endParaRPr lang="fr-FR" sz="800" dirty="0"/>
@@ -13433,7 +13433,7 @@
                     <a:lstStyle/>
                     <a:p>
                       <a:r>
-                        <a:rPr lang="en-US" sz="800" dirty="0" smtClean="0"/>
+                        <a:rPr lang="en-US" sz="800" b="0" i="0" strike="noStrike" dirty="0" smtClean="0"/>
                         <a:t>tête</a:t>
                       </a:r>
                       <a:endParaRPr lang="fr-FR" sz="800" dirty="0"/>
@@ -13447,7 +13447,7 @@
                     <a:lstStyle/>
                     <a:p>
                       <a:r>
-                        <a:rPr lang="en-US" sz="800" dirty="0" smtClean="0"/>
+                        <a:rPr lang="en-US" sz="800" b="0" i="0" strike="noStrike" dirty="0" smtClean="0"/>
                         <a:t>nue,</a:t>
                       </a:r>
                       <a:endParaRPr lang="fr-FR" sz="800" dirty="0"/>
@@ -13461,7 +13461,7 @@
                     <a:lstStyle/>
                     <a:p>
                       <a:r>
-                        <a:rPr lang="en-US" sz="800" dirty="0" smtClean="0"/>
+                        <a:rPr lang="en-US" sz="800" b="0" i="0" strike="noStrike" dirty="0" smtClean="0"/>
                         <a:t/>
                       </a:r>
                       <a:endParaRPr lang="fr-FR" sz="800" dirty="0"/>
@@ -13492,7 +13492,7 @@
                         <a:defRPr/>
                       </a:pPr>
                       <a:r>
-                        <a:rPr lang="en-US" sz="800" dirty="0" smtClean="0"/>
+                        <a:rPr lang="en-US" sz="800" b="0" i="0" strike="noStrike" dirty="0" smtClean="0"/>
                         <a:t/>
                       </a:r>
                       <a:endParaRPr lang="fr-FR" sz="800" dirty="0" smtClean="0"/>
@@ -13506,7 +13506,7 @@
                     <a:lstStyle/>
                     <a:p>
                       <a:r>
-                        <a:rPr lang="en-US" sz="800" dirty="0" smtClean="0"/>
+                        <a:rPr lang="en-US" sz="800" b="0" i="0" strike="noStrike" dirty="0" smtClean="0"/>
                         <a:t/>
                       </a:r>
                       <a:endParaRPr lang="fr-FR" sz="800" dirty="0"/>
@@ -13537,7 +13537,7 @@
                         <a:defRPr/>
                       </a:pPr>
                       <a:r>
-                        <a:rPr lang="en-US" sz="800" dirty="0" smtClean="0"/>
+                        <a:rPr lang="en-US" sz="800" b="0" i="0" strike="noStrike" dirty="0" smtClean="0"/>
                         <a:t/>
                       </a:r>
                       <a:endParaRPr lang="fr-FR" sz="800" dirty="0" smtClean="0"/>
@@ -13551,35 +13551,35 @@
                     <a:lstStyle/>
                     <a:p>
                       <a:r>
-                        <a:rPr lang="en-US" sz="800" dirty="0" smtClean="0"/>
-                        <a:t/>
-                      </a:r>
-                      <a:endParaRPr lang="fr-FR" sz="800" dirty="0"/>
-                    </a:p>
-                  </a:txBody>
-                  <a:tcPr/>
-                </a:tc>
-                <a:tc>
-                  <a:txBody>
-                    <a:bodyPr/>
-                    <a:lstStyle/>
-                    <a:p>
-                      <a:r>
-                        <a:rPr lang="en-US" sz="800" dirty="0" smtClean="0"/>
-                        <a:t/>
-                      </a:r>
-                      <a:endParaRPr lang="fr-FR" sz="800" dirty="0"/>
-                    </a:p>
-                  </a:txBody>
-                  <a:tcPr/>
-                </a:tc>
-                <a:tc>
-                  <a:txBody>
-                    <a:bodyPr/>
-                    <a:lstStyle/>
-                    <a:p>
-                      <a:r>
-                        <a:rPr lang="en-US" sz="800" dirty="0" smtClean="0"/>
+                        <a:rPr lang="en-US" sz="800" b="0" i="0" strike="noStrike" dirty="0" smtClean="0"/>
+                        <a:t/>
+                      </a:r>
+                      <a:endParaRPr lang="fr-FR" sz="800" dirty="0"/>
+                    </a:p>
+                  </a:txBody>
+                  <a:tcPr/>
+                </a:tc>
+                <a:tc>
+                  <a:txBody>
+                    <a:bodyPr/>
+                    <a:lstStyle/>
+                    <a:p>
+                      <a:r>
+                        <a:rPr lang="en-US" sz="800" b="0" i="0" strike="noStrike" dirty="0" smtClean="0"/>
+                        <a:t/>
+                      </a:r>
+                      <a:endParaRPr lang="fr-FR" sz="800" dirty="0"/>
+                    </a:p>
+                  </a:txBody>
+                  <a:tcPr/>
+                </a:tc>
+                <a:tc>
+                  <a:txBody>
+                    <a:bodyPr/>
+                    <a:lstStyle/>
+                    <a:p>
+                      <a:r>
+                        <a:rPr lang="en-US" sz="800" b="0" i="0" strike="noStrike" dirty="0" smtClean="0"/>
                         <a:t/>
                       </a:r>
                       <a:endParaRPr lang="fr-FR" sz="800" dirty="0"/>
@@ -13595,7 +13595,7 @@
                     <a:lstStyle/>
                     <a:p>
                       <a:r>
-                        <a:rPr lang="en-US" sz="800" b="0" i="0" u="none" dirty="0" smtClean="0"/>
+                        <a:rPr lang="en-US" sz="800" b="0" i="0" u="none" strike="noStrike" dirty="0" smtClean="0"/>
                         <a:t>Et</a:t>
                       </a:r>
                       <a:endParaRPr lang="fr-FR" sz="800" b="1" i="1" u="sng" dirty="0"/>
@@ -13609,7 +13609,7 @@
                     <a:lstStyle/>
                     <a:p>
                       <a:r>
-                        <a:rPr lang="en-US" sz="800" b="0" i="0" u="none" dirty="0" smtClean="0"/>
+                        <a:rPr lang="en-US" sz="800" b="0" i="0" u="none" strike="noStrike" dirty="0" smtClean="0"/>
                         <a:t>la</a:t>
                       </a:r>
                       <a:endParaRPr lang="fr-FR" sz="800" b="1" i="1" u="sng" dirty="0"/>
@@ -13640,7 +13640,7 @@
                         <a:defRPr/>
                       </a:pPr>
                       <a:r>
-                        <a:rPr lang="en-US" sz="800" dirty="0" smtClean="0"/>
+                        <a:rPr lang="en-US" sz="800" b="0" i="0" strike="noStrike" dirty="0" smtClean="0"/>
                         <a:t>nuque</a:t>
                       </a:r>
                       <a:endParaRPr lang="fr-FR" sz="800" dirty="0" smtClean="0"/>
@@ -13654,7 +13654,7 @@
                     <a:lstStyle/>
                     <a:p>
                       <a:r>
-                        <a:rPr lang="en-US" sz="800" dirty="0" smtClean="0"/>
+                        <a:rPr lang="en-US" sz="800" b="0" i="0" strike="noStrike" dirty="0" smtClean="0"/>
                         <a:t>baignant</a:t>
                       </a:r>
                       <a:endParaRPr lang="fr-FR" sz="800" dirty="0"/>
@@ -13668,7 +13668,7 @@
                     <a:lstStyle/>
                     <a:p>
                       <a:r>
-                        <a:rPr lang="en-US" sz="800" dirty="0" smtClean="0"/>
+                        <a:rPr lang="en-US" sz="800" b="0" i="0" strike="noStrike" dirty="0" smtClean="0"/>
                         <a:t>dans</a:t>
                       </a:r>
                       <a:endParaRPr lang="fr-FR" sz="800" dirty="0"/>
@@ -13682,7 +13682,7 @@
                     <a:lstStyle/>
                     <a:p>
                       <a:r>
-                        <a:rPr lang="en-US" sz="800" dirty="0" smtClean="0"/>
+                        <a:rPr lang="en-US" sz="800" b="0" i="0" strike="noStrike" dirty="0" smtClean="0"/>
                         <a:t>le</a:t>
                       </a:r>
                       <a:endParaRPr lang="fr-FR" sz="800" dirty="0"/>
@@ -13696,7 +13696,7 @@
                     <a:lstStyle/>
                     <a:p>
                       <a:r>
-                        <a:rPr lang="en-US" sz="800" dirty="0" smtClean="0"/>
+                        <a:rPr lang="en-US" sz="800" b="0" i="0" strike="noStrike" dirty="0" smtClean="0"/>
                         <a:t>frais</a:t>
                       </a:r>
                       <a:endParaRPr lang="fr-FR" sz="800" dirty="0"/>
@@ -13710,7 +13710,7 @@
                     <a:lstStyle/>
                     <a:p>
                       <a:r>
-                        <a:rPr lang="en-US" sz="800" dirty="0" smtClean="0"/>
+                        <a:rPr lang="en-US" sz="800" b="0" i="0" strike="noStrike" dirty="0" smtClean="0"/>
                         <a:t>cresson</a:t>
                       </a:r>
                       <a:endParaRPr lang="fr-FR" sz="800" dirty="0"/>
@@ -13741,7 +13741,7 @@
                         <a:defRPr/>
                       </a:pPr>
                       <a:r>
-                        <a:rPr lang="en-US" sz="800" dirty="0" smtClean="0"/>
+                        <a:rPr lang="en-US" sz="800" b="0" i="0" strike="noStrike" dirty="0" smtClean="0"/>
                         <a:t>bleu,</a:t>
                       </a:r>
                       <a:endParaRPr lang="fr-FR" sz="800" dirty="0" smtClean="0"/>
@@ -13755,7 +13755,7 @@
                     <a:lstStyle/>
                     <a:p>
                       <a:r>
-                        <a:rPr lang="en-US" sz="800" dirty="0" smtClean="0"/>
+                        <a:rPr lang="en-US" sz="800" b="0" i="0" strike="noStrike" dirty="0" smtClean="0"/>
                         <a:t/>
                       </a:r>
                       <a:endParaRPr lang="fr-FR" sz="800" dirty="0"/>
@@ -13786,7 +13786,7 @@
                         <a:defRPr/>
                       </a:pPr>
                       <a:r>
-                        <a:rPr lang="en-US" sz="800" dirty="0" smtClean="0"/>
+                        <a:rPr lang="en-US" sz="800" b="0" i="0" strike="noStrike" dirty="0" smtClean="0"/>
                         <a:t/>
                       </a:r>
                       <a:endParaRPr lang="fr-FR" sz="800" dirty="0" smtClean="0"/>
@@ -13800,35 +13800,35 @@
                     <a:lstStyle/>
                     <a:p>
                       <a:r>
-                        <a:rPr lang="en-US" sz="800" dirty="0" smtClean="0"/>
-                        <a:t/>
-                      </a:r>
-                      <a:endParaRPr lang="fr-FR" sz="800" dirty="0"/>
-                    </a:p>
-                  </a:txBody>
-                  <a:tcPr/>
-                </a:tc>
-                <a:tc>
-                  <a:txBody>
-                    <a:bodyPr/>
-                    <a:lstStyle/>
-                    <a:p>
-                      <a:r>
-                        <a:rPr lang="en-US" sz="800" dirty="0" smtClean="0"/>
-                        <a:t/>
-                      </a:r>
-                      <a:endParaRPr lang="fr-FR" sz="800" dirty="0"/>
-                    </a:p>
-                  </a:txBody>
-                  <a:tcPr/>
-                </a:tc>
-                <a:tc>
-                  <a:txBody>
-                    <a:bodyPr/>
-                    <a:lstStyle/>
-                    <a:p>
-                      <a:r>
-                        <a:rPr lang="en-US" sz="800" dirty="0" smtClean="0"/>
+                        <a:rPr lang="en-US" sz="800" b="0" i="0" strike="noStrike" dirty="0" smtClean="0"/>
+                        <a:t/>
+                      </a:r>
+                      <a:endParaRPr lang="fr-FR" sz="800" dirty="0"/>
+                    </a:p>
+                  </a:txBody>
+                  <a:tcPr/>
+                </a:tc>
+                <a:tc>
+                  <a:txBody>
+                    <a:bodyPr/>
+                    <a:lstStyle/>
+                    <a:p>
+                      <a:r>
+                        <a:rPr lang="en-US" sz="800" b="0" i="0" strike="noStrike" dirty="0" smtClean="0"/>
+                        <a:t/>
+                      </a:r>
+                      <a:endParaRPr lang="fr-FR" sz="800" dirty="0"/>
+                    </a:p>
+                  </a:txBody>
+                  <a:tcPr/>
+                </a:tc>
+                <a:tc>
+                  <a:txBody>
+                    <a:bodyPr/>
+                    <a:lstStyle/>
+                    <a:p>
+                      <a:r>
+                        <a:rPr lang="en-US" sz="800" b="0" i="0" strike="noStrike" dirty="0" smtClean="0"/>
                         <a:t/>
                       </a:r>
                       <a:endParaRPr lang="fr-FR" sz="800" dirty="0"/>

--- a/PowerpointTemplater.Tests/files/ReplaceTableMultipleTimes_output.pptx
+++ b/PowerpointTemplater.Tests/files/ReplaceTableMultipleTimes_output.pptx
@@ -5,12 +5,12 @@
     <p:sldMasterId id="2147483648" r:id="rId1"/>
   </p:sldMasterIdLst>
   <p:sldIdLst>
-    <p:sldId id="258" r:id="R029d6ab96a544984"/>
-    <p:sldId id="259" r:id="R024b0f4fecb94b1f"/>
-    <p:sldId id="260" r:id="Ra468c8484d054dd6"/>
-    <p:sldId id="262" r:id="R9ef24eea2ae74fe5"/>
-    <p:sldId id="263" r:id="Rfa5bb3e686bd4ae8"/>
-    <p:sldId id="264" r:id="Rcc92d1dc819e4f8d"/>
+    <p:sldId id="258" r:id="Rcc88d9225e734a75"/>
+    <p:sldId id="259" r:id="R3f2042b507434004"/>
+    <p:sldId id="260" r:id="Rf59cdbb024484f5d"/>
+    <p:sldId id="262" r:id="Rb9ae3a17e56c418d"/>
+    <p:sldId id="263" r:id="R54890a72d165400c"/>
+    <p:sldId id="264" r:id="R61140e5a4b9143fb"/>
   </p:sldIdLst>
   <p:sldSz cx="9144000" cy="6858000" type="screen4x3"/>
   <p:notesSz cx="6858000" cy="9144000"/>
